--- a/Java8.pptx
+++ b/Java8.pptx
@@ -7703,40 +7703,6 @@
             </a:pPr>
             <a:r>
               <a:rPr lang="pl"/>
-              <a:t>Iterator</a:t>
-            </a:r>
-          </a:p>
-          <a:p>
-            <a:pPr indent="-228600" lvl="1" marL="914400" rtl="0">
-              <a:lnSpc>
-                <a:spcPct val="100000"/>
-              </a:lnSpc>
-              <a:spcBef>
-                <a:spcPts val="0"/>
-              </a:spcBef>
-              <a:spcAft>
-                <a:spcPts val="500"/>
-              </a:spcAft>
-            </a:pPr>
-            <a:r>
-              <a:rPr lang="pl"/>
-              <a:t>forEachRemaining(Consumer)</a:t>
-            </a:r>
-          </a:p>
-          <a:p>
-            <a:pPr indent="-228600" lvl="0" marL="457200" rtl="0">
-              <a:lnSpc>
-                <a:spcPct val="100000"/>
-              </a:lnSpc>
-              <a:spcBef>
-                <a:spcPts val="0"/>
-              </a:spcBef>
-              <a:spcAft>
-                <a:spcPts val="500"/>
-              </a:spcAft>
-            </a:pPr>
-            <a:r>
-              <a:rPr lang="pl"/>
               <a:t>Collection (extends Iterable)</a:t>
             </a:r>
           </a:p>
@@ -7998,6 +7964,285 @@
 </file>
 
 <file path=ppt/theme/theme1.xml><?xml version="1.0" encoding="utf-8"?>
+<a:theme xmlns:a="http://schemas.openxmlformats.org/drawingml/2006/main" xmlns:r="http://schemas.openxmlformats.org/officeDocument/2006/relationships" name="simple-dark-2">
+  <a:themeElements>
+    <a:clrScheme name="Simple Dark">
+      <a:dk1>
+        <a:srgbClr val="FFFFFF"/>
+      </a:dk1>
+      <a:lt1>
+        <a:srgbClr val="212121"/>
+      </a:lt1>
+      <a:dk2>
+        <a:srgbClr val="303030"/>
+      </a:dk2>
+      <a:lt2>
+        <a:srgbClr val="ADADAD"/>
+      </a:lt2>
+      <a:accent1>
+        <a:srgbClr val="009688"/>
+      </a:accent1>
+      <a:accent2>
+        <a:srgbClr val="EEEEEE"/>
+      </a:accent2>
+      <a:accent3>
+        <a:srgbClr val="78909C"/>
+      </a:accent3>
+      <a:accent4>
+        <a:srgbClr val="FFAB40"/>
+      </a:accent4>
+      <a:accent5>
+        <a:srgbClr val="4DD0E1"/>
+      </a:accent5>
+      <a:accent6>
+        <a:srgbClr val="EEFF41"/>
+      </a:accent6>
+      <a:hlink>
+        <a:srgbClr val="4DD0E1"/>
+      </a:hlink>
+      <a:folHlink>
+        <a:srgbClr val="4DD0E1"/>
+      </a:folHlink>
+    </a:clrScheme>
+    <a:fontScheme name="Office">
+      <a:majorFont>
+        <a:latin typeface="Arial"/>
+        <a:ea typeface=""/>
+        <a:cs typeface=""/>
+        <a:font script="Jpan" typeface="ＭＳ Ｐゴシック"/>
+        <a:font script="Hang" typeface="맑은 고딕"/>
+        <a:font script="Hans" typeface="宋体"/>
+        <a:font script="Hant" typeface="新細明體"/>
+        <a:font script="Arab" typeface="Times New Roman"/>
+        <a:font script="Hebr" typeface="Times New Roman"/>
+        <a:font script="Thai" typeface="Angsana New"/>
+        <a:font script="Ethi" typeface="Nyala"/>
+        <a:font script="Beng" typeface="Vrinda"/>
+        <a:font script="Gujr" typeface="Shruti"/>
+        <a:font script="Khmr" typeface="MoolBoran"/>
+        <a:font script="Knda" typeface="Tunga"/>
+        <a:font script="Guru" typeface="Raavi"/>
+        <a:font script="Cans" typeface="Euphemia"/>
+        <a:font script="Cher" typeface="Plantagenet Cherokee"/>
+        <a:font script="Yiii" typeface="Microsoft Yi Baiti"/>
+        <a:font script="Tibt" typeface="Microsoft Himalaya"/>
+        <a:font script="Thaa" typeface="MV Boli"/>
+        <a:font script="Deva" typeface="Mangal"/>
+        <a:font script="Telu" typeface="Gautami"/>
+        <a:font script="Taml" typeface="Latha"/>
+        <a:font script="Syrc" typeface="Estrangelo Edessa"/>
+        <a:font script="Orya" typeface="Kalinga"/>
+        <a:font script="Mlym" typeface="Kartika"/>
+        <a:font script="Laoo" typeface="DokChampa"/>
+        <a:font script="Sinh" typeface="Iskoola Pota"/>
+        <a:font script="Mong" typeface="Mongolian Baiti"/>
+        <a:font script="Viet" typeface="Times New Roman"/>
+        <a:font script="Uigh" typeface="Microsoft Uighur"/>
+        <a:font script="Geor" typeface="Sylfaen"/>
+      </a:majorFont>
+      <a:minorFont>
+        <a:latin typeface="Arial"/>
+        <a:ea typeface=""/>
+        <a:cs typeface=""/>
+        <a:font script="Jpan" typeface="ＭＳ Ｐゴシック"/>
+        <a:font script="Hang" typeface="맑은 고딕"/>
+        <a:font script="Hans" typeface="宋体"/>
+        <a:font script="Hant" typeface="新細明體"/>
+        <a:font script="Arab" typeface="Arial"/>
+        <a:font script="Hebr" typeface="Arial"/>
+        <a:font script="Thai" typeface="Cordia New"/>
+        <a:font script="Ethi" typeface="Nyala"/>
+        <a:font script="Beng" typeface="Vrinda"/>
+        <a:font script="Gujr" typeface="Shruti"/>
+        <a:font script="Khmr" typeface="DaunPenh"/>
+        <a:font script="Knda" typeface="Tunga"/>
+        <a:font script="Guru" typeface="Raavi"/>
+        <a:font script="Cans" typeface="Euphemia"/>
+        <a:font script="Cher" typeface="Plantagenet Cherokee"/>
+        <a:font script="Yiii" typeface="Microsoft Yi Baiti"/>
+        <a:font script="Tibt" typeface="Microsoft Himalaya"/>
+        <a:font script="Thaa" typeface="MV Boli"/>
+        <a:font script="Deva" typeface="Mangal"/>
+        <a:font script="Telu" typeface="Gautami"/>
+        <a:font script="Taml" typeface="Latha"/>
+        <a:font script="Syrc" typeface="Estrangelo Edessa"/>
+        <a:font script="Orya" typeface="Kalinga"/>
+        <a:font script="Mlym" typeface="Kartika"/>
+        <a:font script="Laoo" typeface="DokChampa"/>
+        <a:font script="Sinh" typeface="Iskoola Pota"/>
+        <a:font script="Mong" typeface="Mongolian Baiti"/>
+        <a:font script="Viet" typeface="Arial"/>
+        <a:font script="Uigh" typeface="Microsoft Uighur"/>
+        <a:font script="Geor" typeface="Sylfaen"/>
+      </a:minorFont>
+    </a:fontScheme>
+    <a:fmtScheme name="Office">
+      <a:fillStyleLst>
+        <a:solidFill>
+          <a:schemeClr val="phClr"/>
+        </a:solidFill>
+        <a:gradFill rotWithShape="1">
+          <a:gsLst>
+            <a:gs pos="0">
+              <a:schemeClr val="phClr">
+                <a:tint val="50000"/>
+                <a:satMod val="300000"/>
+              </a:schemeClr>
+            </a:gs>
+            <a:gs pos="35000">
+              <a:schemeClr val="phClr">
+                <a:tint val="37000"/>
+                <a:satMod val="300000"/>
+              </a:schemeClr>
+            </a:gs>
+            <a:gs pos="100000">
+              <a:schemeClr val="phClr">
+                <a:tint val="15000"/>
+                <a:satMod val="350000"/>
+              </a:schemeClr>
+            </a:gs>
+          </a:gsLst>
+          <a:lin ang="16200000" scaled="1"/>
+        </a:gradFill>
+        <a:gradFill rotWithShape="1">
+          <a:gsLst>
+            <a:gs pos="0">
+              <a:schemeClr val="phClr">
+                <a:tint val="100000"/>
+                <a:shade val="100000"/>
+                <a:satMod val="130000"/>
+              </a:schemeClr>
+            </a:gs>
+            <a:gs pos="100000">
+              <a:schemeClr val="phClr">
+                <a:tint val="50000"/>
+                <a:shade val="100000"/>
+                <a:satMod val="350000"/>
+              </a:schemeClr>
+            </a:gs>
+          </a:gsLst>
+          <a:lin ang="16200000" scaled="0"/>
+        </a:gradFill>
+      </a:fillStyleLst>
+      <a:lnStyleLst>
+        <a:ln w="9525" cap="flat" cmpd="sng" algn="ctr">
+          <a:solidFill>
+            <a:schemeClr val="phClr">
+              <a:shade val="95000"/>
+              <a:satMod val="105000"/>
+            </a:schemeClr>
+          </a:solidFill>
+          <a:prstDash val="solid"/>
+        </a:ln>
+        <a:ln w="25400" cap="flat" cmpd="sng" algn="ctr">
+          <a:solidFill>
+            <a:schemeClr val="phClr"/>
+          </a:solidFill>
+          <a:prstDash val="solid"/>
+        </a:ln>
+        <a:ln w="38100" cap="flat" cmpd="sng" algn="ctr">
+          <a:solidFill>
+            <a:schemeClr val="phClr"/>
+          </a:solidFill>
+          <a:prstDash val="solid"/>
+        </a:ln>
+      </a:lnStyleLst>
+      <a:effectStyleLst>
+        <a:effectStyle>
+          <a:effectLst>
+            <a:outerShdw blurRad="40000" dist="20000" dir="5400000" rotWithShape="0">
+              <a:srgbClr val="000000">
+                <a:alpha val="38000"/>
+              </a:srgbClr>
+            </a:outerShdw>
+          </a:effectLst>
+        </a:effectStyle>
+        <a:effectStyle>
+          <a:effectLst>
+            <a:outerShdw blurRad="40000" dist="23000" dir="5400000" rotWithShape="0">
+              <a:srgbClr val="000000">
+                <a:alpha val="35000"/>
+              </a:srgbClr>
+            </a:outerShdw>
+          </a:effectLst>
+        </a:effectStyle>
+        <a:effectStyle>
+          <a:effectLst>
+            <a:outerShdw blurRad="40000" dist="23000" dir="5400000" rotWithShape="0">
+              <a:srgbClr val="000000">
+                <a:alpha val="35000"/>
+              </a:srgbClr>
+            </a:outerShdw>
+          </a:effectLst>
+          <a:scene3d>
+            <a:camera prst="orthographicFront">
+              <a:rot lat="0" lon="0" rev="0"/>
+            </a:camera>
+            <a:lightRig rig="threePt" dir="t">
+              <a:rot lat="0" lon="0" rev="1200000"/>
+            </a:lightRig>
+          </a:scene3d>
+          <a:sp3d>
+            <a:bevelT w="63500" h="25400"/>
+          </a:sp3d>
+        </a:effectStyle>
+      </a:effectStyleLst>
+      <a:bgFillStyleLst>
+        <a:solidFill>
+          <a:schemeClr val="phClr"/>
+        </a:solidFill>
+        <a:gradFill rotWithShape="1">
+          <a:gsLst>
+            <a:gs pos="0">
+              <a:schemeClr val="phClr">
+                <a:tint val="40000"/>
+                <a:satMod val="350000"/>
+              </a:schemeClr>
+            </a:gs>
+            <a:gs pos="40000">
+              <a:schemeClr val="phClr">
+                <a:tint val="45000"/>
+                <a:shade val="99000"/>
+                <a:satMod val="350000"/>
+              </a:schemeClr>
+            </a:gs>
+            <a:gs pos="100000">
+              <a:schemeClr val="phClr">
+                <a:shade val="20000"/>
+                <a:satMod val="255000"/>
+              </a:schemeClr>
+            </a:gs>
+          </a:gsLst>
+          <a:path path="circle">
+            <a:fillToRect l="50000" t="-80000" r="50000" b="180000"/>
+          </a:path>
+        </a:gradFill>
+        <a:gradFill rotWithShape="1">
+          <a:gsLst>
+            <a:gs pos="0">
+              <a:schemeClr val="phClr">
+                <a:tint val="80000"/>
+                <a:satMod val="300000"/>
+              </a:schemeClr>
+            </a:gs>
+            <a:gs pos="100000">
+              <a:schemeClr val="phClr">
+                <a:shade val="30000"/>
+                <a:satMod val="200000"/>
+              </a:schemeClr>
+            </a:gs>
+          </a:gsLst>
+          <a:path path="circle">
+            <a:fillToRect l="50000" t="50000" r="50000" b="50000"/>
+          </a:path>
+        </a:gradFill>
+      </a:bgFillStyleLst>
+    </a:fmtScheme>
+  </a:themeElements>
+</a:theme>
+</file>
+
+<file path=ppt/theme/theme2.xml><?xml version="1.0" encoding="utf-8"?>
 <a:theme xmlns:a="http://schemas.openxmlformats.org/drawingml/2006/main" xmlns:r="http://schemas.openxmlformats.org/officeDocument/2006/relationships" name="Custom Theme">
   <a:themeElements>
     <a:clrScheme name="Default">
@@ -8274,283 +8519,4 @@
     </a:fmtScheme>
   </a:themeElements>
 </a:theme>
-</file>
-
-<file path=ppt/theme/theme2.xml><?xml version="1.0" encoding="utf-8"?>
-<a:theme xmlns:a="http://schemas.openxmlformats.org/drawingml/2006/main" xmlns:r="http://schemas.openxmlformats.org/officeDocument/2006/relationships" name="simple-dark-2">
-  <a:themeElements>
-    <a:clrScheme name="Simple Dark">
-      <a:dk1>
-        <a:srgbClr val="FFFFFF"/>
-      </a:dk1>
-      <a:lt1>
-        <a:srgbClr val="212121"/>
-      </a:lt1>
-      <a:dk2>
-        <a:srgbClr val="303030"/>
-      </a:dk2>
-      <a:lt2>
-        <a:srgbClr val="ADADAD"/>
-      </a:lt2>
-      <a:accent1>
-        <a:srgbClr val="009688"/>
-      </a:accent1>
-      <a:accent2>
-        <a:srgbClr val="EEEEEE"/>
-      </a:accent2>
-      <a:accent3>
-        <a:srgbClr val="78909C"/>
-      </a:accent3>
-      <a:accent4>
-        <a:srgbClr val="FFAB40"/>
-      </a:accent4>
-      <a:accent5>
-        <a:srgbClr val="4DD0E1"/>
-      </a:accent5>
-      <a:accent6>
-        <a:srgbClr val="EEFF41"/>
-      </a:accent6>
-      <a:hlink>
-        <a:srgbClr val="4DD0E1"/>
-      </a:hlink>
-      <a:folHlink>
-        <a:srgbClr val="4DD0E1"/>
-      </a:folHlink>
-    </a:clrScheme>
-    <a:fontScheme name="Office">
-      <a:majorFont>
-        <a:latin typeface="Arial"/>
-        <a:ea typeface=""/>
-        <a:cs typeface=""/>
-        <a:font script="Jpan" typeface="ＭＳ Ｐゴシック"/>
-        <a:font script="Hang" typeface="맑은 고딕"/>
-        <a:font script="Hans" typeface="宋体"/>
-        <a:font script="Hant" typeface="新細明體"/>
-        <a:font script="Arab" typeface="Times New Roman"/>
-        <a:font script="Hebr" typeface="Times New Roman"/>
-        <a:font script="Thai" typeface="Angsana New"/>
-        <a:font script="Ethi" typeface="Nyala"/>
-        <a:font script="Beng" typeface="Vrinda"/>
-        <a:font script="Gujr" typeface="Shruti"/>
-        <a:font script="Khmr" typeface="MoolBoran"/>
-        <a:font script="Knda" typeface="Tunga"/>
-        <a:font script="Guru" typeface="Raavi"/>
-        <a:font script="Cans" typeface="Euphemia"/>
-        <a:font script="Cher" typeface="Plantagenet Cherokee"/>
-        <a:font script="Yiii" typeface="Microsoft Yi Baiti"/>
-        <a:font script="Tibt" typeface="Microsoft Himalaya"/>
-        <a:font script="Thaa" typeface="MV Boli"/>
-        <a:font script="Deva" typeface="Mangal"/>
-        <a:font script="Telu" typeface="Gautami"/>
-        <a:font script="Taml" typeface="Latha"/>
-        <a:font script="Syrc" typeface="Estrangelo Edessa"/>
-        <a:font script="Orya" typeface="Kalinga"/>
-        <a:font script="Mlym" typeface="Kartika"/>
-        <a:font script="Laoo" typeface="DokChampa"/>
-        <a:font script="Sinh" typeface="Iskoola Pota"/>
-        <a:font script="Mong" typeface="Mongolian Baiti"/>
-        <a:font script="Viet" typeface="Times New Roman"/>
-        <a:font script="Uigh" typeface="Microsoft Uighur"/>
-        <a:font script="Geor" typeface="Sylfaen"/>
-      </a:majorFont>
-      <a:minorFont>
-        <a:latin typeface="Arial"/>
-        <a:ea typeface=""/>
-        <a:cs typeface=""/>
-        <a:font script="Jpan" typeface="ＭＳ Ｐゴシック"/>
-        <a:font script="Hang" typeface="맑은 고딕"/>
-        <a:font script="Hans" typeface="宋体"/>
-        <a:font script="Hant" typeface="新細明體"/>
-        <a:font script="Arab" typeface="Arial"/>
-        <a:font script="Hebr" typeface="Arial"/>
-        <a:font script="Thai" typeface="Cordia New"/>
-        <a:font script="Ethi" typeface="Nyala"/>
-        <a:font script="Beng" typeface="Vrinda"/>
-        <a:font script="Gujr" typeface="Shruti"/>
-        <a:font script="Khmr" typeface="DaunPenh"/>
-        <a:font script="Knda" typeface="Tunga"/>
-        <a:font script="Guru" typeface="Raavi"/>
-        <a:font script="Cans" typeface="Euphemia"/>
-        <a:font script="Cher" typeface="Plantagenet Cherokee"/>
-        <a:font script="Yiii" typeface="Microsoft Yi Baiti"/>
-        <a:font script="Tibt" typeface="Microsoft Himalaya"/>
-        <a:font script="Thaa" typeface="MV Boli"/>
-        <a:font script="Deva" typeface="Mangal"/>
-        <a:font script="Telu" typeface="Gautami"/>
-        <a:font script="Taml" typeface="Latha"/>
-        <a:font script="Syrc" typeface="Estrangelo Edessa"/>
-        <a:font script="Orya" typeface="Kalinga"/>
-        <a:font script="Mlym" typeface="Kartika"/>
-        <a:font script="Laoo" typeface="DokChampa"/>
-        <a:font script="Sinh" typeface="Iskoola Pota"/>
-        <a:font script="Mong" typeface="Mongolian Baiti"/>
-        <a:font script="Viet" typeface="Arial"/>
-        <a:font script="Uigh" typeface="Microsoft Uighur"/>
-        <a:font script="Geor" typeface="Sylfaen"/>
-      </a:minorFont>
-    </a:fontScheme>
-    <a:fmtScheme name="Office">
-      <a:fillStyleLst>
-        <a:solidFill>
-          <a:schemeClr val="phClr"/>
-        </a:solidFill>
-        <a:gradFill rotWithShape="1">
-          <a:gsLst>
-            <a:gs pos="0">
-              <a:schemeClr val="phClr">
-                <a:tint val="50000"/>
-                <a:satMod val="300000"/>
-              </a:schemeClr>
-            </a:gs>
-            <a:gs pos="35000">
-              <a:schemeClr val="phClr">
-                <a:tint val="37000"/>
-                <a:satMod val="300000"/>
-              </a:schemeClr>
-            </a:gs>
-            <a:gs pos="100000">
-              <a:schemeClr val="phClr">
-                <a:tint val="15000"/>
-                <a:satMod val="350000"/>
-              </a:schemeClr>
-            </a:gs>
-          </a:gsLst>
-          <a:lin ang="16200000" scaled="1"/>
-        </a:gradFill>
-        <a:gradFill rotWithShape="1">
-          <a:gsLst>
-            <a:gs pos="0">
-              <a:schemeClr val="phClr">
-                <a:tint val="100000"/>
-                <a:shade val="100000"/>
-                <a:satMod val="130000"/>
-              </a:schemeClr>
-            </a:gs>
-            <a:gs pos="100000">
-              <a:schemeClr val="phClr">
-                <a:tint val="50000"/>
-                <a:shade val="100000"/>
-                <a:satMod val="350000"/>
-              </a:schemeClr>
-            </a:gs>
-          </a:gsLst>
-          <a:lin ang="16200000" scaled="0"/>
-        </a:gradFill>
-      </a:fillStyleLst>
-      <a:lnStyleLst>
-        <a:ln w="9525" cap="flat" cmpd="sng" algn="ctr">
-          <a:solidFill>
-            <a:schemeClr val="phClr">
-              <a:shade val="95000"/>
-              <a:satMod val="105000"/>
-            </a:schemeClr>
-          </a:solidFill>
-          <a:prstDash val="solid"/>
-        </a:ln>
-        <a:ln w="25400" cap="flat" cmpd="sng" algn="ctr">
-          <a:solidFill>
-            <a:schemeClr val="phClr"/>
-          </a:solidFill>
-          <a:prstDash val="solid"/>
-        </a:ln>
-        <a:ln w="38100" cap="flat" cmpd="sng" algn="ctr">
-          <a:solidFill>
-            <a:schemeClr val="phClr"/>
-          </a:solidFill>
-          <a:prstDash val="solid"/>
-        </a:ln>
-      </a:lnStyleLst>
-      <a:effectStyleLst>
-        <a:effectStyle>
-          <a:effectLst>
-            <a:outerShdw blurRad="40000" dist="20000" dir="5400000" rotWithShape="0">
-              <a:srgbClr val="000000">
-                <a:alpha val="38000"/>
-              </a:srgbClr>
-            </a:outerShdw>
-          </a:effectLst>
-        </a:effectStyle>
-        <a:effectStyle>
-          <a:effectLst>
-            <a:outerShdw blurRad="40000" dist="23000" dir="5400000" rotWithShape="0">
-              <a:srgbClr val="000000">
-                <a:alpha val="35000"/>
-              </a:srgbClr>
-            </a:outerShdw>
-          </a:effectLst>
-        </a:effectStyle>
-        <a:effectStyle>
-          <a:effectLst>
-            <a:outerShdw blurRad="40000" dist="23000" dir="5400000" rotWithShape="0">
-              <a:srgbClr val="000000">
-                <a:alpha val="35000"/>
-              </a:srgbClr>
-            </a:outerShdw>
-          </a:effectLst>
-          <a:scene3d>
-            <a:camera prst="orthographicFront">
-              <a:rot lat="0" lon="0" rev="0"/>
-            </a:camera>
-            <a:lightRig rig="threePt" dir="t">
-              <a:rot lat="0" lon="0" rev="1200000"/>
-            </a:lightRig>
-          </a:scene3d>
-          <a:sp3d>
-            <a:bevelT w="63500" h="25400"/>
-          </a:sp3d>
-        </a:effectStyle>
-      </a:effectStyleLst>
-      <a:bgFillStyleLst>
-        <a:solidFill>
-          <a:schemeClr val="phClr"/>
-        </a:solidFill>
-        <a:gradFill rotWithShape="1">
-          <a:gsLst>
-            <a:gs pos="0">
-              <a:schemeClr val="phClr">
-                <a:tint val="40000"/>
-                <a:satMod val="350000"/>
-              </a:schemeClr>
-            </a:gs>
-            <a:gs pos="40000">
-              <a:schemeClr val="phClr">
-                <a:tint val="45000"/>
-                <a:shade val="99000"/>
-                <a:satMod val="350000"/>
-              </a:schemeClr>
-            </a:gs>
-            <a:gs pos="100000">
-              <a:schemeClr val="phClr">
-                <a:shade val="20000"/>
-                <a:satMod val="255000"/>
-              </a:schemeClr>
-            </a:gs>
-          </a:gsLst>
-          <a:path path="circle">
-            <a:fillToRect l="50000" t="-80000" r="50000" b="180000"/>
-          </a:path>
-        </a:gradFill>
-        <a:gradFill rotWithShape="1">
-          <a:gsLst>
-            <a:gs pos="0">
-              <a:schemeClr val="phClr">
-                <a:tint val="80000"/>
-                <a:satMod val="300000"/>
-              </a:schemeClr>
-            </a:gs>
-            <a:gs pos="100000">
-              <a:schemeClr val="phClr">
-                <a:shade val="30000"/>
-                <a:satMod val="200000"/>
-              </a:schemeClr>
-            </a:gs>
-          </a:gsLst>
-          <a:path path="circle">
-            <a:fillToRect l="50000" t="50000" r="50000" b="50000"/>
-          </a:path>
-        </a:gradFill>
-      </a:bgFillStyleLst>
-    </a:fmtScheme>
-  </a:themeElements>
-</a:theme>
 </file>
--- a/Java8.pptx
+++ b/Java8.pptx
@@ -20,6 +20,17 @@
     <p:sldId id="265" r:id="rId15"/>
     <p:sldId id="266" r:id="rId16"/>
     <p:sldId id="267" r:id="rId17"/>
+    <p:sldId id="268" r:id="rId18"/>
+    <p:sldId id="269" r:id="rId19"/>
+    <p:sldId id="270" r:id="rId20"/>
+    <p:sldId id="271" r:id="rId21"/>
+    <p:sldId id="272" r:id="rId22"/>
+    <p:sldId id="273" r:id="rId23"/>
+    <p:sldId id="274" r:id="rId24"/>
+    <p:sldId id="275" r:id="rId25"/>
+    <p:sldId id="276" r:id="rId26"/>
+    <p:sldId id="277" r:id="rId27"/>
+    <p:sldId id="278" r:id="rId28"/>
   </p:sldIdLst>
   <p:sldSz cy="5143500" cx="9144000"/>
   <p:notesSz cx="6858000" cy="9144000"/>
@@ -496,7 +507,7 @@
   <p:cSld>
     <p:spTree>
       <p:nvGrpSpPr>
-        <p:cNvPr id="121" name="Shape 121"/>
+        <p:cNvPr id="125" name="Shape 125"/>
         <p:cNvGrpSpPr/>
         <p:nvPr/>
       </p:nvGrpSpPr>
@@ -510,7 +521,7 @@
       </p:grpSpPr>
       <p:sp>
         <p:nvSpPr>
-          <p:cNvPr id="122" name="Shape 122"/>
+          <p:cNvPr id="126" name="Shape 126"/>
           <p:cNvSpPr/>
           <p:nvPr>
             <p:ph idx="2" type="sldImg"/>
@@ -554,7 +565,7 @@
       </p:sp>
       <p:sp>
         <p:nvSpPr>
-          <p:cNvPr id="123" name="Shape 123"/>
+          <p:cNvPr id="127" name="Shape 127"/>
           <p:cNvSpPr txBox="1"/>
           <p:nvPr>
             <p:ph idx="1" type="body"/>
@@ -575,7 +586,7 @@
           </a:bodyPr>
           <a:lstStyle/>
           <a:p>
-            <a:pPr lvl="0" rtl="0">
+            <a:pPr>
               <a:spcBef>
                 <a:spcPts val="0"/>
               </a:spcBef>
@@ -601,7 +612,7 @@
   <p:cSld>
     <p:spTree>
       <p:nvGrpSpPr>
-        <p:cNvPr id="126" name="Shape 126"/>
+        <p:cNvPr id="131" name="Shape 131"/>
         <p:cNvGrpSpPr/>
         <p:nvPr/>
       </p:nvGrpSpPr>
@@ -615,7 +626,7 @@
       </p:grpSpPr>
       <p:sp>
         <p:nvSpPr>
-          <p:cNvPr id="127" name="Shape 127"/>
+          <p:cNvPr id="132" name="Shape 132"/>
           <p:cNvSpPr/>
           <p:nvPr>
             <p:ph idx="2" type="sldImg"/>
@@ -659,7 +670,7 @@
       </p:sp>
       <p:sp>
         <p:nvSpPr>
-          <p:cNvPr id="128" name="Shape 128"/>
+          <p:cNvPr id="133" name="Shape 133"/>
           <p:cNvSpPr txBox="1"/>
           <p:nvPr>
             <p:ph idx="1" type="body"/>
@@ -706,7 +717,7 @@
   <p:cSld>
     <p:spTree>
       <p:nvGrpSpPr>
-        <p:cNvPr id="132" name="Shape 132"/>
+        <p:cNvPr id="138" name="Shape 138"/>
         <p:cNvGrpSpPr/>
         <p:nvPr/>
       </p:nvGrpSpPr>
@@ -720,7 +731,7 @@
       </p:grpSpPr>
       <p:sp>
         <p:nvSpPr>
-          <p:cNvPr id="133" name="Shape 133"/>
+          <p:cNvPr id="139" name="Shape 139"/>
           <p:cNvSpPr/>
           <p:nvPr>
             <p:ph idx="2" type="sldImg"/>
@@ -764,7 +775,7 @@
       </p:sp>
       <p:sp>
         <p:nvSpPr>
-          <p:cNvPr id="134" name="Shape 134"/>
+          <p:cNvPr id="140" name="Shape 140"/>
           <p:cNvSpPr txBox="1"/>
           <p:nvPr>
             <p:ph idx="1" type="body"/>
@@ -806,12 +817,12 @@
 </p:notes>
 </file>
 
-<file path=ppt/notesSlides/notesSlide2.xml><?xml version="1.0" encoding="utf-8"?>
+<file path=ppt/notesSlides/notesSlide13.xml><?xml version="1.0" encoding="utf-8"?>
 <p:notes xmlns:a="http://schemas.openxmlformats.org/drawingml/2006/main" xmlns:r="http://schemas.openxmlformats.org/officeDocument/2006/relationships" xmlns:mc="http://schemas.openxmlformats.org/markup-compatibility/2006" xmlns:mv="urn:schemas-microsoft-com:mac:vml" xmlns:p="http://schemas.openxmlformats.org/presentationml/2006/main" xmlns:c="http://schemas.openxmlformats.org/drawingml/2006/chart" xmlns:dgm="http://schemas.openxmlformats.org/drawingml/2006/diagram" xmlns:o="urn:schemas-microsoft-com:office:office" xmlns:v="urn:schemas-microsoft-com:vml" xmlns:pvml="urn:schemas-microsoft-com:office:powerpoint" xmlns:com="http://schemas.openxmlformats.org/drawingml/2006/compatibility" xmlns:p14="http://schemas.microsoft.com/office/powerpoint/2010/main" showMasterPhAnim="0" showMasterSp="0">
   <p:cSld>
     <p:spTree>
       <p:nvGrpSpPr>
-        <p:cNvPr id="60" name="Shape 60"/>
+        <p:cNvPr id="145" name="Shape 145"/>
         <p:cNvGrpSpPr/>
         <p:nvPr/>
       </p:nvGrpSpPr>
@@ -825,7 +836,7 @@
       </p:grpSpPr>
       <p:sp>
         <p:nvSpPr>
-          <p:cNvPr id="61" name="Shape 61"/>
+          <p:cNvPr id="146" name="Shape 146"/>
           <p:cNvSpPr/>
           <p:nvPr>
             <p:ph idx="2" type="sldImg"/>
@@ -869,7 +880,7 @@
       </p:sp>
       <p:sp>
         <p:nvSpPr>
-          <p:cNvPr id="62" name="Shape 62"/>
+          <p:cNvPr id="147" name="Shape 147"/>
           <p:cNvSpPr txBox="1"/>
           <p:nvPr>
             <p:ph idx="1" type="body"/>
@@ -911,12 +922,12 @@
 </p:notes>
 </file>
 
-<file path=ppt/notesSlides/notesSlide3.xml><?xml version="1.0" encoding="utf-8"?>
+<file path=ppt/notesSlides/notesSlide14.xml><?xml version="1.0" encoding="utf-8"?>
 <p:notes xmlns:a="http://schemas.openxmlformats.org/drawingml/2006/main" xmlns:r="http://schemas.openxmlformats.org/officeDocument/2006/relationships" xmlns:mc="http://schemas.openxmlformats.org/markup-compatibility/2006" xmlns:mv="urn:schemas-microsoft-com:mac:vml" xmlns:p="http://schemas.openxmlformats.org/presentationml/2006/main" xmlns:c="http://schemas.openxmlformats.org/drawingml/2006/chart" xmlns:dgm="http://schemas.openxmlformats.org/drawingml/2006/diagram" xmlns:o="urn:schemas-microsoft-com:office:office" xmlns:v="urn:schemas-microsoft-com:vml" xmlns:pvml="urn:schemas-microsoft-com:office:powerpoint" xmlns:com="http://schemas.openxmlformats.org/drawingml/2006/compatibility" xmlns:p14="http://schemas.microsoft.com/office/powerpoint/2010/main" showMasterPhAnim="0" showMasterSp="0">
   <p:cSld>
     <p:spTree>
       <p:nvGrpSpPr>
-        <p:cNvPr id="67" name="Shape 67"/>
+        <p:cNvPr id="152" name="Shape 152"/>
         <p:cNvGrpSpPr/>
         <p:nvPr/>
       </p:nvGrpSpPr>
@@ -930,7 +941,7 @@
       </p:grpSpPr>
       <p:sp>
         <p:nvSpPr>
-          <p:cNvPr id="68" name="Shape 68"/>
+          <p:cNvPr id="153" name="Shape 153"/>
           <p:cNvSpPr/>
           <p:nvPr>
             <p:ph idx="2" type="sldImg"/>
@@ -974,7 +985,7 @@
       </p:sp>
       <p:sp>
         <p:nvSpPr>
-          <p:cNvPr id="69" name="Shape 69"/>
+          <p:cNvPr id="154" name="Shape 154"/>
           <p:cNvSpPr txBox="1"/>
           <p:nvPr>
             <p:ph idx="1" type="body"/>
@@ -1016,12 +1027,12 @@
 </p:notes>
 </file>
 
-<file path=ppt/notesSlides/notesSlide4.xml><?xml version="1.0" encoding="utf-8"?>
+<file path=ppt/notesSlides/notesSlide15.xml><?xml version="1.0" encoding="utf-8"?>
 <p:notes xmlns:a="http://schemas.openxmlformats.org/drawingml/2006/main" xmlns:r="http://schemas.openxmlformats.org/officeDocument/2006/relationships" xmlns:mc="http://schemas.openxmlformats.org/markup-compatibility/2006" xmlns:mv="urn:schemas-microsoft-com:mac:vml" xmlns:p="http://schemas.openxmlformats.org/presentationml/2006/main" xmlns:c="http://schemas.openxmlformats.org/drawingml/2006/chart" xmlns:dgm="http://schemas.openxmlformats.org/drawingml/2006/diagram" xmlns:o="urn:schemas-microsoft-com:office:office" xmlns:v="urn:schemas-microsoft-com:vml" xmlns:pvml="urn:schemas-microsoft-com:office:powerpoint" xmlns:com="http://schemas.openxmlformats.org/drawingml/2006/compatibility" xmlns:p14="http://schemas.microsoft.com/office/powerpoint/2010/main" showMasterPhAnim="0" showMasterSp="0">
   <p:cSld>
     <p:spTree>
       <p:nvGrpSpPr>
-        <p:cNvPr id="75" name="Shape 75"/>
+        <p:cNvPr id="161" name="Shape 161"/>
         <p:cNvGrpSpPr/>
         <p:nvPr/>
       </p:nvGrpSpPr>
@@ -1035,7 +1046,7 @@
       </p:grpSpPr>
       <p:sp>
         <p:nvSpPr>
-          <p:cNvPr id="76" name="Shape 76"/>
+          <p:cNvPr id="162" name="Shape 162"/>
           <p:cNvSpPr/>
           <p:nvPr>
             <p:ph idx="2" type="sldImg"/>
@@ -1079,7 +1090,7 @@
       </p:sp>
       <p:sp>
         <p:nvSpPr>
-          <p:cNvPr id="77" name="Shape 77"/>
+          <p:cNvPr id="163" name="Shape 163"/>
           <p:cNvSpPr txBox="1"/>
           <p:nvPr>
             <p:ph idx="1" type="body"/>
@@ -1121,12 +1132,12 @@
 </p:notes>
 </file>
 
-<file path=ppt/notesSlides/notesSlide5.xml><?xml version="1.0" encoding="utf-8"?>
+<file path=ppt/notesSlides/notesSlide16.xml><?xml version="1.0" encoding="utf-8"?>
 <p:notes xmlns:a="http://schemas.openxmlformats.org/drawingml/2006/main" xmlns:r="http://schemas.openxmlformats.org/officeDocument/2006/relationships" xmlns:mc="http://schemas.openxmlformats.org/markup-compatibility/2006" xmlns:mv="urn:schemas-microsoft-com:mac:vml" xmlns:p="http://schemas.openxmlformats.org/presentationml/2006/main" xmlns:c="http://schemas.openxmlformats.org/drawingml/2006/chart" xmlns:dgm="http://schemas.openxmlformats.org/drawingml/2006/diagram" xmlns:o="urn:schemas-microsoft-com:office:office" xmlns:v="urn:schemas-microsoft-com:vml" xmlns:pvml="urn:schemas-microsoft-com:office:powerpoint" xmlns:com="http://schemas.openxmlformats.org/drawingml/2006/compatibility" xmlns:p14="http://schemas.microsoft.com/office/powerpoint/2010/main" showMasterPhAnim="0" showMasterSp="0">
   <p:cSld>
     <p:spTree>
       <p:nvGrpSpPr>
-        <p:cNvPr id="84" name="Shape 84"/>
+        <p:cNvPr id="167" name="Shape 167"/>
         <p:cNvGrpSpPr/>
         <p:nvPr/>
       </p:nvGrpSpPr>
@@ -1140,7 +1151,7 @@
       </p:grpSpPr>
       <p:sp>
         <p:nvSpPr>
-          <p:cNvPr id="85" name="Shape 85"/>
+          <p:cNvPr id="168" name="Shape 168"/>
           <p:cNvSpPr/>
           <p:nvPr>
             <p:ph idx="2" type="sldImg"/>
@@ -1184,7 +1195,7 @@
       </p:sp>
       <p:sp>
         <p:nvSpPr>
-          <p:cNvPr id="86" name="Shape 86"/>
+          <p:cNvPr id="169" name="Shape 169"/>
           <p:cNvSpPr txBox="1"/>
           <p:nvPr>
             <p:ph idx="1" type="body"/>
@@ -1226,12 +1237,12 @@
 </p:notes>
 </file>
 
-<file path=ppt/notesSlides/notesSlide6.xml><?xml version="1.0" encoding="utf-8"?>
+<file path=ppt/notesSlides/notesSlide17.xml><?xml version="1.0" encoding="utf-8"?>
 <p:notes xmlns:a="http://schemas.openxmlformats.org/drawingml/2006/main" xmlns:r="http://schemas.openxmlformats.org/officeDocument/2006/relationships" xmlns:mc="http://schemas.openxmlformats.org/markup-compatibility/2006" xmlns:mv="urn:schemas-microsoft-com:mac:vml" xmlns:p="http://schemas.openxmlformats.org/presentationml/2006/main" xmlns:c="http://schemas.openxmlformats.org/drawingml/2006/chart" xmlns:dgm="http://schemas.openxmlformats.org/drawingml/2006/diagram" xmlns:o="urn:schemas-microsoft-com:office:office" xmlns:v="urn:schemas-microsoft-com:vml" xmlns:pvml="urn:schemas-microsoft-com:office:powerpoint" xmlns:com="http://schemas.openxmlformats.org/drawingml/2006/compatibility" xmlns:p14="http://schemas.microsoft.com/office/powerpoint/2010/main" showMasterPhAnim="0" showMasterSp="0">
   <p:cSld>
     <p:spTree>
       <p:nvGrpSpPr>
-        <p:cNvPr id="91" name="Shape 91"/>
+        <p:cNvPr id="175" name="Shape 175"/>
         <p:cNvGrpSpPr/>
         <p:nvPr/>
       </p:nvGrpSpPr>
@@ -1245,7 +1256,7 @@
       </p:grpSpPr>
       <p:sp>
         <p:nvSpPr>
-          <p:cNvPr id="92" name="Shape 92"/>
+          <p:cNvPr id="176" name="Shape 176"/>
           <p:cNvSpPr/>
           <p:nvPr>
             <p:ph idx="2" type="sldImg"/>
@@ -1289,7 +1300,7 @@
       </p:sp>
       <p:sp>
         <p:nvSpPr>
-          <p:cNvPr id="93" name="Shape 93"/>
+          <p:cNvPr id="177" name="Shape 177"/>
           <p:cNvSpPr txBox="1"/>
           <p:nvPr>
             <p:ph idx="1" type="body"/>
@@ -1331,12 +1342,12 @@
 </p:notes>
 </file>
 
-<file path=ppt/notesSlides/notesSlide7.xml><?xml version="1.0" encoding="utf-8"?>
+<file path=ppt/notesSlides/notesSlide18.xml><?xml version="1.0" encoding="utf-8"?>
 <p:notes xmlns:a="http://schemas.openxmlformats.org/drawingml/2006/main" xmlns:r="http://schemas.openxmlformats.org/officeDocument/2006/relationships" xmlns:mc="http://schemas.openxmlformats.org/markup-compatibility/2006" xmlns:mv="urn:schemas-microsoft-com:mac:vml" xmlns:p="http://schemas.openxmlformats.org/presentationml/2006/main" xmlns:c="http://schemas.openxmlformats.org/drawingml/2006/chart" xmlns:dgm="http://schemas.openxmlformats.org/drawingml/2006/diagram" xmlns:o="urn:schemas-microsoft-com:office:office" xmlns:v="urn:schemas-microsoft-com:vml" xmlns:pvml="urn:schemas-microsoft-com:office:powerpoint" xmlns:com="http://schemas.openxmlformats.org/drawingml/2006/compatibility" xmlns:p14="http://schemas.microsoft.com/office/powerpoint/2010/main" showMasterPhAnim="0" showMasterSp="0">
   <p:cSld>
     <p:spTree>
       <p:nvGrpSpPr>
-        <p:cNvPr id="101" name="Shape 101"/>
+        <p:cNvPr id="182" name="Shape 182"/>
         <p:cNvGrpSpPr/>
         <p:nvPr/>
       </p:nvGrpSpPr>
@@ -1350,7 +1361,7 @@
       </p:grpSpPr>
       <p:sp>
         <p:nvSpPr>
-          <p:cNvPr id="102" name="Shape 102"/>
+          <p:cNvPr id="183" name="Shape 183"/>
           <p:cNvSpPr/>
           <p:nvPr>
             <p:ph idx="2" type="sldImg"/>
@@ -1394,7 +1405,7 @@
       </p:sp>
       <p:sp>
         <p:nvSpPr>
-          <p:cNvPr id="103" name="Shape 103"/>
+          <p:cNvPr id="184" name="Shape 184"/>
           <p:cNvSpPr txBox="1"/>
           <p:nvPr>
             <p:ph idx="1" type="body"/>
@@ -1415,7 +1426,7 @@
           </a:bodyPr>
           <a:lstStyle/>
           <a:p>
-            <a:pPr lvl="0" rtl="0">
+            <a:pPr>
               <a:spcBef>
                 <a:spcPts val="0"/>
               </a:spcBef>
@@ -1436,12 +1447,12 @@
 </p:notes>
 </file>
 
-<file path=ppt/notesSlides/notesSlide8.xml><?xml version="1.0" encoding="utf-8"?>
+<file path=ppt/notesSlides/notesSlide19.xml><?xml version="1.0" encoding="utf-8"?>
 <p:notes xmlns:a="http://schemas.openxmlformats.org/drawingml/2006/main" xmlns:r="http://schemas.openxmlformats.org/officeDocument/2006/relationships" xmlns:mc="http://schemas.openxmlformats.org/markup-compatibility/2006" xmlns:mv="urn:schemas-microsoft-com:mac:vml" xmlns:p="http://schemas.openxmlformats.org/presentationml/2006/main" xmlns:c="http://schemas.openxmlformats.org/drawingml/2006/chart" xmlns:dgm="http://schemas.openxmlformats.org/drawingml/2006/diagram" xmlns:o="urn:schemas-microsoft-com:office:office" xmlns:v="urn:schemas-microsoft-com:vml" xmlns:pvml="urn:schemas-microsoft-com:office:powerpoint" xmlns:com="http://schemas.openxmlformats.org/drawingml/2006/compatibility" xmlns:p14="http://schemas.microsoft.com/office/powerpoint/2010/main" showMasterPhAnim="0" showMasterSp="0">
   <p:cSld>
     <p:spTree>
       <p:nvGrpSpPr>
-        <p:cNvPr id="109" name="Shape 109"/>
+        <p:cNvPr id="188" name="Shape 188"/>
         <p:cNvGrpSpPr/>
         <p:nvPr/>
       </p:nvGrpSpPr>
@@ -1455,7 +1466,7 @@
       </p:grpSpPr>
       <p:sp>
         <p:nvSpPr>
-          <p:cNvPr id="110" name="Shape 110"/>
+          <p:cNvPr id="189" name="Shape 189"/>
           <p:cNvSpPr/>
           <p:nvPr>
             <p:ph idx="2" type="sldImg"/>
@@ -1499,7 +1510,7 @@
       </p:sp>
       <p:sp>
         <p:nvSpPr>
-          <p:cNvPr id="111" name="Shape 111"/>
+          <p:cNvPr id="190" name="Shape 190"/>
           <p:cNvSpPr txBox="1"/>
           <p:nvPr>
             <p:ph idx="1" type="body"/>
@@ -1541,12 +1552,12 @@
 </p:notes>
 </file>
 
-<file path=ppt/notesSlides/notesSlide9.xml><?xml version="1.0" encoding="utf-8"?>
+<file path=ppt/notesSlides/notesSlide2.xml><?xml version="1.0" encoding="utf-8"?>
 <p:notes xmlns:a="http://schemas.openxmlformats.org/drawingml/2006/main" xmlns:r="http://schemas.openxmlformats.org/officeDocument/2006/relationships" xmlns:mc="http://schemas.openxmlformats.org/markup-compatibility/2006" xmlns:mv="urn:schemas-microsoft-com:mac:vml" xmlns:p="http://schemas.openxmlformats.org/presentationml/2006/main" xmlns:c="http://schemas.openxmlformats.org/drawingml/2006/chart" xmlns:dgm="http://schemas.openxmlformats.org/drawingml/2006/diagram" xmlns:o="urn:schemas-microsoft-com:office:office" xmlns:v="urn:schemas-microsoft-com:vml" xmlns:pvml="urn:schemas-microsoft-com:office:powerpoint" xmlns:com="http://schemas.openxmlformats.org/drawingml/2006/compatibility" xmlns:p14="http://schemas.microsoft.com/office/powerpoint/2010/main" showMasterPhAnim="0" showMasterSp="0">
   <p:cSld>
     <p:spTree>
       <p:nvGrpSpPr>
-        <p:cNvPr id="115" name="Shape 115"/>
+        <p:cNvPr id="60" name="Shape 60"/>
         <p:cNvGrpSpPr/>
         <p:nvPr/>
       </p:nvGrpSpPr>
@@ -1560,7 +1571,7 @@
       </p:grpSpPr>
       <p:sp>
         <p:nvSpPr>
-          <p:cNvPr id="116" name="Shape 116"/>
+          <p:cNvPr id="61" name="Shape 61"/>
           <p:cNvSpPr/>
           <p:nvPr>
             <p:ph idx="2" type="sldImg"/>
@@ -1604,7 +1615,1162 @@
       </p:sp>
       <p:sp>
         <p:nvSpPr>
-          <p:cNvPr id="117" name="Shape 117"/>
+          <p:cNvPr id="62" name="Shape 62"/>
+          <p:cNvSpPr txBox="1"/>
+          <p:nvPr>
+            <p:ph idx="1" type="body"/>
+          </p:nvPr>
+        </p:nvSpPr>
+        <p:spPr>
+          <a:xfrm>
+            <a:off x="685800" y="4343400"/>
+            <a:ext cx="5486399" cy="4114800"/>
+          </a:xfrm>
+          <a:prstGeom prst="rect">
+            <a:avLst/>
+          </a:prstGeom>
+        </p:spPr>
+        <p:txBody>
+          <a:bodyPr anchorCtr="0" anchor="t" bIns="91425" lIns="91425" rIns="91425" tIns="91425">
+            <a:noAutofit/>
+          </a:bodyPr>
+          <a:lstStyle/>
+          <a:p>
+            <a:pPr>
+              <a:spcBef>
+                <a:spcPts val="0"/>
+              </a:spcBef>
+              <a:buNone/>
+            </a:pPr>
+            <a:r>
+              <a:t/>
+            </a:r>
+            <a:endParaRPr/>
+          </a:p>
+        </p:txBody>
+      </p:sp>
+    </p:spTree>
+  </p:cSld>
+  <p:clrMapOvr>
+    <a:masterClrMapping/>
+  </p:clrMapOvr>
+</p:notes>
+</file>
+
+<file path=ppt/notesSlides/notesSlide20.xml><?xml version="1.0" encoding="utf-8"?>
+<p:notes xmlns:a="http://schemas.openxmlformats.org/drawingml/2006/main" xmlns:r="http://schemas.openxmlformats.org/officeDocument/2006/relationships" xmlns:mc="http://schemas.openxmlformats.org/markup-compatibility/2006" xmlns:mv="urn:schemas-microsoft-com:mac:vml" xmlns:p="http://schemas.openxmlformats.org/presentationml/2006/main" xmlns:c="http://schemas.openxmlformats.org/drawingml/2006/chart" xmlns:dgm="http://schemas.openxmlformats.org/drawingml/2006/diagram" xmlns:o="urn:schemas-microsoft-com:office:office" xmlns:v="urn:schemas-microsoft-com:vml" xmlns:pvml="urn:schemas-microsoft-com:office:powerpoint" xmlns:com="http://schemas.openxmlformats.org/drawingml/2006/compatibility" xmlns:p14="http://schemas.microsoft.com/office/powerpoint/2010/main" showMasterPhAnim="0" showMasterSp="0">
+  <p:cSld>
+    <p:spTree>
+      <p:nvGrpSpPr>
+        <p:cNvPr id="194" name="Shape 194"/>
+        <p:cNvGrpSpPr/>
+        <p:nvPr/>
+      </p:nvGrpSpPr>
+      <p:grpSpPr>
+        <a:xfrm>
+          <a:off x="0" y="0"/>
+          <a:ext cx="0" cy="0"/>
+          <a:chOff x="0" y="0"/>
+          <a:chExt cx="0" cy="0"/>
+        </a:xfrm>
+      </p:grpSpPr>
+      <p:sp>
+        <p:nvSpPr>
+          <p:cNvPr id="195" name="Shape 195"/>
+          <p:cNvSpPr/>
+          <p:nvPr>
+            <p:ph idx="2" type="sldImg"/>
+          </p:nvPr>
+        </p:nvSpPr>
+        <p:spPr>
+          <a:xfrm>
+            <a:off x="381300" y="685800"/>
+            <a:ext cx="6096000" cy="3429000"/>
+          </a:xfrm>
+          <a:custGeom>
+            <a:pathLst>
+              <a:path extrusionOk="0" h="120000" w="120000">
+                <a:moveTo>
+                  <a:pt x="0" y="0"/>
+                </a:moveTo>
+                <a:lnTo>
+                  <a:pt x="120000" y="0"/>
+                </a:lnTo>
+                <a:lnTo>
+                  <a:pt x="120000" y="120000"/>
+                </a:lnTo>
+                <a:lnTo>
+                  <a:pt x="0" y="120000"/>
+                </a:lnTo>
+                <a:close/>
+              </a:path>
+            </a:pathLst>
+          </a:custGeom>
+          <a:noFill/>
+          <a:ln cap="flat" cmpd="sng" w="9525">
+            <a:solidFill>
+              <a:srgbClr val="000000"/>
+            </a:solidFill>
+            <a:prstDash val="solid"/>
+            <a:round/>
+            <a:headEnd len="med" w="med" type="none"/>
+            <a:tailEnd len="med" w="med" type="none"/>
+          </a:ln>
+        </p:spPr>
+      </p:sp>
+      <p:sp>
+        <p:nvSpPr>
+          <p:cNvPr id="196" name="Shape 196"/>
+          <p:cNvSpPr txBox="1"/>
+          <p:nvPr>
+            <p:ph idx="1" type="body"/>
+          </p:nvPr>
+        </p:nvSpPr>
+        <p:spPr>
+          <a:xfrm>
+            <a:off x="685800" y="4343400"/>
+            <a:ext cx="5486399" cy="4114800"/>
+          </a:xfrm>
+          <a:prstGeom prst="rect">
+            <a:avLst/>
+          </a:prstGeom>
+        </p:spPr>
+        <p:txBody>
+          <a:bodyPr anchorCtr="0" anchor="t" bIns="91425" lIns="91425" rIns="91425" tIns="91425">
+            <a:noAutofit/>
+          </a:bodyPr>
+          <a:lstStyle/>
+          <a:p>
+            <a:pPr>
+              <a:spcBef>
+                <a:spcPts val="0"/>
+              </a:spcBef>
+              <a:buNone/>
+            </a:pPr>
+            <a:r>
+              <a:t/>
+            </a:r>
+            <a:endParaRPr/>
+          </a:p>
+        </p:txBody>
+      </p:sp>
+    </p:spTree>
+  </p:cSld>
+  <p:clrMapOvr>
+    <a:masterClrMapping/>
+  </p:clrMapOvr>
+</p:notes>
+</file>
+
+<file path=ppt/notesSlides/notesSlide21.xml><?xml version="1.0" encoding="utf-8"?>
+<p:notes xmlns:a="http://schemas.openxmlformats.org/drawingml/2006/main" xmlns:r="http://schemas.openxmlformats.org/officeDocument/2006/relationships" xmlns:mc="http://schemas.openxmlformats.org/markup-compatibility/2006" xmlns:mv="urn:schemas-microsoft-com:mac:vml" xmlns:p="http://schemas.openxmlformats.org/presentationml/2006/main" xmlns:c="http://schemas.openxmlformats.org/drawingml/2006/chart" xmlns:dgm="http://schemas.openxmlformats.org/drawingml/2006/diagram" xmlns:o="urn:schemas-microsoft-com:office:office" xmlns:v="urn:schemas-microsoft-com:vml" xmlns:pvml="urn:schemas-microsoft-com:office:powerpoint" xmlns:com="http://schemas.openxmlformats.org/drawingml/2006/compatibility" xmlns:p14="http://schemas.microsoft.com/office/powerpoint/2010/main" showMasterPhAnim="0" showMasterSp="0">
+  <p:cSld>
+    <p:spTree>
+      <p:nvGrpSpPr>
+        <p:cNvPr id="200" name="Shape 200"/>
+        <p:cNvGrpSpPr/>
+        <p:nvPr/>
+      </p:nvGrpSpPr>
+      <p:grpSpPr>
+        <a:xfrm>
+          <a:off x="0" y="0"/>
+          <a:ext cx="0" cy="0"/>
+          <a:chOff x="0" y="0"/>
+          <a:chExt cx="0" cy="0"/>
+        </a:xfrm>
+      </p:grpSpPr>
+      <p:sp>
+        <p:nvSpPr>
+          <p:cNvPr id="201" name="Shape 201"/>
+          <p:cNvSpPr/>
+          <p:nvPr>
+            <p:ph idx="2" type="sldImg"/>
+          </p:nvPr>
+        </p:nvSpPr>
+        <p:spPr>
+          <a:xfrm>
+            <a:off x="381300" y="685800"/>
+            <a:ext cx="6096000" cy="3429000"/>
+          </a:xfrm>
+          <a:custGeom>
+            <a:pathLst>
+              <a:path extrusionOk="0" h="120000" w="120000">
+                <a:moveTo>
+                  <a:pt x="0" y="0"/>
+                </a:moveTo>
+                <a:lnTo>
+                  <a:pt x="120000" y="0"/>
+                </a:lnTo>
+                <a:lnTo>
+                  <a:pt x="120000" y="120000"/>
+                </a:lnTo>
+                <a:lnTo>
+                  <a:pt x="0" y="120000"/>
+                </a:lnTo>
+                <a:close/>
+              </a:path>
+            </a:pathLst>
+          </a:custGeom>
+          <a:noFill/>
+          <a:ln cap="flat" cmpd="sng" w="9525">
+            <a:solidFill>
+              <a:srgbClr val="000000"/>
+            </a:solidFill>
+            <a:prstDash val="solid"/>
+            <a:round/>
+            <a:headEnd len="med" w="med" type="none"/>
+            <a:tailEnd len="med" w="med" type="none"/>
+          </a:ln>
+        </p:spPr>
+      </p:sp>
+      <p:sp>
+        <p:nvSpPr>
+          <p:cNvPr id="202" name="Shape 202"/>
+          <p:cNvSpPr txBox="1"/>
+          <p:nvPr>
+            <p:ph idx="1" type="body"/>
+          </p:nvPr>
+        </p:nvSpPr>
+        <p:spPr>
+          <a:xfrm>
+            <a:off x="685800" y="4343400"/>
+            <a:ext cx="5486399" cy="4114800"/>
+          </a:xfrm>
+          <a:prstGeom prst="rect">
+            <a:avLst/>
+          </a:prstGeom>
+        </p:spPr>
+        <p:txBody>
+          <a:bodyPr anchorCtr="0" anchor="t" bIns="91425" lIns="91425" rIns="91425" tIns="91425">
+            <a:noAutofit/>
+          </a:bodyPr>
+          <a:lstStyle/>
+          <a:p>
+            <a:pPr>
+              <a:spcBef>
+                <a:spcPts val="0"/>
+              </a:spcBef>
+              <a:buNone/>
+            </a:pPr>
+            <a:r>
+              <a:t/>
+            </a:r>
+            <a:endParaRPr/>
+          </a:p>
+        </p:txBody>
+      </p:sp>
+    </p:spTree>
+  </p:cSld>
+  <p:clrMapOvr>
+    <a:masterClrMapping/>
+  </p:clrMapOvr>
+</p:notes>
+</file>
+
+<file path=ppt/notesSlides/notesSlide22.xml><?xml version="1.0" encoding="utf-8"?>
+<p:notes xmlns:a="http://schemas.openxmlformats.org/drawingml/2006/main" xmlns:r="http://schemas.openxmlformats.org/officeDocument/2006/relationships" xmlns:mc="http://schemas.openxmlformats.org/markup-compatibility/2006" xmlns:mv="urn:schemas-microsoft-com:mac:vml" xmlns:p="http://schemas.openxmlformats.org/presentationml/2006/main" xmlns:c="http://schemas.openxmlformats.org/drawingml/2006/chart" xmlns:dgm="http://schemas.openxmlformats.org/drawingml/2006/diagram" xmlns:o="urn:schemas-microsoft-com:office:office" xmlns:v="urn:schemas-microsoft-com:vml" xmlns:pvml="urn:schemas-microsoft-com:office:powerpoint" xmlns:com="http://schemas.openxmlformats.org/drawingml/2006/compatibility" xmlns:p14="http://schemas.microsoft.com/office/powerpoint/2010/main" showMasterPhAnim="0" showMasterSp="0">
+  <p:cSld>
+    <p:spTree>
+      <p:nvGrpSpPr>
+        <p:cNvPr id="205" name="Shape 205"/>
+        <p:cNvGrpSpPr/>
+        <p:nvPr/>
+      </p:nvGrpSpPr>
+      <p:grpSpPr>
+        <a:xfrm>
+          <a:off x="0" y="0"/>
+          <a:ext cx="0" cy="0"/>
+          <a:chOff x="0" y="0"/>
+          <a:chExt cx="0" cy="0"/>
+        </a:xfrm>
+      </p:grpSpPr>
+      <p:sp>
+        <p:nvSpPr>
+          <p:cNvPr id="206" name="Shape 206"/>
+          <p:cNvSpPr/>
+          <p:nvPr>
+            <p:ph idx="2" type="sldImg"/>
+          </p:nvPr>
+        </p:nvSpPr>
+        <p:spPr>
+          <a:xfrm>
+            <a:off x="381300" y="685800"/>
+            <a:ext cx="6096000" cy="3429000"/>
+          </a:xfrm>
+          <a:custGeom>
+            <a:pathLst>
+              <a:path extrusionOk="0" h="120000" w="120000">
+                <a:moveTo>
+                  <a:pt x="0" y="0"/>
+                </a:moveTo>
+                <a:lnTo>
+                  <a:pt x="120000" y="0"/>
+                </a:lnTo>
+                <a:lnTo>
+                  <a:pt x="120000" y="120000"/>
+                </a:lnTo>
+                <a:lnTo>
+                  <a:pt x="0" y="120000"/>
+                </a:lnTo>
+                <a:close/>
+              </a:path>
+            </a:pathLst>
+          </a:custGeom>
+          <a:noFill/>
+          <a:ln cap="flat" cmpd="sng" w="9525">
+            <a:solidFill>
+              <a:srgbClr val="000000"/>
+            </a:solidFill>
+            <a:prstDash val="solid"/>
+            <a:round/>
+            <a:headEnd len="med" w="med" type="none"/>
+            <a:tailEnd len="med" w="med" type="none"/>
+          </a:ln>
+        </p:spPr>
+      </p:sp>
+      <p:sp>
+        <p:nvSpPr>
+          <p:cNvPr id="207" name="Shape 207"/>
+          <p:cNvSpPr txBox="1"/>
+          <p:nvPr>
+            <p:ph idx="1" type="body"/>
+          </p:nvPr>
+        </p:nvSpPr>
+        <p:spPr>
+          <a:xfrm>
+            <a:off x="685800" y="4343400"/>
+            <a:ext cx="5486399" cy="4114800"/>
+          </a:xfrm>
+          <a:prstGeom prst="rect">
+            <a:avLst/>
+          </a:prstGeom>
+        </p:spPr>
+        <p:txBody>
+          <a:bodyPr anchorCtr="0" anchor="t" bIns="91425" lIns="91425" rIns="91425" tIns="91425">
+            <a:noAutofit/>
+          </a:bodyPr>
+          <a:lstStyle/>
+          <a:p>
+            <a:pPr>
+              <a:spcBef>
+                <a:spcPts val="0"/>
+              </a:spcBef>
+              <a:buNone/>
+            </a:pPr>
+            <a:r>
+              <a:t/>
+            </a:r>
+            <a:endParaRPr/>
+          </a:p>
+        </p:txBody>
+      </p:sp>
+    </p:spTree>
+  </p:cSld>
+  <p:clrMapOvr>
+    <a:masterClrMapping/>
+  </p:clrMapOvr>
+</p:notes>
+</file>
+
+<file path=ppt/notesSlides/notesSlide23.xml><?xml version="1.0" encoding="utf-8"?>
+<p:notes xmlns:a="http://schemas.openxmlformats.org/drawingml/2006/main" xmlns:r="http://schemas.openxmlformats.org/officeDocument/2006/relationships" xmlns:mc="http://schemas.openxmlformats.org/markup-compatibility/2006" xmlns:mv="urn:schemas-microsoft-com:mac:vml" xmlns:p="http://schemas.openxmlformats.org/presentationml/2006/main" xmlns:c="http://schemas.openxmlformats.org/drawingml/2006/chart" xmlns:dgm="http://schemas.openxmlformats.org/drawingml/2006/diagram" xmlns:o="urn:schemas-microsoft-com:office:office" xmlns:v="urn:schemas-microsoft-com:vml" xmlns:pvml="urn:schemas-microsoft-com:office:powerpoint" xmlns:com="http://schemas.openxmlformats.org/drawingml/2006/compatibility" xmlns:p14="http://schemas.microsoft.com/office/powerpoint/2010/main" showMasterPhAnim="0" showMasterSp="0">
+  <p:cSld>
+    <p:spTree>
+      <p:nvGrpSpPr>
+        <p:cNvPr id="211" name="Shape 211"/>
+        <p:cNvGrpSpPr/>
+        <p:nvPr/>
+      </p:nvGrpSpPr>
+      <p:grpSpPr>
+        <a:xfrm>
+          <a:off x="0" y="0"/>
+          <a:ext cx="0" cy="0"/>
+          <a:chOff x="0" y="0"/>
+          <a:chExt cx="0" cy="0"/>
+        </a:xfrm>
+      </p:grpSpPr>
+      <p:sp>
+        <p:nvSpPr>
+          <p:cNvPr id="212" name="Shape 212"/>
+          <p:cNvSpPr/>
+          <p:nvPr>
+            <p:ph idx="2" type="sldImg"/>
+          </p:nvPr>
+        </p:nvSpPr>
+        <p:spPr>
+          <a:xfrm>
+            <a:off x="381300" y="685800"/>
+            <a:ext cx="6096000" cy="3429000"/>
+          </a:xfrm>
+          <a:custGeom>
+            <a:pathLst>
+              <a:path extrusionOk="0" h="120000" w="120000">
+                <a:moveTo>
+                  <a:pt x="0" y="0"/>
+                </a:moveTo>
+                <a:lnTo>
+                  <a:pt x="120000" y="0"/>
+                </a:lnTo>
+                <a:lnTo>
+                  <a:pt x="120000" y="120000"/>
+                </a:lnTo>
+                <a:lnTo>
+                  <a:pt x="0" y="120000"/>
+                </a:lnTo>
+                <a:close/>
+              </a:path>
+            </a:pathLst>
+          </a:custGeom>
+          <a:noFill/>
+          <a:ln cap="flat" cmpd="sng" w="9525">
+            <a:solidFill>
+              <a:srgbClr val="000000"/>
+            </a:solidFill>
+            <a:prstDash val="solid"/>
+            <a:round/>
+            <a:headEnd len="med" w="med" type="none"/>
+            <a:tailEnd len="med" w="med" type="none"/>
+          </a:ln>
+        </p:spPr>
+      </p:sp>
+      <p:sp>
+        <p:nvSpPr>
+          <p:cNvPr id="213" name="Shape 213"/>
+          <p:cNvSpPr txBox="1"/>
+          <p:nvPr>
+            <p:ph idx="1" type="body"/>
+          </p:nvPr>
+        </p:nvSpPr>
+        <p:spPr>
+          <a:xfrm>
+            <a:off x="685800" y="4343400"/>
+            <a:ext cx="5486399" cy="4114800"/>
+          </a:xfrm>
+          <a:prstGeom prst="rect">
+            <a:avLst/>
+          </a:prstGeom>
+        </p:spPr>
+        <p:txBody>
+          <a:bodyPr anchorCtr="0" anchor="t" bIns="91425" lIns="91425" rIns="91425" tIns="91425">
+            <a:noAutofit/>
+          </a:bodyPr>
+          <a:lstStyle/>
+          <a:p>
+            <a:pPr lvl="0" rtl="0">
+              <a:spcBef>
+                <a:spcPts val="0"/>
+              </a:spcBef>
+              <a:buNone/>
+            </a:pPr>
+            <a:r>
+              <a:t/>
+            </a:r>
+            <a:endParaRPr/>
+          </a:p>
+        </p:txBody>
+      </p:sp>
+    </p:spTree>
+  </p:cSld>
+  <p:clrMapOvr>
+    <a:masterClrMapping/>
+  </p:clrMapOvr>
+</p:notes>
+</file>
+
+<file path=ppt/notesSlides/notesSlide3.xml><?xml version="1.0" encoding="utf-8"?>
+<p:notes xmlns:a="http://schemas.openxmlformats.org/drawingml/2006/main" xmlns:r="http://schemas.openxmlformats.org/officeDocument/2006/relationships" xmlns:mc="http://schemas.openxmlformats.org/markup-compatibility/2006" xmlns:mv="urn:schemas-microsoft-com:mac:vml" xmlns:p="http://schemas.openxmlformats.org/presentationml/2006/main" xmlns:c="http://schemas.openxmlformats.org/drawingml/2006/chart" xmlns:dgm="http://schemas.openxmlformats.org/drawingml/2006/diagram" xmlns:o="urn:schemas-microsoft-com:office:office" xmlns:v="urn:schemas-microsoft-com:vml" xmlns:pvml="urn:schemas-microsoft-com:office:powerpoint" xmlns:com="http://schemas.openxmlformats.org/drawingml/2006/compatibility" xmlns:p14="http://schemas.microsoft.com/office/powerpoint/2010/main" showMasterPhAnim="0" showMasterSp="0">
+  <p:cSld>
+    <p:spTree>
+      <p:nvGrpSpPr>
+        <p:cNvPr id="67" name="Shape 67"/>
+        <p:cNvGrpSpPr/>
+        <p:nvPr/>
+      </p:nvGrpSpPr>
+      <p:grpSpPr>
+        <a:xfrm>
+          <a:off x="0" y="0"/>
+          <a:ext cx="0" cy="0"/>
+          <a:chOff x="0" y="0"/>
+          <a:chExt cx="0" cy="0"/>
+        </a:xfrm>
+      </p:grpSpPr>
+      <p:sp>
+        <p:nvSpPr>
+          <p:cNvPr id="68" name="Shape 68"/>
+          <p:cNvSpPr/>
+          <p:nvPr>
+            <p:ph idx="2" type="sldImg"/>
+          </p:nvPr>
+        </p:nvSpPr>
+        <p:spPr>
+          <a:xfrm>
+            <a:off x="381300" y="685800"/>
+            <a:ext cx="6096000" cy="3429000"/>
+          </a:xfrm>
+          <a:custGeom>
+            <a:pathLst>
+              <a:path extrusionOk="0" h="120000" w="120000">
+                <a:moveTo>
+                  <a:pt x="0" y="0"/>
+                </a:moveTo>
+                <a:lnTo>
+                  <a:pt x="120000" y="0"/>
+                </a:lnTo>
+                <a:lnTo>
+                  <a:pt x="120000" y="120000"/>
+                </a:lnTo>
+                <a:lnTo>
+                  <a:pt x="0" y="120000"/>
+                </a:lnTo>
+                <a:close/>
+              </a:path>
+            </a:pathLst>
+          </a:custGeom>
+          <a:noFill/>
+          <a:ln cap="flat" cmpd="sng" w="9525">
+            <a:solidFill>
+              <a:srgbClr val="000000"/>
+            </a:solidFill>
+            <a:prstDash val="solid"/>
+            <a:round/>
+            <a:headEnd len="med" w="med" type="none"/>
+            <a:tailEnd len="med" w="med" type="none"/>
+          </a:ln>
+        </p:spPr>
+      </p:sp>
+      <p:sp>
+        <p:nvSpPr>
+          <p:cNvPr id="69" name="Shape 69"/>
+          <p:cNvSpPr txBox="1"/>
+          <p:nvPr>
+            <p:ph idx="1" type="body"/>
+          </p:nvPr>
+        </p:nvSpPr>
+        <p:spPr>
+          <a:xfrm>
+            <a:off x="685800" y="4343400"/>
+            <a:ext cx="5486399" cy="4114800"/>
+          </a:xfrm>
+          <a:prstGeom prst="rect">
+            <a:avLst/>
+          </a:prstGeom>
+        </p:spPr>
+        <p:txBody>
+          <a:bodyPr anchorCtr="0" anchor="t" bIns="91425" lIns="91425" rIns="91425" tIns="91425">
+            <a:noAutofit/>
+          </a:bodyPr>
+          <a:lstStyle/>
+          <a:p>
+            <a:pPr>
+              <a:spcBef>
+                <a:spcPts val="0"/>
+              </a:spcBef>
+              <a:buNone/>
+            </a:pPr>
+            <a:r>
+              <a:t/>
+            </a:r>
+            <a:endParaRPr/>
+          </a:p>
+        </p:txBody>
+      </p:sp>
+    </p:spTree>
+  </p:cSld>
+  <p:clrMapOvr>
+    <a:masterClrMapping/>
+  </p:clrMapOvr>
+</p:notes>
+</file>
+
+<file path=ppt/notesSlides/notesSlide4.xml><?xml version="1.0" encoding="utf-8"?>
+<p:notes xmlns:a="http://schemas.openxmlformats.org/drawingml/2006/main" xmlns:r="http://schemas.openxmlformats.org/officeDocument/2006/relationships" xmlns:mc="http://schemas.openxmlformats.org/markup-compatibility/2006" xmlns:mv="urn:schemas-microsoft-com:mac:vml" xmlns:p="http://schemas.openxmlformats.org/presentationml/2006/main" xmlns:c="http://schemas.openxmlformats.org/drawingml/2006/chart" xmlns:dgm="http://schemas.openxmlformats.org/drawingml/2006/diagram" xmlns:o="urn:schemas-microsoft-com:office:office" xmlns:v="urn:schemas-microsoft-com:vml" xmlns:pvml="urn:schemas-microsoft-com:office:powerpoint" xmlns:com="http://schemas.openxmlformats.org/drawingml/2006/compatibility" xmlns:p14="http://schemas.microsoft.com/office/powerpoint/2010/main" showMasterPhAnim="0" showMasterSp="0">
+  <p:cSld>
+    <p:spTree>
+      <p:nvGrpSpPr>
+        <p:cNvPr id="75" name="Shape 75"/>
+        <p:cNvGrpSpPr/>
+        <p:nvPr/>
+      </p:nvGrpSpPr>
+      <p:grpSpPr>
+        <a:xfrm>
+          <a:off x="0" y="0"/>
+          <a:ext cx="0" cy="0"/>
+          <a:chOff x="0" y="0"/>
+          <a:chExt cx="0" cy="0"/>
+        </a:xfrm>
+      </p:grpSpPr>
+      <p:sp>
+        <p:nvSpPr>
+          <p:cNvPr id="76" name="Shape 76"/>
+          <p:cNvSpPr/>
+          <p:nvPr>
+            <p:ph idx="2" type="sldImg"/>
+          </p:nvPr>
+        </p:nvSpPr>
+        <p:spPr>
+          <a:xfrm>
+            <a:off x="381300" y="685800"/>
+            <a:ext cx="6096000" cy="3429000"/>
+          </a:xfrm>
+          <a:custGeom>
+            <a:pathLst>
+              <a:path extrusionOk="0" h="120000" w="120000">
+                <a:moveTo>
+                  <a:pt x="0" y="0"/>
+                </a:moveTo>
+                <a:lnTo>
+                  <a:pt x="120000" y="0"/>
+                </a:lnTo>
+                <a:lnTo>
+                  <a:pt x="120000" y="120000"/>
+                </a:lnTo>
+                <a:lnTo>
+                  <a:pt x="0" y="120000"/>
+                </a:lnTo>
+                <a:close/>
+              </a:path>
+            </a:pathLst>
+          </a:custGeom>
+          <a:noFill/>
+          <a:ln cap="flat" cmpd="sng" w="9525">
+            <a:solidFill>
+              <a:srgbClr val="000000"/>
+            </a:solidFill>
+            <a:prstDash val="solid"/>
+            <a:round/>
+            <a:headEnd len="med" w="med" type="none"/>
+            <a:tailEnd len="med" w="med" type="none"/>
+          </a:ln>
+        </p:spPr>
+      </p:sp>
+      <p:sp>
+        <p:nvSpPr>
+          <p:cNvPr id="77" name="Shape 77"/>
+          <p:cNvSpPr txBox="1"/>
+          <p:nvPr>
+            <p:ph idx="1" type="body"/>
+          </p:nvPr>
+        </p:nvSpPr>
+        <p:spPr>
+          <a:xfrm>
+            <a:off x="685800" y="4343400"/>
+            <a:ext cx="5486399" cy="4114800"/>
+          </a:xfrm>
+          <a:prstGeom prst="rect">
+            <a:avLst/>
+          </a:prstGeom>
+        </p:spPr>
+        <p:txBody>
+          <a:bodyPr anchorCtr="0" anchor="t" bIns="91425" lIns="91425" rIns="91425" tIns="91425">
+            <a:noAutofit/>
+          </a:bodyPr>
+          <a:lstStyle/>
+          <a:p>
+            <a:pPr>
+              <a:spcBef>
+                <a:spcPts val="0"/>
+              </a:spcBef>
+              <a:buNone/>
+            </a:pPr>
+            <a:r>
+              <a:t/>
+            </a:r>
+            <a:endParaRPr/>
+          </a:p>
+        </p:txBody>
+      </p:sp>
+    </p:spTree>
+  </p:cSld>
+  <p:clrMapOvr>
+    <a:masterClrMapping/>
+  </p:clrMapOvr>
+</p:notes>
+</file>
+
+<file path=ppt/notesSlides/notesSlide5.xml><?xml version="1.0" encoding="utf-8"?>
+<p:notes xmlns:a="http://schemas.openxmlformats.org/drawingml/2006/main" xmlns:r="http://schemas.openxmlformats.org/officeDocument/2006/relationships" xmlns:mc="http://schemas.openxmlformats.org/markup-compatibility/2006" xmlns:mv="urn:schemas-microsoft-com:mac:vml" xmlns:p="http://schemas.openxmlformats.org/presentationml/2006/main" xmlns:c="http://schemas.openxmlformats.org/drawingml/2006/chart" xmlns:dgm="http://schemas.openxmlformats.org/drawingml/2006/diagram" xmlns:o="urn:schemas-microsoft-com:office:office" xmlns:v="urn:schemas-microsoft-com:vml" xmlns:pvml="urn:schemas-microsoft-com:office:powerpoint" xmlns:com="http://schemas.openxmlformats.org/drawingml/2006/compatibility" xmlns:p14="http://schemas.microsoft.com/office/powerpoint/2010/main" showMasterPhAnim="0" showMasterSp="0">
+  <p:cSld>
+    <p:spTree>
+      <p:nvGrpSpPr>
+        <p:cNvPr id="84" name="Shape 84"/>
+        <p:cNvGrpSpPr/>
+        <p:nvPr/>
+      </p:nvGrpSpPr>
+      <p:grpSpPr>
+        <a:xfrm>
+          <a:off x="0" y="0"/>
+          <a:ext cx="0" cy="0"/>
+          <a:chOff x="0" y="0"/>
+          <a:chExt cx="0" cy="0"/>
+        </a:xfrm>
+      </p:grpSpPr>
+      <p:sp>
+        <p:nvSpPr>
+          <p:cNvPr id="85" name="Shape 85"/>
+          <p:cNvSpPr/>
+          <p:nvPr>
+            <p:ph idx="2" type="sldImg"/>
+          </p:nvPr>
+        </p:nvSpPr>
+        <p:spPr>
+          <a:xfrm>
+            <a:off x="381300" y="685800"/>
+            <a:ext cx="6096000" cy="3429000"/>
+          </a:xfrm>
+          <a:custGeom>
+            <a:pathLst>
+              <a:path extrusionOk="0" h="120000" w="120000">
+                <a:moveTo>
+                  <a:pt x="0" y="0"/>
+                </a:moveTo>
+                <a:lnTo>
+                  <a:pt x="120000" y="0"/>
+                </a:lnTo>
+                <a:lnTo>
+                  <a:pt x="120000" y="120000"/>
+                </a:lnTo>
+                <a:lnTo>
+                  <a:pt x="0" y="120000"/>
+                </a:lnTo>
+                <a:close/>
+              </a:path>
+            </a:pathLst>
+          </a:custGeom>
+          <a:noFill/>
+          <a:ln cap="flat" cmpd="sng" w="9525">
+            <a:solidFill>
+              <a:srgbClr val="000000"/>
+            </a:solidFill>
+            <a:prstDash val="solid"/>
+            <a:round/>
+            <a:headEnd len="med" w="med" type="none"/>
+            <a:tailEnd len="med" w="med" type="none"/>
+          </a:ln>
+        </p:spPr>
+      </p:sp>
+      <p:sp>
+        <p:nvSpPr>
+          <p:cNvPr id="86" name="Shape 86"/>
+          <p:cNvSpPr txBox="1"/>
+          <p:nvPr>
+            <p:ph idx="1" type="body"/>
+          </p:nvPr>
+        </p:nvSpPr>
+        <p:spPr>
+          <a:xfrm>
+            <a:off x="685800" y="4343400"/>
+            <a:ext cx="5486399" cy="4114800"/>
+          </a:xfrm>
+          <a:prstGeom prst="rect">
+            <a:avLst/>
+          </a:prstGeom>
+        </p:spPr>
+        <p:txBody>
+          <a:bodyPr anchorCtr="0" anchor="t" bIns="91425" lIns="91425" rIns="91425" tIns="91425">
+            <a:noAutofit/>
+          </a:bodyPr>
+          <a:lstStyle/>
+          <a:p>
+            <a:pPr>
+              <a:spcBef>
+                <a:spcPts val="0"/>
+              </a:spcBef>
+              <a:buNone/>
+            </a:pPr>
+            <a:r>
+              <a:t/>
+            </a:r>
+            <a:endParaRPr/>
+          </a:p>
+        </p:txBody>
+      </p:sp>
+    </p:spTree>
+  </p:cSld>
+  <p:clrMapOvr>
+    <a:masterClrMapping/>
+  </p:clrMapOvr>
+</p:notes>
+</file>
+
+<file path=ppt/notesSlides/notesSlide6.xml><?xml version="1.0" encoding="utf-8"?>
+<p:notes xmlns:a="http://schemas.openxmlformats.org/drawingml/2006/main" xmlns:r="http://schemas.openxmlformats.org/officeDocument/2006/relationships" xmlns:mc="http://schemas.openxmlformats.org/markup-compatibility/2006" xmlns:mv="urn:schemas-microsoft-com:mac:vml" xmlns:p="http://schemas.openxmlformats.org/presentationml/2006/main" xmlns:c="http://schemas.openxmlformats.org/drawingml/2006/chart" xmlns:dgm="http://schemas.openxmlformats.org/drawingml/2006/diagram" xmlns:o="urn:schemas-microsoft-com:office:office" xmlns:v="urn:schemas-microsoft-com:vml" xmlns:pvml="urn:schemas-microsoft-com:office:powerpoint" xmlns:com="http://schemas.openxmlformats.org/drawingml/2006/compatibility" xmlns:p14="http://schemas.microsoft.com/office/powerpoint/2010/main" showMasterPhAnim="0" showMasterSp="0">
+  <p:cSld>
+    <p:spTree>
+      <p:nvGrpSpPr>
+        <p:cNvPr id="91" name="Shape 91"/>
+        <p:cNvGrpSpPr/>
+        <p:nvPr/>
+      </p:nvGrpSpPr>
+      <p:grpSpPr>
+        <a:xfrm>
+          <a:off x="0" y="0"/>
+          <a:ext cx="0" cy="0"/>
+          <a:chOff x="0" y="0"/>
+          <a:chExt cx="0" cy="0"/>
+        </a:xfrm>
+      </p:grpSpPr>
+      <p:sp>
+        <p:nvSpPr>
+          <p:cNvPr id="92" name="Shape 92"/>
+          <p:cNvSpPr/>
+          <p:nvPr>
+            <p:ph idx="2" type="sldImg"/>
+          </p:nvPr>
+        </p:nvSpPr>
+        <p:spPr>
+          <a:xfrm>
+            <a:off x="381300" y="685800"/>
+            <a:ext cx="6096000" cy="3429000"/>
+          </a:xfrm>
+          <a:custGeom>
+            <a:pathLst>
+              <a:path extrusionOk="0" h="120000" w="120000">
+                <a:moveTo>
+                  <a:pt x="0" y="0"/>
+                </a:moveTo>
+                <a:lnTo>
+                  <a:pt x="120000" y="0"/>
+                </a:lnTo>
+                <a:lnTo>
+                  <a:pt x="120000" y="120000"/>
+                </a:lnTo>
+                <a:lnTo>
+                  <a:pt x="0" y="120000"/>
+                </a:lnTo>
+                <a:close/>
+              </a:path>
+            </a:pathLst>
+          </a:custGeom>
+          <a:noFill/>
+          <a:ln cap="flat" cmpd="sng" w="9525">
+            <a:solidFill>
+              <a:srgbClr val="000000"/>
+            </a:solidFill>
+            <a:prstDash val="solid"/>
+            <a:round/>
+            <a:headEnd len="med" w="med" type="none"/>
+            <a:tailEnd len="med" w="med" type="none"/>
+          </a:ln>
+        </p:spPr>
+      </p:sp>
+      <p:sp>
+        <p:nvSpPr>
+          <p:cNvPr id="93" name="Shape 93"/>
+          <p:cNvSpPr txBox="1"/>
+          <p:nvPr>
+            <p:ph idx="1" type="body"/>
+          </p:nvPr>
+        </p:nvSpPr>
+        <p:spPr>
+          <a:xfrm>
+            <a:off x="685800" y="4343400"/>
+            <a:ext cx="5486399" cy="4114800"/>
+          </a:xfrm>
+          <a:prstGeom prst="rect">
+            <a:avLst/>
+          </a:prstGeom>
+        </p:spPr>
+        <p:txBody>
+          <a:bodyPr anchorCtr="0" anchor="t" bIns="91425" lIns="91425" rIns="91425" tIns="91425">
+            <a:noAutofit/>
+          </a:bodyPr>
+          <a:lstStyle/>
+          <a:p>
+            <a:pPr>
+              <a:spcBef>
+                <a:spcPts val="0"/>
+              </a:spcBef>
+              <a:buNone/>
+            </a:pPr>
+            <a:r>
+              <a:t/>
+            </a:r>
+            <a:endParaRPr/>
+          </a:p>
+        </p:txBody>
+      </p:sp>
+    </p:spTree>
+  </p:cSld>
+  <p:clrMapOvr>
+    <a:masterClrMapping/>
+  </p:clrMapOvr>
+</p:notes>
+</file>
+
+<file path=ppt/notesSlides/notesSlide7.xml><?xml version="1.0" encoding="utf-8"?>
+<p:notes xmlns:a="http://schemas.openxmlformats.org/drawingml/2006/main" xmlns:r="http://schemas.openxmlformats.org/officeDocument/2006/relationships" xmlns:mc="http://schemas.openxmlformats.org/markup-compatibility/2006" xmlns:mv="urn:schemas-microsoft-com:mac:vml" xmlns:p="http://schemas.openxmlformats.org/presentationml/2006/main" xmlns:c="http://schemas.openxmlformats.org/drawingml/2006/chart" xmlns:dgm="http://schemas.openxmlformats.org/drawingml/2006/diagram" xmlns:o="urn:schemas-microsoft-com:office:office" xmlns:v="urn:schemas-microsoft-com:vml" xmlns:pvml="urn:schemas-microsoft-com:office:powerpoint" xmlns:com="http://schemas.openxmlformats.org/drawingml/2006/compatibility" xmlns:p14="http://schemas.microsoft.com/office/powerpoint/2010/main" showMasterPhAnim="0" showMasterSp="0">
+  <p:cSld>
+    <p:spTree>
+      <p:nvGrpSpPr>
+        <p:cNvPr id="101" name="Shape 101"/>
+        <p:cNvGrpSpPr/>
+        <p:nvPr/>
+      </p:nvGrpSpPr>
+      <p:grpSpPr>
+        <a:xfrm>
+          <a:off x="0" y="0"/>
+          <a:ext cx="0" cy="0"/>
+          <a:chOff x="0" y="0"/>
+          <a:chExt cx="0" cy="0"/>
+        </a:xfrm>
+      </p:grpSpPr>
+      <p:sp>
+        <p:nvSpPr>
+          <p:cNvPr id="102" name="Shape 102"/>
+          <p:cNvSpPr/>
+          <p:nvPr>
+            <p:ph idx="2" type="sldImg"/>
+          </p:nvPr>
+        </p:nvSpPr>
+        <p:spPr>
+          <a:xfrm>
+            <a:off x="381300" y="685800"/>
+            <a:ext cx="6096000" cy="3429000"/>
+          </a:xfrm>
+          <a:custGeom>
+            <a:pathLst>
+              <a:path extrusionOk="0" h="120000" w="120000">
+                <a:moveTo>
+                  <a:pt x="0" y="0"/>
+                </a:moveTo>
+                <a:lnTo>
+                  <a:pt x="120000" y="0"/>
+                </a:lnTo>
+                <a:lnTo>
+                  <a:pt x="120000" y="120000"/>
+                </a:lnTo>
+                <a:lnTo>
+                  <a:pt x="0" y="120000"/>
+                </a:lnTo>
+                <a:close/>
+              </a:path>
+            </a:pathLst>
+          </a:custGeom>
+          <a:noFill/>
+          <a:ln cap="flat" cmpd="sng" w="9525">
+            <a:solidFill>
+              <a:srgbClr val="000000"/>
+            </a:solidFill>
+            <a:prstDash val="solid"/>
+            <a:round/>
+            <a:headEnd len="med" w="med" type="none"/>
+            <a:tailEnd len="med" w="med" type="none"/>
+          </a:ln>
+        </p:spPr>
+      </p:sp>
+      <p:sp>
+        <p:nvSpPr>
+          <p:cNvPr id="103" name="Shape 103"/>
+          <p:cNvSpPr txBox="1"/>
+          <p:nvPr>
+            <p:ph idx="1" type="body"/>
+          </p:nvPr>
+        </p:nvSpPr>
+        <p:spPr>
+          <a:xfrm>
+            <a:off x="685800" y="4343400"/>
+            <a:ext cx="5486399" cy="4114800"/>
+          </a:xfrm>
+          <a:prstGeom prst="rect">
+            <a:avLst/>
+          </a:prstGeom>
+        </p:spPr>
+        <p:txBody>
+          <a:bodyPr anchorCtr="0" anchor="t" bIns="91425" lIns="91425" rIns="91425" tIns="91425">
+            <a:noAutofit/>
+          </a:bodyPr>
+          <a:lstStyle/>
+          <a:p>
+            <a:pPr lvl="0" rtl="0">
+              <a:spcBef>
+                <a:spcPts val="0"/>
+              </a:spcBef>
+              <a:buNone/>
+            </a:pPr>
+            <a:r>
+              <a:t/>
+            </a:r>
+            <a:endParaRPr/>
+          </a:p>
+        </p:txBody>
+      </p:sp>
+    </p:spTree>
+  </p:cSld>
+  <p:clrMapOvr>
+    <a:masterClrMapping/>
+  </p:clrMapOvr>
+</p:notes>
+</file>
+
+<file path=ppt/notesSlides/notesSlide8.xml><?xml version="1.0" encoding="utf-8"?>
+<p:notes xmlns:a="http://schemas.openxmlformats.org/drawingml/2006/main" xmlns:r="http://schemas.openxmlformats.org/officeDocument/2006/relationships" xmlns:mc="http://schemas.openxmlformats.org/markup-compatibility/2006" xmlns:mv="urn:schemas-microsoft-com:mac:vml" xmlns:p="http://schemas.openxmlformats.org/presentationml/2006/main" xmlns:c="http://schemas.openxmlformats.org/drawingml/2006/chart" xmlns:dgm="http://schemas.openxmlformats.org/drawingml/2006/diagram" xmlns:o="urn:schemas-microsoft-com:office:office" xmlns:v="urn:schemas-microsoft-com:vml" xmlns:pvml="urn:schemas-microsoft-com:office:powerpoint" xmlns:com="http://schemas.openxmlformats.org/drawingml/2006/compatibility" xmlns:p14="http://schemas.microsoft.com/office/powerpoint/2010/main" showMasterPhAnim="0" showMasterSp="0">
+  <p:cSld>
+    <p:spTree>
+      <p:nvGrpSpPr>
+        <p:cNvPr id="109" name="Shape 109"/>
+        <p:cNvGrpSpPr/>
+        <p:nvPr/>
+      </p:nvGrpSpPr>
+      <p:grpSpPr>
+        <a:xfrm>
+          <a:off x="0" y="0"/>
+          <a:ext cx="0" cy="0"/>
+          <a:chOff x="0" y="0"/>
+          <a:chExt cx="0" cy="0"/>
+        </a:xfrm>
+      </p:grpSpPr>
+      <p:sp>
+        <p:nvSpPr>
+          <p:cNvPr id="110" name="Shape 110"/>
+          <p:cNvSpPr/>
+          <p:nvPr>
+            <p:ph idx="2" type="sldImg"/>
+          </p:nvPr>
+        </p:nvSpPr>
+        <p:spPr>
+          <a:xfrm>
+            <a:off x="381300" y="685800"/>
+            <a:ext cx="6096000" cy="3429000"/>
+          </a:xfrm>
+          <a:custGeom>
+            <a:pathLst>
+              <a:path extrusionOk="0" h="120000" w="120000">
+                <a:moveTo>
+                  <a:pt x="0" y="0"/>
+                </a:moveTo>
+                <a:lnTo>
+                  <a:pt x="120000" y="0"/>
+                </a:lnTo>
+                <a:lnTo>
+                  <a:pt x="120000" y="120000"/>
+                </a:lnTo>
+                <a:lnTo>
+                  <a:pt x="0" y="120000"/>
+                </a:lnTo>
+                <a:close/>
+              </a:path>
+            </a:pathLst>
+          </a:custGeom>
+          <a:noFill/>
+          <a:ln cap="flat" cmpd="sng" w="9525">
+            <a:solidFill>
+              <a:srgbClr val="000000"/>
+            </a:solidFill>
+            <a:prstDash val="solid"/>
+            <a:round/>
+            <a:headEnd len="med" w="med" type="none"/>
+            <a:tailEnd len="med" w="med" type="none"/>
+          </a:ln>
+        </p:spPr>
+      </p:sp>
+      <p:sp>
+        <p:nvSpPr>
+          <p:cNvPr id="111" name="Shape 111"/>
+          <p:cNvSpPr txBox="1"/>
+          <p:nvPr>
+            <p:ph idx="1" type="body"/>
+          </p:nvPr>
+        </p:nvSpPr>
+        <p:spPr>
+          <a:xfrm>
+            <a:off x="685800" y="4343400"/>
+            <a:ext cx="5486399" cy="4114800"/>
+          </a:xfrm>
+          <a:prstGeom prst="rect">
+            <a:avLst/>
+          </a:prstGeom>
+        </p:spPr>
+        <p:txBody>
+          <a:bodyPr anchorCtr="0" anchor="t" bIns="91425" lIns="91425" rIns="91425" tIns="91425">
+            <a:noAutofit/>
+          </a:bodyPr>
+          <a:lstStyle/>
+          <a:p>
+            <a:pPr>
+              <a:spcBef>
+                <a:spcPts val="0"/>
+              </a:spcBef>
+              <a:buNone/>
+            </a:pPr>
+            <a:r>
+              <a:t/>
+            </a:r>
+            <a:endParaRPr/>
+          </a:p>
+        </p:txBody>
+      </p:sp>
+    </p:spTree>
+  </p:cSld>
+  <p:clrMapOvr>
+    <a:masterClrMapping/>
+  </p:clrMapOvr>
+</p:notes>
+</file>
+
+<file path=ppt/notesSlides/notesSlide9.xml><?xml version="1.0" encoding="utf-8"?>
+<p:notes xmlns:a="http://schemas.openxmlformats.org/drawingml/2006/main" xmlns:r="http://schemas.openxmlformats.org/officeDocument/2006/relationships" xmlns:mc="http://schemas.openxmlformats.org/markup-compatibility/2006" xmlns:mv="urn:schemas-microsoft-com:mac:vml" xmlns:p="http://schemas.openxmlformats.org/presentationml/2006/main" xmlns:c="http://schemas.openxmlformats.org/drawingml/2006/chart" xmlns:dgm="http://schemas.openxmlformats.org/drawingml/2006/diagram" xmlns:o="urn:schemas-microsoft-com:office:office" xmlns:v="urn:schemas-microsoft-com:vml" xmlns:pvml="urn:schemas-microsoft-com:office:powerpoint" xmlns:com="http://schemas.openxmlformats.org/drawingml/2006/compatibility" xmlns:p14="http://schemas.microsoft.com/office/powerpoint/2010/main" showMasterPhAnim="0" showMasterSp="0">
+  <p:cSld>
+    <p:spTree>
+      <p:nvGrpSpPr>
+        <p:cNvPr id="118" name="Shape 118"/>
+        <p:cNvGrpSpPr/>
+        <p:nvPr/>
+      </p:nvGrpSpPr>
+      <p:grpSpPr>
+        <a:xfrm>
+          <a:off x="0" y="0"/>
+          <a:ext cx="0" cy="0"/>
+          <a:chOff x="0" y="0"/>
+          <a:chExt cx="0" cy="0"/>
+        </a:xfrm>
+      </p:grpSpPr>
+      <p:sp>
+        <p:nvSpPr>
+          <p:cNvPr id="119" name="Shape 119"/>
+          <p:cNvSpPr/>
+          <p:nvPr>
+            <p:ph idx="2" type="sldImg"/>
+          </p:nvPr>
+        </p:nvSpPr>
+        <p:spPr>
+          <a:xfrm>
+            <a:off x="381300" y="685800"/>
+            <a:ext cx="6096000" cy="3429000"/>
+          </a:xfrm>
+          <a:custGeom>
+            <a:pathLst>
+              <a:path extrusionOk="0" h="120000" w="120000">
+                <a:moveTo>
+                  <a:pt x="0" y="0"/>
+                </a:moveTo>
+                <a:lnTo>
+                  <a:pt x="120000" y="0"/>
+                </a:lnTo>
+                <a:lnTo>
+                  <a:pt x="120000" y="120000"/>
+                </a:lnTo>
+                <a:lnTo>
+                  <a:pt x="0" y="120000"/>
+                </a:lnTo>
+                <a:close/>
+              </a:path>
+            </a:pathLst>
+          </a:custGeom>
+          <a:noFill/>
+          <a:ln cap="flat" cmpd="sng" w="9525">
+            <a:solidFill>
+              <a:srgbClr val="000000"/>
+            </a:solidFill>
+            <a:prstDash val="solid"/>
+            <a:round/>
+            <a:headEnd len="med" w="med" type="none"/>
+            <a:tailEnd len="med" w="med" type="none"/>
+          </a:ln>
+        </p:spPr>
+      </p:sp>
+      <p:sp>
+        <p:nvSpPr>
+          <p:cNvPr id="120" name="Shape 120"/>
           <p:cNvSpPr txBox="1"/>
           <p:nvPr>
             <p:ph idx="1" type="body"/>
@@ -1648,7 +2814,7 @@
 
 <file path=ppt/slideLayouts/slideLayout1.xml><?xml version="1.0" encoding="utf-8"?>
 <p:sldLayout xmlns:a="http://schemas.openxmlformats.org/drawingml/2006/main" xmlns:r="http://schemas.openxmlformats.org/officeDocument/2006/relationships" xmlns:mc="http://schemas.openxmlformats.org/markup-compatibility/2006" xmlns:mv="urn:schemas-microsoft-com:mac:vml" xmlns:p="http://schemas.openxmlformats.org/presentationml/2006/main" xmlns:c="http://schemas.openxmlformats.org/drawingml/2006/chart" xmlns:dgm="http://schemas.openxmlformats.org/drawingml/2006/diagram" xmlns:o="urn:schemas-microsoft-com:office:office" xmlns:v="urn:schemas-microsoft-com:vml" xmlns:pvml="urn:schemas-microsoft-com:office:powerpoint" xmlns:com="http://schemas.openxmlformats.org/drawingml/2006/compatibility" xmlns:p14="http://schemas.microsoft.com/office/powerpoint/2010/main" type="title">
-  <p:cSld name="Title Slide">
+  <p:cSld name="Title slide">
     <p:spTree>
       <p:nvGrpSpPr>
         <p:cNvPr id="8" name="Shape 8"/>
@@ -1946,7 +3112,7 @@
 
 <file path=ppt/slideLayouts/slideLayout10.xml><?xml version="1.0" encoding="utf-8"?>
 <p:sldLayout xmlns:a="http://schemas.openxmlformats.org/drawingml/2006/main" xmlns:r="http://schemas.openxmlformats.org/officeDocument/2006/relationships" xmlns:mc="http://schemas.openxmlformats.org/markup-compatibility/2006" xmlns:mv="urn:schemas-microsoft-com:mac:vml" xmlns:p="http://schemas.openxmlformats.org/presentationml/2006/main" xmlns:c="http://schemas.openxmlformats.org/drawingml/2006/chart" xmlns:dgm="http://schemas.openxmlformats.org/drawingml/2006/diagram" xmlns:o="urn:schemas-microsoft-com:office:office" xmlns:v="urn:schemas-microsoft-com:vml" xmlns:pvml="urn:schemas-microsoft-com:office:powerpoint" xmlns:com="http://schemas.openxmlformats.org/drawingml/2006/compatibility" xmlns:p14="http://schemas.microsoft.com/office/powerpoint/2010/main">
-  <p:cSld name="Big Number">
+  <p:cSld name="Big number">
     <p:spTree>
       <p:nvGrpSpPr>
         <p:cNvPr id="43" name="Shape 43"/>
@@ -2233,7 +3399,7 @@
 
 <file path=ppt/slideLayouts/slideLayout2.xml><?xml version="1.0" encoding="utf-8"?>
 <p:sldLayout xmlns:a="http://schemas.openxmlformats.org/drawingml/2006/main" xmlns:r="http://schemas.openxmlformats.org/officeDocument/2006/relationships" xmlns:mc="http://schemas.openxmlformats.org/markup-compatibility/2006" xmlns:mv="urn:schemas-microsoft-com:mac:vml" xmlns:p="http://schemas.openxmlformats.org/presentationml/2006/main" xmlns:c="http://schemas.openxmlformats.org/drawingml/2006/chart" xmlns:dgm="http://schemas.openxmlformats.org/drawingml/2006/diagram" xmlns:o="urn:schemas-microsoft-com:office:office" xmlns:v="urn:schemas-microsoft-com:vml" xmlns:pvml="urn:schemas-microsoft-com:office:powerpoint" xmlns:com="http://schemas.openxmlformats.org/drawingml/2006/compatibility" xmlns:p14="http://schemas.microsoft.com/office/powerpoint/2010/main" type="secHead">
-  <p:cSld name="Section Title">
+  <p:cSld name="Section title">
     <p:spTree>
       <p:nvGrpSpPr>
         <p:cNvPr id="12" name="Shape 12"/>
@@ -2381,7 +3547,7 @@
 
 <file path=ppt/slideLayouts/slideLayout3.xml><?xml version="1.0" encoding="utf-8"?>
 <p:sldLayout xmlns:a="http://schemas.openxmlformats.org/drawingml/2006/main" xmlns:r="http://schemas.openxmlformats.org/officeDocument/2006/relationships" xmlns:mc="http://schemas.openxmlformats.org/markup-compatibility/2006" xmlns:mv="urn:schemas-microsoft-com:mac:vml" xmlns:p="http://schemas.openxmlformats.org/presentationml/2006/main" xmlns:c="http://schemas.openxmlformats.org/drawingml/2006/chart" xmlns:dgm="http://schemas.openxmlformats.org/drawingml/2006/diagram" xmlns:o="urn:schemas-microsoft-com:office:office" xmlns:v="urn:schemas-microsoft-com:vml" xmlns:pvml="urn:schemas-microsoft-com:office:powerpoint" xmlns:com="http://schemas.openxmlformats.org/drawingml/2006/compatibility" xmlns:p14="http://schemas.microsoft.com/office/powerpoint/2010/main" type="tx">
-  <p:cSld name="Title and Body">
+  <p:cSld name="Title and body">
     <p:spTree>
       <p:nvGrpSpPr>
         <p:cNvPr id="15" name="Shape 15"/>
@@ -2598,7 +3764,7 @@
 
 <file path=ppt/slideLayouts/slideLayout4.xml><?xml version="1.0" encoding="utf-8"?>
 <p:sldLayout xmlns:a="http://schemas.openxmlformats.org/drawingml/2006/main" xmlns:r="http://schemas.openxmlformats.org/officeDocument/2006/relationships" xmlns:mc="http://schemas.openxmlformats.org/markup-compatibility/2006" xmlns:mv="urn:schemas-microsoft-com:mac:vml" xmlns:p="http://schemas.openxmlformats.org/presentationml/2006/main" xmlns:c="http://schemas.openxmlformats.org/drawingml/2006/chart" xmlns:dgm="http://schemas.openxmlformats.org/drawingml/2006/diagram" xmlns:o="urn:schemas-microsoft-com:office:office" xmlns:v="urn:schemas-microsoft-com:vml" xmlns:pvml="urn:schemas-microsoft-com:office:powerpoint" xmlns:com="http://schemas.openxmlformats.org/drawingml/2006/compatibility" xmlns:p14="http://schemas.microsoft.com/office/powerpoint/2010/main" type="twoColTx">
-  <p:cSld name="Title and Two Columns">
+  <p:cSld name="Title and two columns">
     <p:spTree>
       <p:nvGrpSpPr>
         <p:cNvPr id="19" name="Shape 19"/>
@@ -2911,7 +4077,7 @@
 
 <file path=ppt/slideLayouts/slideLayout5.xml><?xml version="1.0" encoding="utf-8"?>
 <p:sldLayout xmlns:a="http://schemas.openxmlformats.org/drawingml/2006/main" xmlns:r="http://schemas.openxmlformats.org/officeDocument/2006/relationships" xmlns:mc="http://schemas.openxmlformats.org/markup-compatibility/2006" xmlns:mv="urn:schemas-microsoft-com:mac:vml" xmlns:p="http://schemas.openxmlformats.org/presentationml/2006/main" xmlns:c="http://schemas.openxmlformats.org/drawingml/2006/chart" xmlns:dgm="http://schemas.openxmlformats.org/drawingml/2006/diagram" xmlns:o="urn:schemas-microsoft-com:office:office" xmlns:v="urn:schemas-microsoft-com:vml" xmlns:pvml="urn:schemas-microsoft-com:office:powerpoint" xmlns:com="http://schemas.openxmlformats.org/drawingml/2006/compatibility" xmlns:p14="http://schemas.microsoft.com/office/powerpoint/2010/main" type="titleOnly">
-  <p:cSld name="Title Only">
+  <p:cSld name="Title only">
     <p:spTree>
       <p:nvGrpSpPr>
         <p:cNvPr id="24" name="Shape 24"/>
@@ -3050,7 +4216,7 @@
 
 <file path=ppt/slideLayouts/slideLayout6.xml><?xml version="1.0" encoding="utf-8"?>
 <p:sldLayout xmlns:a="http://schemas.openxmlformats.org/drawingml/2006/main" xmlns:r="http://schemas.openxmlformats.org/officeDocument/2006/relationships" xmlns:mc="http://schemas.openxmlformats.org/markup-compatibility/2006" xmlns:mv="urn:schemas-microsoft-com:mac:vml" xmlns:p="http://schemas.openxmlformats.org/presentationml/2006/main" xmlns:c="http://schemas.openxmlformats.org/drawingml/2006/chart" xmlns:dgm="http://schemas.openxmlformats.org/drawingml/2006/diagram" xmlns:o="urn:schemas-microsoft-com:office:office" xmlns:v="urn:schemas-microsoft-com:vml" xmlns:pvml="urn:schemas-microsoft-com:office:powerpoint" xmlns:com="http://schemas.openxmlformats.org/drawingml/2006/compatibility" xmlns:p14="http://schemas.microsoft.com/office/powerpoint/2010/main">
-  <p:cSld name="One Column Text">
+  <p:cSld name="One column text">
     <p:spTree>
       <p:nvGrpSpPr>
         <p:cNvPr id="27" name="Shape 27"/>
@@ -3285,7 +4451,7 @@
 
 <file path=ppt/slideLayouts/slideLayout7.xml><?xml version="1.0" encoding="utf-8"?>
 <p:sldLayout xmlns:a="http://schemas.openxmlformats.org/drawingml/2006/main" xmlns:r="http://schemas.openxmlformats.org/officeDocument/2006/relationships" xmlns:mc="http://schemas.openxmlformats.org/markup-compatibility/2006" xmlns:mv="urn:schemas-microsoft-com:mac:vml" xmlns:p="http://schemas.openxmlformats.org/presentationml/2006/main" xmlns:c="http://schemas.openxmlformats.org/drawingml/2006/chart" xmlns:dgm="http://schemas.openxmlformats.org/drawingml/2006/diagram" xmlns:o="urn:schemas-microsoft-com:office:office" xmlns:v="urn:schemas-microsoft-com:vml" xmlns:pvml="urn:schemas-microsoft-com:office:powerpoint" xmlns:com="http://schemas.openxmlformats.org/drawingml/2006/compatibility" xmlns:p14="http://schemas.microsoft.com/office/powerpoint/2010/main">
-  <p:cSld name="Main Point">
+  <p:cSld name="Main point">
     <p:spTree>
       <p:nvGrpSpPr>
         <p:cNvPr id="31" name="Shape 31"/>
@@ -3433,7 +4599,7 @@
 
 <file path=ppt/slideLayouts/slideLayout8.xml><?xml version="1.0" encoding="utf-8"?>
 <p:sldLayout xmlns:a="http://schemas.openxmlformats.org/drawingml/2006/main" xmlns:r="http://schemas.openxmlformats.org/officeDocument/2006/relationships" xmlns:mc="http://schemas.openxmlformats.org/markup-compatibility/2006" xmlns:mv="urn:schemas-microsoft-com:mac:vml" xmlns:p="http://schemas.openxmlformats.org/presentationml/2006/main" xmlns:c="http://schemas.openxmlformats.org/drawingml/2006/chart" xmlns:dgm="http://schemas.openxmlformats.org/drawingml/2006/diagram" xmlns:o="urn:schemas-microsoft-com:office:office" xmlns:v="urn:schemas-microsoft-com:vml" xmlns:pvml="urn:schemas-microsoft-com:office:powerpoint" xmlns:com="http://schemas.openxmlformats.org/drawingml/2006/compatibility" xmlns:p14="http://schemas.microsoft.com/office/powerpoint/2010/main">
-  <p:cSld name="Section Title and Description">
+  <p:cSld name="Section title and description">
     <p:spTree>
       <p:nvGrpSpPr>
         <p:cNvPr id="34" name="Shape 34"/>
@@ -3456,14 +4622,14 @@
         </p:nvSpPr>
         <p:spPr>
           <a:xfrm>
-            <a:off x="4572000" y="25"/>
+            <a:off x="4572000" y="-125"/>
             <a:ext cx="4572000" cy="5143499"/>
           </a:xfrm>
           <a:prstGeom prst="rect">
             <a:avLst/>
           </a:prstGeom>
           <a:solidFill>
-            <a:schemeClr val="dk2"/>
+            <a:schemeClr val="lt2"/>
           </a:solidFill>
           <a:ln>
             <a:noFill/>
@@ -3735,7 +4901,7 @@
         </p:nvSpPr>
         <p:spPr>
           <a:xfrm>
-            <a:off x="4939500" y="724200"/>
+            <a:off x="4939500" y="724075"/>
             <a:ext cx="3837000" cy="3695099"/>
           </a:xfrm>
           <a:prstGeom prst="rect">
@@ -3749,118 +4915,55 @@
               <a:spcBef>
                 <a:spcPts val="0"/>
               </a:spcBef>
-              <a:buClr>
-                <a:schemeClr val="dk1"/>
-              </a:buClr>
-              <a:defRPr>
-                <a:solidFill>
-                  <a:schemeClr val="dk1"/>
-                </a:solidFill>
-              </a:defRPr>
+              <a:defRPr/>
             </a:lvl1pPr>
             <a:lvl2pPr>
               <a:spcBef>
                 <a:spcPts val="0"/>
               </a:spcBef>
-              <a:buClr>
-                <a:schemeClr val="dk1"/>
-              </a:buClr>
-              <a:defRPr>
-                <a:solidFill>
-                  <a:schemeClr val="dk1"/>
-                </a:solidFill>
-              </a:defRPr>
+              <a:defRPr/>
             </a:lvl2pPr>
             <a:lvl3pPr>
               <a:spcBef>
                 <a:spcPts val="0"/>
               </a:spcBef>
-              <a:buClr>
-                <a:schemeClr val="dk1"/>
-              </a:buClr>
-              <a:defRPr>
-                <a:solidFill>
-                  <a:schemeClr val="dk1"/>
-                </a:solidFill>
-              </a:defRPr>
+              <a:defRPr/>
             </a:lvl3pPr>
             <a:lvl4pPr>
               <a:spcBef>
                 <a:spcPts val="0"/>
               </a:spcBef>
-              <a:buClr>
-                <a:schemeClr val="dk1"/>
-              </a:buClr>
-              <a:defRPr>
-                <a:solidFill>
-                  <a:schemeClr val="dk1"/>
-                </a:solidFill>
-              </a:defRPr>
+              <a:defRPr/>
             </a:lvl4pPr>
             <a:lvl5pPr>
               <a:spcBef>
                 <a:spcPts val="0"/>
               </a:spcBef>
-              <a:buClr>
-                <a:schemeClr val="dk1"/>
-              </a:buClr>
-              <a:defRPr>
-                <a:solidFill>
-                  <a:schemeClr val="dk1"/>
-                </a:solidFill>
-              </a:defRPr>
+              <a:defRPr/>
             </a:lvl5pPr>
             <a:lvl6pPr>
               <a:spcBef>
                 <a:spcPts val="0"/>
               </a:spcBef>
-              <a:buClr>
-                <a:schemeClr val="dk1"/>
-              </a:buClr>
-              <a:defRPr>
-                <a:solidFill>
-                  <a:schemeClr val="dk1"/>
-                </a:solidFill>
-              </a:defRPr>
+              <a:defRPr/>
             </a:lvl6pPr>
             <a:lvl7pPr>
               <a:spcBef>
                 <a:spcPts val="0"/>
               </a:spcBef>
-              <a:buClr>
-                <a:schemeClr val="dk1"/>
-              </a:buClr>
-              <a:defRPr>
-                <a:solidFill>
-                  <a:schemeClr val="dk1"/>
-                </a:solidFill>
-              </a:defRPr>
+              <a:defRPr/>
             </a:lvl7pPr>
             <a:lvl8pPr>
               <a:spcBef>
                 <a:spcPts val="0"/>
               </a:spcBef>
-              <a:buClr>
-                <a:schemeClr val="dk1"/>
-              </a:buClr>
-              <a:defRPr>
-                <a:solidFill>
-                  <a:schemeClr val="dk1"/>
-                </a:solidFill>
-              </a:defRPr>
+              <a:defRPr/>
             </a:lvl8pPr>
             <a:lvl9pPr>
               <a:spcBef>
                 <a:spcPts val="0"/>
               </a:spcBef>
-              <a:buClr>
-                <a:schemeClr val="dk1"/>
-              </a:buClr>
-              <a:defRPr>
-                <a:solidFill>
-                  <a:schemeClr val="dk1"/>
-                </a:solidFill>
-              </a:defRPr>
+              <a:defRPr/>
             </a:lvl9pPr>
           </a:lstStyle>
           <a:p/>
@@ -4230,12 +5333,12 @@
                 <a:spcPts val="1600"/>
               </a:spcAft>
               <a:buClr>
-                <a:schemeClr val="lt2"/>
+                <a:schemeClr val="dk2"/>
               </a:buClr>
               <a:buSzPct val="100000"/>
               <a:defRPr sz="1800">
                 <a:solidFill>
-                  <a:schemeClr val="lt2"/>
+                  <a:schemeClr val="dk2"/>
                 </a:solidFill>
               </a:defRPr>
             </a:lvl1pPr>
@@ -4250,11 +5353,11 @@
                 <a:spcPts val="1600"/>
               </a:spcAft>
               <a:buClr>
-                <a:schemeClr val="lt2"/>
+                <a:schemeClr val="dk2"/>
               </a:buClr>
               <a:defRPr>
                 <a:solidFill>
-                  <a:schemeClr val="lt2"/>
+                  <a:schemeClr val="dk2"/>
                 </a:solidFill>
               </a:defRPr>
             </a:lvl2pPr>
@@ -4269,11 +5372,11 @@
                 <a:spcPts val="1600"/>
               </a:spcAft>
               <a:buClr>
-                <a:schemeClr val="lt2"/>
+                <a:schemeClr val="dk2"/>
               </a:buClr>
               <a:defRPr>
                 <a:solidFill>
-                  <a:schemeClr val="lt2"/>
+                  <a:schemeClr val="dk2"/>
                 </a:solidFill>
               </a:defRPr>
             </a:lvl3pPr>
@@ -4288,11 +5391,11 @@
                 <a:spcPts val="1600"/>
               </a:spcAft>
               <a:buClr>
-                <a:schemeClr val="lt2"/>
+                <a:schemeClr val="dk2"/>
               </a:buClr>
               <a:defRPr>
                 <a:solidFill>
-                  <a:schemeClr val="lt2"/>
+                  <a:schemeClr val="dk2"/>
                 </a:solidFill>
               </a:defRPr>
             </a:lvl4pPr>
@@ -4307,11 +5410,11 @@
                 <a:spcPts val="1600"/>
               </a:spcAft>
               <a:buClr>
-                <a:schemeClr val="lt2"/>
+                <a:schemeClr val="dk2"/>
               </a:buClr>
               <a:defRPr>
                 <a:solidFill>
-                  <a:schemeClr val="lt2"/>
+                  <a:schemeClr val="dk2"/>
                 </a:solidFill>
               </a:defRPr>
             </a:lvl5pPr>
@@ -4326,11 +5429,11 @@
                 <a:spcPts val="1600"/>
               </a:spcAft>
               <a:buClr>
-                <a:schemeClr val="lt2"/>
+                <a:schemeClr val="dk2"/>
               </a:buClr>
               <a:defRPr>
                 <a:solidFill>
-                  <a:schemeClr val="lt2"/>
+                  <a:schemeClr val="dk2"/>
                 </a:solidFill>
               </a:defRPr>
             </a:lvl6pPr>
@@ -4345,11 +5448,11 @@
                 <a:spcPts val="1600"/>
               </a:spcAft>
               <a:buClr>
-                <a:schemeClr val="lt2"/>
+                <a:schemeClr val="dk2"/>
               </a:buClr>
               <a:defRPr>
                 <a:solidFill>
-                  <a:schemeClr val="lt2"/>
+                  <a:schemeClr val="dk2"/>
                 </a:solidFill>
               </a:defRPr>
             </a:lvl7pPr>
@@ -4364,11 +5467,11 @@
                 <a:spcPts val="1600"/>
               </a:spcAft>
               <a:buClr>
-                <a:schemeClr val="lt2"/>
+                <a:schemeClr val="dk2"/>
               </a:buClr>
               <a:defRPr>
                 <a:solidFill>
-                  <a:schemeClr val="lt2"/>
+                  <a:schemeClr val="dk2"/>
                 </a:solidFill>
               </a:defRPr>
             </a:lvl8pPr>
@@ -4383,11 +5486,11 @@
                 <a:spcPts val="1600"/>
               </a:spcAft>
               <a:buClr>
-                <a:schemeClr val="lt2"/>
+                <a:schemeClr val="dk2"/>
               </a:buClr>
               <a:defRPr>
                 <a:solidFill>
-                  <a:schemeClr val="lt2"/>
+                  <a:schemeClr val="dk2"/>
                 </a:solidFill>
               </a:defRPr>
             </a:lvl9pPr>
@@ -4431,7 +5534,7 @@
             <a:fld id="{00000000-1234-1234-1234-123412341234}" type="slidenum">
               <a:rPr lang="pl" sz="1000">
                 <a:solidFill>
-                  <a:schemeClr val="lt2"/>
+                  <a:schemeClr val="dk2"/>
                 </a:solidFill>
               </a:rPr>
               <a:t>‹#›</a:t>
@@ -5037,7 +6140,15 @@
               <a:buNone/>
             </a:pPr>
             <a:fld id="{00000000-1234-1234-1234-123412341234}" type="slidenum">
-              <a:rPr lang="pl"/>
+              <a:rPr lang="pl">
+                <a:solidFill>
+                  <a:schemeClr val="dk2"/>
+                </a:solidFill>
+                <a:latin typeface="Arial"/>
+                <a:ea typeface="Arial"/>
+                <a:cs typeface="Arial"/>
+                <a:sym typeface="Arial"/>
+              </a:rPr>
               <a:t>‹#›</a:t>
             </a:fld>
           </a:p>
@@ -5059,7 +6170,7 @@
   <p:cSld>
     <p:spTree>
       <p:nvGrpSpPr>
-        <p:cNvPr id="118" name="Shape 118"/>
+        <p:cNvPr id="121" name="Shape 121"/>
         <p:cNvGrpSpPr/>
         <p:nvPr/>
       </p:nvGrpSpPr>
@@ -5073,16 +6184,16 @@
       </p:grpSpPr>
       <p:sp>
         <p:nvSpPr>
-          <p:cNvPr id="119" name="Shape 119"/>
+          <p:cNvPr id="122" name="Shape 122"/>
           <p:cNvSpPr txBox="1"/>
           <p:nvPr>
-            <p:ph type="title"/>
-          </p:nvPr>
-        </p:nvSpPr>
-        <p:spPr>
-          <a:xfrm>
-            <a:off x="311700" y="445025"/>
-            <a:ext cx="8520599" cy="572699"/>
+            <p:ph idx="1" type="body"/>
+          </p:nvPr>
+        </p:nvSpPr>
+        <p:spPr>
+          <a:xfrm>
+            <a:off x="311700" y="1152475"/>
+            <a:ext cx="6493200" cy="3416400"/>
           </a:xfrm>
           <a:prstGeom prst="rect">
             <a:avLst/>
@@ -5094,7 +6205,7 @@
           </a:bodyPr>
           <a:lstStyle/>
           <a:p>
-            <a:pPr lvl="0" rtl="0">
+            <a:pPr rtl="0">
               <a:spcBef>
                 <a:spcPts val="0"/>
               </a:spcBef>
@@ -5102,23 +6213,35 @@
             </a:pPr>
             <a:r>
               <a:rPr lang="pl"/>
-              <a:t>Nowe API Java 8</a:t>
+              <a:t>Z punktu widzenia programistów monada jest to wzorzec projektowy.</a:t>
+            </a:r>
+          </a:p>
+          <a:p>
+            <a:pPr>
+              <a:spcBef>
+                <a:spcPts val="0"/>
+              </a:spcBef>
+              <a:buNone/>
+            </a:pPr>
+            <a:r>
+              <a:rPr lang="pl"/>
+              <a:t>Wzorzec ten pozwala opakować pewną wartość w pewien kontekst obliczeniowy. Po opakowaniu wartości monadą możemy wykonywać na niej różne operacje. Efektem końcowym będzie zmieniona wartość.</a:t>
             </a:r>
           </a:p>
         </p:txBody>
       </p:sp>
       <p:sp>
         <p:nvSpPr>
-          <p:cNvPr id="120" name="Shape 120"/>
+          <p:cNvPr id="123" name="Shape 123"/>
           <p:cNvSpPr txBox="1"/>
           <p:nvPr>
-            <p:ph idx="1" type="body"/>
-          </p:nvPr>
-        </p:nvSpPr>
-        <p:spPr>
-          <a:xfrm>
-            <a:off x="311700" y="1152475"/>
-            <a:ext cx="8520599" cy="3416400"/>
+            <p:ph type="title"/>
+          </p:nvPr>
+        </p:nvSpPr>
+        <p:spPr>
+          <a:xfrm>
+            <a:off x="311700" y="445025"/>
+            <a:ext cx="8520599" cy="572699"/>
           </a:xfrm>
           <a:prstGeom prst="rect">
             <a:avLst/>
@@ -5130,306 +6253,47 @@
           </a:bodyPr>
           <a:lstStyle/>
           <a:p>
-            <a:pPr indent="-228600" lvl="0" marL="457200" marR="0" rtl="0" algn="l">
-              <a:lnSpc>
-                <a:spcPct val="100000"/>
-              </a:lnSpc>
-              <a:spcBef>
-                <a:spcPts val="0"/>
-              </a:spcBef>
-              <a:spcAft>
-                <a:spcPts val="500"/>
-              </a:spcAft>
-              <a:buClr>
-                <a:schemeClr val="lt2"/>
-              </a:buClr>
-              <a:buSzPct val="100000"/>
-              <a:buFont typeface="Arial"/>
+            <a:pPr>
+              <a:spcBef>
+                <a:spcPts val="0"/>
+              </a:spcBef>
+              <a:buNone/>
             </a:pPr>
             <a:r>
               <a:rPr lang="pl"/>
-              <a:t>Map</a:t>
-            </a:r>
-          </a:p>
-          <a:p>
-            <a:pPr indent="-228600" lvl="1" marL="914400" rtl="0">
-              <a:lnSpc>
-                <a:spcPct val="100000"/>
-              </a:lnSpc>
-              <a:spcBef>
-                <a:spcPts val="0"/>
-              </a:spcBef>
-              <a:spcAft>
-                <a:spcPts val="500"/>
-              </a:spcAft>
-            </a:pPr>
-            <a:r>
-              <a:rPr lang="pl"/>
-              <a:t>forEach(BiConsumer)</a:t>
-            </a:r>
-          </a:p>
-          <a:p>
-            <a:pPr indent="-228600" lvl="1" marL="914400" rtl="0">
-              <a:lnSpc>
-                <a:spcPct val="100000"/>
-              </a:lnSpc>
-              <a:spcBef>
-                <a:spcPts val="0"/>
-              </a:spcBef>
-              <a:spcAft>
-                <a:spcPts val="500"/>
-              </a:spcAft>
-            </a:pPr>
-            <a:r>
-              <a:rPr lang="pl"/>
-              <a:t>getOrDefault(Object, V)</a:t>
-            </a:r>
-          </a:p>
-          <a:p>
-            <a:pPr indent="-228600" lvl="1" marL="914400" rtl="0">
-              <a:lnSpc>
-                <a:spcPct val="100000"/>
-              </a:lnSpc>
-              <a:spcBef>
-                <a:spcPts val="0"/>
-              </a:spcBef>
-              <a:spcAft>
-                <a:spcPts val="500"/>
-              </a:spcAft>
-            </a:pPr>
-            <a:r>
-              <a:rPr lang="pl"/>
-              <a:t>putIfAbsent(K, V)</a:t>
-            </a:r>
-          </a:p>
-          <a:p>
-            <a:pPr indent="-228600" lvl="1" marL="914400" rtl="0">
-              <a:lnSpc>
-                <a:spcPct val="100000"/>
-              </a:lnSpc>
-              <a:spcBef>
-                <a:spcPts val="0"/>
-              </a:spcBef>
-              <a:spcAft>
-                <a:spcPts val="500"/>
-              </a:spcAft>
-            </a:pPr>
-            <a:r>
-              <a:rPr lang="pl"/>
-              <a:t>remove(Object, Object)</a:t>
-            </a:r>
-          </a:p>
-          <a:p>
-            <a:pPr indent="-228600" lvl="1" marL="914400" rtl="0">
-              <a:lnSpc>
-                <a:spcPct val="100000"/>
-              </a:lnSpc>
-              <a:spcBef>
-                <a:spcPts val="0"/>
-              </a:spcBef>
-              <a:spcAft>
-                <a:spcPts val="500"/>
-              </a:spcAft>
-            </a:pPr>
-            <a:r>
-              <a:rPr lang="pl"/>
-              <a:t>replace(K, V)</a:t>
-            </a:r>
-          </a:p>
-          <a:p>
-            <a:pPr indent="-228600" lvl="1" marL="914400" rtl="0">
-              <a:lnSpc>
-                <a:spcPct val="100000"/>
-              </a:lnSpc>
-              <a:spcBef>
-                <a:spcPts val="0"/>
-              </a:spcBef>
-              <a:spcAft>
-                <a:spcPts val="500"/>
-              </a:spcAft>
-            </a:pPr>
-            <a:r>
-              <a:rPr lang="pl"/>
-              <a:t>replace(K, V, V)</a:t>
-            </a:r>
-          </a:p>
-          <a:p>
-            <a:pPr indent="-228600" lvl="1" marL="914400" rtl="0">
-              <a:lnSpc>
-                <a:spcPct val="100000"/>
-              </a:lnSpc>
-              <a:spcBef>
-                <a:spcPts val="0"/>
-              </a:spcBef>
-              <a:spcAft>
-                <a:spcPts val="500"/>
-              </a:spcAft>
-            </a:pPr>
-            <a:r>
-              <a:rPr lang="pl"/>
-              <a:t>replaceAll(BiFunction)</a:t>
-            </a:r>
-          </a:p>
-          <a:p>
-            <a:pPr indent="-228600" lvl="1" marL="914400" rtl="0">
-              <a:lnSpc>
-                <a:spcPct val="100000"/>
-              </a:lnSpc>
-              <a:spcBef>
-                <a:spcPts val="0"/>
-              </a:spcBef>
-              <a:spcAft>
-                <a:spcPts val="500"/>
-              </a:spcAft>
-            </a:pPr>
-            <a:r>
-              <a:rPr lang="pl"/>
-              <a:t>compute(K, BiFunction)</a:t>
-            </a:r>
-          </a:p>
-          <a:p>
-            <a:pPr indent="-228600" lvl="1" marL="914400" rtl="0">
-              <a:lnSpc>
-                <a:spcPct val="100000"/>
-              </a:lnSpc>
-              <a:spcBef>
-                <a:spcPts val="0"/>
-              </a:spcBef>
-              <a:spcAft>
-                <a:spcPts val="500"/>
-              </a:spcAft>
-            </a:pPr>
-            <a:r>
-              <a:rPr lang="pl"/>
-              <a:t>computeIfAbsent(K, Function)</a:t>
-            </a:r>
-          </a:p>
-          <a:p>
-            <a:pPr indent="-228600" lvl="1" marL="914400" rtl="0">
-              <a:lnSpc>
-                <a:spcPct val="100000"/>
-              </a:lnSpc>
-              <a:spcBef>
-                <a:spcPts val="0"/>
-              </a:spcBef>
-              <a:spcAft>
-                <a:spcPts val="500"/>
-              </a:spcAft>
-            </a:pPr>
-            <a:r>
-              <a:rPr lang="pl"/>
-              <a:t>computeIfPresent(K, BiFunction)</a:t>
-            </a:r>
-          </a:p>
-          <a:p>
-            <a:pPr indent="-228600" lvl="1" marL="914400" rtl="0">
-              <a:lnSpc>
-                <a:spcPct val="100000"/>
-              </a:lnSpc>
-              <a:spcBef>
-                <a:spcPts val="0"/>
-              </a:spcBef>
-              <a:spcAft>
-                <a:spcPts val="500"/>
-              </a:spcAft>
-            </a:pPr>
-            <a:r>
-              <a:rPr lang="pl"/>
-              <a:t>merge(K, V, BiFunction)</a:t>
-            </a:r>
-          </a:p>
-          <a:p>
-            <a:pPr lvl="0" rtl="0">
-              <a:lnSpc>
-                <a:spcPct val="100000"/>
-              </a:lnSpc>
-              <a:spcBef>
-                <a:spcPts val="0"/>
-              </a:spcBef>
-              <a:spcAft>
-                <a:spcPts val="500"/>
-              </a:spcAft>
-              <a:buNone/>
-            </a:pPr>
-            <a:r>
-              <a:t/>
-            </a:r>
-            <a:endParaRPr/>
-          </a:p>
-          <a:p>
-            <a:pPr lvl="0" rtl="0">
-              <a:lnSpc>
-                <a:spcPct val="100000"/>
-              </a:lnSpc>
-              <a:spcBef>
-                <a:spcPts val="0"/>
-              </a:spcBef>
-              <a:spcAft>
-                <a:spcPts val="500"/>
-              </a:spcAft>
-              <a:buNone/>
-            </a:pPr>
-            <a:r>
-              <a:t/>
-            </a:r>
-            <a:endParaRPr/>
-          </a:p>
-          <a:p>
-            <a:pPr lvl="0" rtl="0">
-              <a:lnSpc>
-                <a:spcPct val="100000"/>
-              </a:lnSpc>
-              <a:spcBef>
-                <a:spcPts val="0"/>
-              </a:spcBef>
-              <a:spcAft>
-                <a:spcPts val="500"/>
-              </a:spcAft>
-              <a:buNone/>
-            </a:pPr>
-            <a:r>
-              <a:t/>
-            </a:r>
-            <a:endParaRPr/>
-          </a:p>
-          <a:p>
-            <a:pPr lvl="0" rtl="0">
-              <a:lnSpc>
-                <a:spcPct val="100000"/>
-              </a:lnSpc>
-              <a:spcBef>
-                <a:spcPts val="0"/>
-              </a:spcBef>
-              <a:spcAft>
-                <a:spcPts val="500"/>
-              </a:spcAft>
-              <a:buNone/>
-            </a:pPr>
-            <a:r>
-              <a:t/>
-            </a:r>
-            <a:endParaRPr/>
-          </a:p>
-          <a:p>
-            <a:pPr lvl="0" rtl="0">
-              <a:lnSpc>
-                <a:spcPct val="100000"/>
-              </a:lnSpc>
-              <a:spcBef>
-                <a:spcPts val="0"/>
-              </a:spcBef>
-              <a:spcAft>
-                <a:spcPts val="500"/>
-              </a:spcAft>
-              <a:buNone/>
-            </a:pPr>
-            <a:r>
-              <a:t/>
-            </a:r>
-            <a:endParaRPr/>
+              <a:t>Monady z punktu widzenia programisty</a:t>
+            </a:r>
           </a:p>
         </p:txBody>
       </p:sp>
+      <p:pic>
+        <p:nvPicPr>
+          <p:cNvPr id="124" name="Shape 124"/>
+          <p:cNvPicPr preferRelativeResize="0"/>
+          <p:nvPr/>
+        </p:nvPicPr>
+        <p:blipFill>
+          <a:blip r:embed="rId3">
+            <a:alphaModFix/>
+          </a:blip>
+          <a:stretch>
+            <a:fillRect/>
+          </a:stretch>
+        </p:blipFill>
+        <p:spPr>
+          <a:xfrm>
+            <a:off x="6804796" y="1152471"/>
+            <a:ext cx="2027499" cy="2167800"/>
+          </a:xfrm>
+          <a:prstGeom prst="rect">
+            <a:avLst/>
+          </a:prstGeom>
+          <a:noFill/>
+          <a:ln>
+            <a:noFill/>
+          </a:ln>
+        </p:spPr>
+      </p:pic>
     </p:spTree>
   </p:cSld>
   <p:clrMapOvr>
@@ -5446,7 +6310,7 @@
   <p:cSld>
     <p:spTree>
       <p:nvGrpSpPr>
-        <p:cNvPr id="124" name="Shape 124"/>
+        <p:cNvPr id="128" name="Shape 128"/>
         <p:cNvGrpSpPr/>
         <p:nvPr/>
       </p:nvGrpSpPr>
@@ -5460,16 +6324,16 @@
       </p:grpSpPr>
       <p:sp>
         <p:nvSpPr>
-          <p:cNvPr id="125" name="Shape 125"/>
+          <p:cNvPr id="129" name="Shape 129"/>
           <p:cNvSpPr txBox="1"/>
           <p:nvPr>
-            <p:ph idx="1" type="body"/>
-          </p:nvPr>
-        </p:nvSpPr>
-        <p:spPr>
-          <a:xfrm>
-            <a:off x="311700" y="1152475"/>
-            <a:ext cx="8520599" cy="3416400"/>
+            <p:ph type="title"/>
+          </p:nvPr>
+        </p:nvSpPr>
+        <p:spPr>
+          <a:xfrm>
+            <a:off x="311700" y="445025"/>
+            <a:ext cx="8520599" cy="572699"/>
           </a:xfrm>
           <a:prstGeom prst="rect">
             <a:avLst/>
@@ -5481,6 +6345,42 @@
           </a:bodyPr>
           <a:lstStyle/>
           <a:p>
+            <a:pPr>
+              <a:spcBef>
+                <a:spcPts val="0"/>
+              </a:spcBef>
+              <a:buNone/>
+            </a:pPr>
+            <a:r>
+              <a:rPr lang="pl"/>
+              <a:t>Budowanie monady</a:t>
+            </a:r>
+          </a:p>
+        </p:txBody>
+      </p:sp>
+      <p:sp>
+        <p:nvSpPr>
+          <p:cNvPr id="130" name="Shape 130"/>
+          <p:cNvSpPr txBox="1"/>
+          <p:nvPr>
+            <p:ph idx="1" type="body"/>
+          </p:nvPr>
+        </p:nvSpPr>
+        <p:spPr>
+          <a:xfrm>
+            <a:off x="311700" y="1152475"/>
+            <a:ext cx="8520599" cy="3416400"/>
+          </a:xfrm>
+          <a:prstGeom prst="rect">
+            <a:avLst/>
+          </a:prstGeom>
+        </p:spPr>
+        <p:txBody>
+          <a:bodyPr anchorCtr="0" anchor="t" bIns="91425" lIns="91425" rIns="91425" tIns="91425">
+            <a:noAutofit/>
+          </a:bodyPr>
+          <a:lstStyle/>
+          <a:p>
             <a:pPr rtl="0">
               <a:spcBef>
                 <a:spcPts val="0"/>
@@ -5489,19 +6389,51 @@
             </a:pPr>
             <a:r>
               <a:rPr lang="pl"/>
-              <a:t>Przykłady</a:t>
-            </a:r>
-          </a:p>
-          <a:p>
-            <a:pPr>
-              <a:spcBef>
-                <a:spcPts val="0"/>
-              </a:spcBef>
-              <a:buNone/>
+              <a:t>Aby konstrukcje nazwać monadą potrzebne nam jest:</a:t>
+            </a:r>
+          </a:p>
+          <a:p>
+            <a:pPr indent="-228600" lvl="0" marL="457200" rtl="0">
+              <a:spcBef>
+                <a:spcPts val="0"/>
+              </a:spcBef>
             </a:pPr>
             <a:r>
               <a:rPr lang="pl"/>
-              <a:t>https://github.com/jkornacki/java8Lambda</a:t>
+              <a:t>Typ parametryzowany</a:t>
+            </a:r>
+          </a:p>
+          <a:p>
+            <a:pPr indent="-228600" lvl="0" marL="457200" rtl="0">
+              <a:spcBef>
+                <a:spcPts val="0"/>
+              </a:spcBef>
+            </a:pPr>
+            <a:r>
+              <a:rPr lang="pl"/>
+              <a:t>Funkcje, która spakuje typ parametryzowany w funkcje monady. </a:t>
+            </a:r>
+          </a:p>
+          <a:p>
+            <a:pPr indent="-228600" lvl="0" marL="457200" rtl="0">
+              <a:spcBef>
+                <a:spcPts val="0"/>
+              </a:spcBef>
+            </a:pPr>
+            <a:r>
+              <a:rPr lang="pl"/>
+              <a:t>Funkcje pośrednie, który wykonują operacje i zwracają funkcje monady.</a:t>
+            </a:r>
+          </a:p>
+          <a:p>
+            <a:pPr indent="-228600" lvl="0" marL="457200" rtl="0">
+              <a:spcBef>
+                <a:spcPts val="0"/>
+              </a:spcBef>
+            </a:pPr>
+            <a:r>
+              <a:rPr lang="pl"/>
+              <a:t>Funkcje, która rozłoży nam monadę i przekaże wynik operacji</a:t>
             </a:r>
           </a:p>
         </p:txBody>
@@ -5522,7 +6454,7 @@
   <p:cSld>
     <p:spTree>
       <p:nvGrpSpPr>
-        <p:cNvPr id="129" name="Shape 129"/>
+        <p:cNvPr id="134" name="Shape 134"/>
         <p:cNvGrpSpPr/>
         <p:nvPr/>
       </p:nvGrpSpPr>
@@ -5536,7 +6468,7 @@
       </p:grpSpPr>
       <p:sp>
         <p:nvSpPr>
-          <p:cNvPr id="130" name="Shape 130"/>
+          <p:cNvPr id="135" name="Shape 135"/>
           <p:cNvSpPr txBox="1"/>
           <p:nvPr>
             <p:ph type="title"/>
@@ -5565,14 +6497,14 @@
             </a:pPr>
             <a:r>
               <a:rPr lang="pl"/>
-              <a:t>Przydatne linki</a:t>
+              <a:t>Po co używać monad??</a:t>
             </a:r>
           </a:p>
         </p:txBody>
       </p:sp>
       <p:sp>
         <p:nvSpPr>
-          <p:cNvPr id="131" name="Shape 131"/>
+          <p:cNvPr id="136" name="Shape 136"/>
           <p:cNvSpPr txBox="1"/>
           <p:nvPr>
             <p:ph idx="1" type="body"/>
@@ -5580,8 +6512,8 @@
         </p:nvSpPr>
         <p:spPr>
           <a:xfrm>
-            <a:off x="311700" y="1152475"/>
-            <a:ext cx="8520599" cy="3416400"/>
+            <a:off x="3248850" y="1152475"/>
+            <a:ext cx="5583299" cy="3416400"/>
           </a:xfrm>
           <a:prstGeom prst="rect">
             <a:avLst/>
@@ -5593,6 +6525,354 @@
           </a:bodyPr>
           <a:lstStyle/>
           <a:p>
+            <a:pPr indent="-228600" lvl="0" marL="457200" rtl="0">
+              <a:spcBef>
+                <a:spcPts val="0"/>
+              </a:spcBef>
+            </a:pPr>
+            <a:r>
+              <a:rPr lang="pl"/>
+              <a:t>Zwiększa czytelność kodu</a:t>
+            </a:r>
+          </a:p>
+          <a:p>
+            <a:pPr indent="-228600" lvl="0" marL="457200" rtl="0">
+              <a:spcBef>
+                <a:spcPts val="0"/>
+              </a:spcBef>
+            </a:pPr>
+            <a:r>
+              <a:rPr lang="pl"/>
+              <a:t>Zmniejsza jego złożoność</a:t>
+            </a:r>
+          </a:p>
+          <a:p>
+            <a:pPr indent="-228600" lvl="0" marL="457200" rtl="0">
+              <a:spcBef>
+                <a:spcPts val="0"/>
+              </a:spcBef>
+            </a:pPr>
+            <a:r>
+              <a:rPr lang="pl"/>
+              <a:t>Pozwala unikać wykonywania wielokrotnie</a:t>
+            </a:r>
+          </a:p>
+          <a:p>
+            <a:pPr indent="-228600" lvl="0" marL="457200">
+              <a:spcBef>
+                <a:spcPts val="0"/>
+              </a:spcBef>
+            </a:pPr>
+            <a:r>
+              <a:rPr lang="pl"/>
+              <a:t>Pozwala programować funkcyjnie</a:t>
+            </a:r>
+          </a:p>
+        </p:txBody>
+      </p:sp>
+      <p:pic>
+        <p:nvPicPr>
+          <p:cNvPr id="137" name="Shape 137"/>
+          <p:cNvPicPr preferRelativeResize="0"/>
+          <p:nvPr/>
+        </p:nvPicPr>
+        <p:blipFill>
+          <a:blip r:embed="rId3">
+            <a:alphaModFix/>
+          </a:blip>
+          <a:stretch>
+            <a:fillRect/>
+          </a:stretch>
+        </p:blipFill>
+        <p:spPr>
+          <a:xfrm>
+            <a:off x="311700" y="1277525"/>
+            <a:ext cx="2884449" cy="2884449"/>
+          </a:xfrm>
+          <a:prstGeom prst="rect">
+            <a:avLst/>
+          </a:prstGeom>
+          <a:noFill/>
+          <a:ln>
+            <a:noFill/>
+          </a:ln>
+        </p:spPr>
+      </p:pic>
+    </p:spTree>
+  </p:cSld>
+  <p:clrMapOvr>
+    <a:masterClrMapping/>
+  </p:clrMapOvr>
+  <p:transition spd="slow">
+    <p:cut/>
+  </p:transition>
+</p:sld>
+</file>
+
+<file path=ppt/slides/slide13.xml><?xml version="1.0" encoding="utf-8"?>
+<p:sld xmlns:a="http://schemas.openxmlformats.org/drawingml/2006/main" xmlns:r="http://schemas.openxmlformats.org/officeDocument/2006/relationships" xmlns:mc="http://schemas.openxmlformats.org/markup-compatibility/2006" xmlns:mv="urn:schemas-microsoft-com:mac:vml" xmlns:p="http://schemas.openxmlformats.org/presentationml/2006/main" xmlns:c="http://schemas.openxmlformats.org/drawingml/2006/chart" xmlns:dgm="http://schemas.openxmlformats.org/drawingml/2006/diagram" xmlns:o="urn:schemas-microsoft-com:office:office" xmlns:v="urn:schemas-microsoft-com:vml" xmlns:pvml="urn:schemas-microsoft-com:office:powerpoint" xmlns:com="http://schemas.openxmlformats.org/drawingml/2006/compatibility" xmlns:p14="http://schemas.microsoft.com/office/powerpoint/2010/main">
+  <p:cSld>
+    <p:spTree>
+      <p:nvGrpSpPr>
+        <p:cNvPr id="141" name="Shape 141"/>
+        <p:cNvGrpSpPr/>
+        <p:nvPr/>
+      </p:nvGrpSpPr>
+      <p:grpSpPr>
+        <a:xfrm>
+          <a:off x="0" y="0"/>
+          <a:ext cx="0" cy="0"/>
+          <a:chOff x="0" y="0"/>
+          <a:chExt cx="0" cy="0"/>
+        </a:xfrm>
+      </p:grpSpPr>
+      <p:sp>
+        <p:nvSpPr>
+          <p:cNvPr id="142" name="Shape 142"/>
+          <p:cNvSpPr txBox="1"/>
+          <p:nvPr>
+            <p:ph type="title"/>
+          </p:nvPr>
+        </p:nvSpPr>
+        <p:spPr>
+          <a:xfrm>
+            <a:off x="311700" y="177975"/>
+            <a:ext cx="8520599" cy="572699"/>
+          </a:xfrm>
+          <a:prstGeom prst="rect">
+            <a:avLst/>
+          </a:prstGeom>
+        </p:spPr>
+        <p:txBody>
+          <a:bodyPr anchorCtr="0" anchor="t" bIns="91425" lIns="91425" rIns="91425" tIns="91425">
+            <a:noAutofit/>
+          </a:bodyPr>
+          <a:lstStyle/>
+          <a:p>
+            <a:pPr algn="ctr">
+              <a:spcBef>
+                <a:spcPts val="0"/>
+              </a:spcBef>
+              <a:buNone/>
+            </a:pPr>
+            <a:r>
+              <a:rPr lang="pl"/>
+              <a:t>Monady w Javie 8</a:t>
+            </a:r>
+          </a:p>
+        </p:txBody>
+      </p:sp>
+      <p:sp>
+        <p:nvSpPr>
+          <p:cNvPr id="143" name="Shape 143"/>
+          <p:cNvSpPr txBox="1"/>
+          <p:nvPr>
+            <p:ph idx="1" type="body"/>
+          </p:nvPr>
+        </p:nvSpPr>
+        <p:spPr>
+          <a:xfrm>
+            <a:off x="311700" y="891800"/>
+            <a:ext cx="8520599" cy="3416400"/>
+          </a:xfrm>
+          <a:prstGeom prst="rect">
+            <a:avLst/>
+          </a:prstGeom>
+        </p:spPr>
+        <p:txBody>
+          <a:bodyPr anchorCtr="0" anchor="t" bIns="91425" lIns="91425" rIns="91425" tIns="91425">
+            <a:noAutofit/>
+          </a:bodyPr>
+          <a:lstStyle/>
+          <a:p>
+            <a:pPr rtl="0" algn="ctr">
+              <a:spcBef>
+                <a:spcPts val="0"/>
+              </a:spcBef>
+              <a:buNone/>
+            </a:pPr>
+            <a:r>
+              <a:rPr lang="pl" sz="2400"/>
+              <a:t>Optional</a:t>
+            </a:r>
+          </a:p>
+          <a:p>
+            <a:pPr rtl="0" algn="ctr">
+              <a:spcBef>
+                <a:spcPts val="0"/>
+              </a:spcBef>
+              <a:buNone/>
+            </a:pPr>
+            <a:r>
+              <a:t/>
+            </a:r>
+            <a:endParaRPr sz="2400"/>
+          </a:p>
+          <a:p>
+            <a:pPr rtl="0" algn="ctr">
+              <a:spcBef>
+                <a:spcPts val="0"/>
+              </a:spcBef>
+              <a:buNone/>
+            </a:pPr>
+            <a:r>
+              <a:t/>
+            </a:r>
+            <a:endParaRPr sz="2400"/>
+          </a:p>
+          <a:p>
+            <a:pPr rtl="0" algn="l">
+              <a:spcBef>
+                <a:spcPts val="0"/>
+              </a:spcBef>
+              <a:buNone/>
+            </a:pPr>
+            <a:r>
+              <a:t/>
+            </a:r>
+            <a:endParaRPr/>
+          </a:p>
+          <a:p>
+            <a:pPr rtl="0" algn="ctr">
+              <a:spcBef>
+                <a:spcPts val="0"/>
+              </a:spcBef>
+              <a:buNone/>
+            </a:pPr>
+            <a:r>
+              <a:rPr lang="pl" sz="2400"/>
+              <a:t>Stream</a:t>
+            </a:r>
+          </a:p>
+          <a:p>
+            <a:pPr rtl="0" algn="ctr">
+              <a:spcBef>
+                <a:spcPts val="0"/>
+              </a:spcBef>
+              <a:buNone/>
+            </a:pPr>
+            <a:r>
+              <a:rPr lang="pl" sz="2400"/>
+              <a:t>CompletableFuture</a:t>
+            </a:r>
+          </a:p>
+        </p:txBody>
+      </p:sp>
+      <p:pic>
+        <p:nvPicPr>
+          <p:cNvPr id="144" name="Shape 144"/>
+          <p:cNvPicPr preferRelativeResize="0"/>
+          <p:nvPr/>
+        </p:nvPicPr>
+        <p:blipFill>
+          <a:blip r:embed="rId3">
+            <a:alphaModFix/>
+          </a:blip>
+          <a:stretch>
+            <a:fillRect/>
+          </a:stretch>
+        </p:blipFill>
+        <p:spPr>
+          <a:xfrm>
+            <a:off x="3281925" y="1368185"/>
+            <a:ext cx="2580150" cy="1967775"/>
+          </a:xfrm>
+          <a:prstGeom prst="rect">
+            <a:avLst/>
+          </a:prstGeom>
+          <a:noFill/>
+          <a:ln>
+            <a:noFill/>
+          </a:ln>
+        </p:spPr>
+      </p:pic>
+    </p:spTree>
+  </p:cSld>
+  <p:clrMapOvr>
+    <a:masterClrMapping/>
+  </p:clrMapOvr>
+  <p:transition spd="slow">
+    <p:cut/>
+  </p:transition>
+</p:sld>
+</file>
+
+<file path=ppt/slides/slide14.xml><?xml version="1.0" encoding="utf-8"?>
+<p:sld xmlns:a="http://schemas.openxmlformats.org/drawingml/2006/main" xmlns:r="http://schemas.openxmlformats.org/officeDocument/2006/relationships" xmlns:mc="http://schemas.openxmlformats.org/markup-compatibility/2006" xmlns:mv="urn:schemas-microsoft-com:mac:vml" xmlns:p="http://schemas.openxmlformats.org/presentationml/2006/main" xmlns:c="http://schemas.openxmlformats.org/drawingml/2006/chart" xmlns:dgm="http://schemas.openxmlformats.org/drawingml/2006/diagram" xmlns:o="urn:schemas-microsoft-com:office:office" xmlns:v="urn:schemas-microsoft-com:vml" xmlns:pvml="urn:schemas-microsoft-com:office:powerpoint" xmlns:com="http://schemas.openxmlformats.org/drawingml/2006/compatibility" xmlns:p14="http://schemas.microsoft.com/office/powerpoint/2010/main">
+  <p:cSld>
+    <p:spTree>
+      <p:nvGrpSpPr>
+        <p:cNvPr id="148" name="Shape 148"/>
+        <p:cNvGrpSpPr/>
+        <p:nvPr/>
+      </p:nvGrpSpPr>
+      <p:grpSpPr>
+        <a:xfrm>
+          <a:off x="0" y="0"/>
+          <a:ext cx="0" cy="0"/>
+          <a:chOff x="0" y="0"/>
+          <a:chExt cx="0" cy="0"/>
+        </a:xfrm>
+      </p:grpSpPr>
+      <p:sp>
+        <p:nvSpPr>
+          <p:cNvPr id="149" name="Shape 149"/>
+          <p:cNvSpPr txBox="1"/>
+          <p:nvPr>
+            <p:ph type="title"/>
+          </p:nvPr>
+        </p:nvSpPr>
+        <p:spPr>
+          <a:xfrm>
+            <a:off x="311700" y="445025"/>
+            <a:ext cx="8520599" cy="572699"/>
+          </a:xfrm>
+          <a:prstGeom prst="rect">
+            <a:avLst/>
+          </a:prstGeom>
+        </p:spPr>
+        <p:txBody>
+          <a:bodyPr anchorCtr="0" anchor="t" bIns="91425" lIns="91425" rIns="91425" tIns="91425">
+            <a:noAutofit/>
+          </a:bodyPr>
+          <a:lstStyle/>
+          <a:p>
+            <a:pPr>
+              <a:spcBef>
+                <a:spcPts val="0"/>
+              </a:spcBef>
+              <a:buNone/>
+            </a:pPr>
+            <a:r>
+              <a:rPr lang="pl"/>
+              <a:t>Monada Optional</a:t>
+            </a:r>
+          </a:p>
+        </p:txBody>
+      </p:sp>
+      <p:sp>
+        <p:nvSpPr>
+          <p:cNvPr id="150" name="Shape 150"/>
+          <p:cNvSpPr txBox="1"/>
+          <p:nvPr>
+            <p:ph idx="1" type="body"/>
+          </p:nvPr>
+        </p:nvSpPr>
+        <p:spPr>
+          <a:xfrm>
+            <a:off x="311700" y="1152475"/>
+            <a:ext cx="8520599" cy="3416400"/>
+          </a:xfrm>
+          <a:prstGeom prst="rect">
+            <a:avLst/>
+          </a:prstGeom>
+        </p:spPr>
+        <p:txBody>
+          <a:bodyPr anchorCtr="0" anchor="t" bIns="91425" lIns="91425" rIns="91425" tIns="91425">
+            <a:noAutofit/>
+          </a:bodyPr>
+          <a:lstStyle/>
+          <a:p>
             <a:pPr rtl="0">
               <a:spcBef>
                 <a:spcPts val="0"/>
@@ -5600,13 +6880,8 @@
               <a:buNone/>
             </a:pPr>
             <a:r>
-              <a:rPr lang="pl" u="sng">
-                <a:solidFill>
-                  <a:schemeClr val="hlink"/>
-                </a:solidFill>
-                <a:hlinkClick r:id="rId3"/>
-              </a:rPr>
-              <a:t>http://www.oracle.com/technetwork/java/javase/8-whats-new-2157071.html</a:t>
+              <a:rPr lang="pl"/>
+              <a:t>Monada Optional pozwala nam operować na obiektach, które mogą nie istnieć (być null’em). Używając monady możemy zapomnieć u sprawdzaniu warunku:</a:t>
             </a:r>
           </a:p>
           <a:p>
@@ -5617,14 +6892,9 @@
               <a:buNone/>
             </a:pPr>
             <a:r>
-              <a:rPr lang="pl" u="sng">
-                <a:solidFill>
-                  <a:schemeClr val="hlink"/>
-                </a:solidFill>
-                <a:hlinkClick r:id="rId4"/>
-              </a:rPr>
-              <a:t>https://www.youtube.com/watch?v=8pDm_kH4YKY</a:t>
-            </a:r>
+              <a:t/>
+            </a:r>
+            <a:endParaRPr/>
           </a:p>
           <a:p>
             <a:pPr rtl="0">
@@ -5634,13 +6904,20 @@
               <a:buNone/>
             </a:pPr>
             <a:r>
-              <a:rPr lang="pl" u="sng">
-                <a:solidFill>
-                  <a:schemeClr val="hlink"/>
-                </a:solidFill>
-                <a:hlinkClick r:id="rId5"/>
-              </a:rPr>
-              <a:t>https://www.youtube.com/watch?v=ne3RNFkFlgU</a:t>
+              <a:rPr lang="pl"/>
+              <a:t>Zgodnie z poprzednią teorią monada ma 3 części:</a:t>
+            </a:r>
+          </a:p>
+          <a:p>
+            <a:pPr lvl="0" rtl="0">
+              <a:spcBef>
+                <a:spcPts val="0"/>
+              </a:spcBef>
+              <a:buNone/>
+            </a:pPr>
+            <a:r>
+              <a:rPr lang="pl"/>
+              <a:t>- Opakowywującą</a:t>
             </a:r>
           </a:p>
           <a:p>
@@ -5651,13 +6928,8 @@
               <a:buNone/>
             </a:pPr>
             <a:r>
-              <a:rPr lang="pl" u="sng">
-                <a:solidFill>
-                  <a:schemeClr val="hlink"/>
-                </a:solidFill>
-                <a:hlinkClick r:id="rId6"/>
-              </a:rPr>
-              <a:t>https://www.youtube.com/watch?v=nkUafcNWiQE</a:t>
+              <a:rPr lang="pl"/>
+              <a:t>- Wykonywanie operacji</a:t>
             </a:r>
           </a:p>
           <a:p>
@@ -5668,13 +6940,987 @@
               <a:buNone/>
             </a:pPr>
             <a:r>
-              <a:rPr lang="pl" u="sng">
-                <a:solidFill>
-                  <a:schemeClr val="hlink"/>
-                </a:solidFill>
-                <a:hlinkClick r:id="rId7"/>
-              </a:rPr>
-              <a:t>https://github.com/jasongoodwin/better-java-monads</a:t>
+              <a:rPr lang="pl"/>
+              <a:t>- Pobieranie wartości</a:t>
+            </a:r>
+          </a:p>
+          <a:p>
+            <a:pPr>
+              <a:spcBef>
+                <a:spcPts val="0"/>
+              </a:spcBef>
+              <a:buNone/>
+            </a:pPr>
+            <a:r>
+              <a:t/>
+            </a:r>
+            <a:endParaRPr/>
+          </a:p>
+        </p:txBody>
+      </p:sp>
+      <p:pic>
+        <p:nvPicPr>
+          <p:cNvPr id="151" name="Shape 151"/>
+          <p:cNvPicPr preferRelativeResize="0"/>
+          <p:nvPr/>
+        </p:nvPicPr>
+        <p:blipFill>
+          <a:blip r:embed="rId3">
+            <a:alphaModFix/>
+          </a:blip>
+          <a:stretch>
+            <a:fillRect/>
+          </a:stretch>
+        </p:blipFill>
+        <p:spPr>
+          <a:xfrm>
+            <a:off x="3081325" y="1902887"/>
+            <a:ext cx="2981325" cy="485775"/>
+          </a:xfrm>
+          <a:prstGeom prst="rect">
+            <a:avLst/>
+          </a:prstGeom>
+          <a:noFill/>
+          <a:ln>
+            <a:noFill/>
+          </a:ln>
+        </p:spPr>
+      </p:pic>
+    </p:spTree>
+  </p:cSld>
+  <p:clrMapOvr>
+    <a:masterClrMapping/>
+  </p:clrMapOvr>
+  <p:transition spd="slow">
+    <p:cut/>
+  </p:transition>
+</p:sld>
+</file>
+
+<file path=ppt/slides/slide15.xml><?xml version="1.0" encoding="utf-8"?>
+<p:sld xmlns:a="http://schemas.openxmlformats.org/drawingml/2006/main" xmlns:r="http://schemas.openxmlformats.org/officeDocument/2006/relationships" xmlns:mc="http://schemas.openxmlformats.org/markup-compatibility/2006" xmlns:mv="urn:schemas-microsoft-com:mac:vml" xmlns:p="http://schemas.openxmlformats.org/presentationml/2006/main" xmlns:c="http://schemas.openxmlformats.org/drawingml/2006/chart" xmlns:dgm="http://schemas.openxmlformats.org/drawingml/2006/diagram" xmlns:o="urn:schemas-microsoft-com:office:office" xmlns:v="urn:schemas-microsoft-com:vml" xmlns:pvml="urn:schemas-microsoft-com:office:powerpoint" xmlns:com="http://schemas.openxmlformats.org/drawingml/2006/compatibility" xmlns:p14="http://schemas.microsoft.com/office/powerpoint/2010/main">
+  <p:cSld>
+    <p:spTree>
+      <p:nvGrpSpPr>
+        <p:cNvPr id="155" name="Shape 155"/>
+        <p:cNvGrpSpPr/>
+        <p:nvPr/>
+      </p:nvGrpSpPr>
+      <p:grpSpPr>
+        <a:xfrm>
+          <a:off x="0" y="0"/>
+          <a:ext cx="0" cy="0"/>
+          <a:chOff x="0" y="0"/>
+          <a:chExt cx="0" cy="0"/>
+        </a:xfrm>
+      </p:grpSpPr>
+      <p:sp>
+        <p:nvSpPr>
+          <p:cNvPr id="156" name="Shape 156"/>
+          <p:cNvSpPr txBox="1"/>
+          <p:nvPr>
+            <p:ph type="title"/>
+          </p:nvPr>
+        </p:nvSpPr>
+        <p:spPr>
+          <a:xfrm>
+            <a:off x="311700" y="445025"/>
+            <a:ext cx="8520599" cy="572699"/>
+          </a:xfrm>
+          <a:prstGeom prst="rect">
+            <a:avLst/>
+          </a:prstGeom>
+        </p:spPr>
+        <p:txBody>
+          <a:bodyPr anchorCtr="0" anchor="t" bIns="91425" lIns="91425" rIns="91425" tIns="91425">
+            <a:noAutofit/>
+          </a:bodyPr>
+          <a:lstStyle/>
+          <a:p>
+            <a:pPr lvl="0">
+              <a:spcBef>
+                <a:spcPts val="0"/>
+              </a:spcBef>
+              <a:buClr>
+                <a:srgbClr val="000000"/>
+              </a:buClr>
+              <a:buSzPct val="39285"/>
+              <a:buFont typeface="Arial"/>
+              <a:buNone/>
+            </a:pPr>
+            <a:r>
+              <a:rPr lang="pl"/>
+              <a:t>Opakowanie monadą Optional</a:t>
+            </a:r>
+          </a:p>
+        </p:txBody>
+      </p:sp>
+      <p:sp>
+        <p:nvSpPr>
+          <p:cNvPr id="157" name="Shape 157"/>
+          <p:cNvSpPr txBox="1"/>
+          <p:nvPr>
+            <p:ph idx="1" type="body"/>
+          </p:nvPr>
+        </p:nvSpPr>
+        <p:spPr>
+          <a:xfrm>
+            <a:off x="311700" y="1152475"/>
+            <a:ext cx="8520599" cy="3416400"/>
+          </a:xfrm>
+          <a:prstGeom prst="rect">
+            <a:avLst/>
+          </a:prstGeom>
+        </p:spPr>
+        <p:txBody>
+          <a:bodyPr anchorCtr="0" anchor="t" bIns="91425" lIns="91425" rIns="91425" tIns="91425">
+            <a:noAutofit/>
+          </a:bodyPr>
+          <a:lstStyle/>
+          <a:p>
+            <a:pPr lvl="0" rtl="0">
+              <a:spcBef>
+                <a:spcPts val="0"/>
+              </a:spcBef>
+              <a:buNone/>
+            </a:pPr>
+            <a:r>
+              <a:rPr lang="pl"/>
+              <a:t>Do opakowania możemy używać </a:t>
+            </a:r>
+          </a:p>
+          <a:p>
+            <a:pPr lvl="0" rtl="0">
+              <a:lnSpc>
+                <a:spcPct val="100000"/>
+              </a:lnSpc>
+              <a:spcBef>
+                <a:spcPts val="0"/>
+              </a:spcBef>
+              <a:spcAft>
+                <a:spcPts val="1000"/>
+              </a:spcAft>
+              <a:buNone/>
+            </a:pPr>
+            <a:r>
+              <a:rPr lang="pl"/>
+              <a:t>.of() - Opakuwujemy obiekt - zakładamy, że </a:t>
+            </a:r>
+            <a:r>
+              <a:rPr b="1" lang="pl"/>
+              <a:t>nie</a:t>
+            </a:r>
+            <a:r>
+              <a:rPr lang="pl"/>
+              <a:t> może być null’em</a:t>
+            </a:r>
+          </a:p>
+          <a:p>
+            <a:pPr lvl="0" rtl="0">
+              <a:lnSpc>
+                <a:spcPct val="100000"/>
+              </a:lnSpc>
+              <a:spcBef>
+                <a:spcPts val="0"/>
+              </a:spcBef>
+              <a:spcAft>
+                <a:spcPts val="1000"/>
+              </a:spcAft>
+              <a:buNone/>
+            </a:pPr>
+            <a:r>
+              <a:t/>
+            </a:r>
+            <a:endParaRPr/>
+          </a:p>
+          <a:p>
+            <a:pPr lvl="0" rtl="0">
+              <a:lnSpc>
+                <a:spcPct val="100000"/>
+              </a:lnSpc>
+              <a:spcBef>
+                <a:spcPts val="0"/>
+              </a:spcBef>
+              <a:spcAft>
+                <a:spcPts val="1000"/>
+              </a:spcAft>
+              <a:buNone/>
+            </a:pPr>
+            <a:r>
+              <a:rPr lang="pl"/>
+              <a:t>.ofNullable() -Opakowujemy obiekt, który może być nullem</a:t>
+            </a:r>
+          </a:p>
+          <a:p>
+            <a:pPr lvl="0" rtl="0">
+              <a:lnSpc>
+                <a:spcPct val="100000"/>
+              </a:lnSpc>
+              <a:spcBef>
+                <a:spcPts val="0"/>
+              </a:spcBef>
+              <a:spcAft>
+                <a:spcPts val="1000"/>
+              </a:spcAft>
+              <a:buNone/>
+            </a:pPr>
+            <a:r>
+              <a:t/>
+            </a:r>
+            <a:endParaRPr/>
+          </a:p>
+          <a:p>
+            <a:pPr lvl="0" rtl="0">
+              <a:lnSpc>
+                <a:spcPct val="100000"/>
+              </a:lnSpc>
+              <a:spcBef>
+                <a:spcPts val="0"/>
+              </a:spcBef>
+              <a:spcAft>
+                <a:spcPts val="1000"/>
+              </a:spcAft>
+              <a:buClr>
+                <a:schemeClr val="dk1"/>
+              </a:buClr>
+              <a:buSzPct val="61111"/>
+              <a:buFont typeface="Arial"/>
+              <a:buNone/>
+            </a:pPr>
+            <a:r>
+              <a:rPr lang="pl"/>
+              <a:t>.empty() - Tworzymy pustą monadę</a:t>
+            </a:r>
+          </a:p>
+          <a:p>
+            <a:pPr>
+              <a:spcBef>
+                <a:spcPts val="0"/>
+              </a:spcBef>
+              <a:buNone/>
+            </a:pPr>
+            <a:r>
+              <a:t/>
+            </a:r>
+            <a:endParaRPr/>
+          </a:p>
+        </p:txBody>
+      </p:sp>
+      <p:pic>
+        <p:nvPicPr>
+          <p:cNvPr id="158" name="Shape 158"/>
+          <p:cNvPicPr preferRelativeResize="0"/>
+          <p:nvPr/>
+        </p:nvPicPr>
+        <p:blipFill>
+          <a:blip r:embed="rId3">
+            <a:alphaModFix/>
+          </a:blip>
+          <a:stretch>
+            <a:fillRect/>
+          </a:stretch>
+        </p:blipFill>
+        <p:spPr>
+          <a:xfrm>
+            <a:off x="311687" y="2096787"/>
+            <a:ext cx="3800475" cy="428625"/>
+          </a:xfrm>
+          <a:prstGeom prst="rect">
+            <a:avLst/>
+          </a:prstGeom>
+          <a:noFill/>
+          <a:ln>
+            <a:noFill/>
+          </a:ln>
+        </p:spPr>
+      </p:pic>
+      <p:pic>
+        <p:nvPicPr>
+          <p:cNvPr id="159" name="Shape 159"/>
+          <p:cNvPicPr preferRelativeResize="0"/>
+          <p:nvPr/>
+        </p:nvPicPr>
+        <p:blipFill>
+          <a:blip r:embed="rId4">
+            <a:alphaModFix/>
+          </a:blip>
+          <a:stretch>
+            <a:fillRect/>
+          </a:stretch>
+        </p:blipFill>
+        <p:spPr>
+          <a:xfrm>
+            <a:off x="311687" y="3000925"/>
+            <a:ext cx="4276725" cy="323850"/>
+          </a:xfrm>
+          <a:prstGeom prst="rect">
+            <a:avLst/>
+          </a:prstGeom>
+          <a:noFill/>
+          <a:ln>
+            <a:noFill/>
+          </a:ln>
+        </p:spPr>
+      </p:pic>
+      <p:pic>
+        <p:nvPicPr>
+          <p:cNvPr id="160" name="Shape 160"/>
+          <p:cNvPicPr preferRelativeResize="0"/>
+          <p:nvPr/>
+        </p:nvPicPr>
+        <p:blipFill>
+          <a:blip r:embed="rId5">
+            <a:alphaModFix/>
+          </a:blip>
+          <a:stretch>
+            <a:fillRect/>
+          </a:stretch>
+        </p:blipFill>
+        <p:spPr>
+          <a:xfrm>
+            <a:off x="311700" y="3800262"/>
+            <a:ext cx="3124200" cy="352425"/>
+          </a:xfrm>
+          <a:prstGeom prst="rect">
+            <a:avLst/>
+          </a:prstGeom>
+          <a:noFill/>
+          <a:ln>
+            <a:noFill/>
+          </a:ln>
+        </p:spPr>
+      </p:pic>
+    </p:spTree>
+  </p:cSld>
+  <p:clrMapOvr>
+    <a:masterClrMapping/>
+  </p:clrMapOvr>
+  <p:transition spd="slow">
+    <p:cut/>
+  </p:transition>
+</p:sld>
+</file>
+
+<file path=ppt/slides/slide16.xml><?xml version="1.0" encoding="utf-8"?>
+<p:sld xmlns:a="http://schemas.openxmlformats.org/drawingml/2006/main" xmlns:r="http://schemas.openxmlformats.org/officeDocument/2006/relationships" xmlns:mc="http://schemas.openxmlformats.org/markup-compatibility/2006" xmlns:mv="urn:schemas-microsoft-com:mac:vml" xmlns:p="http://schemas.openxmlformats.org/presentationml/2006/main" xmlns:c="http://schemas.openxmlformats.org/drawingml/2006/chart" xmlns:dgm="http://schemas.openxmlformats.org/drawingml/2006/diagram" xmlns:o="urn:schemas-microsoft-com:office:office" xmlns:v="urn:schemas-microsoft-com:vml" xmlns:pvml="urn:schemas-microsoft-com:office:powerpoint" xmlns:com="http://schemas.openxmlformats.org/drawingml/2006/compatibility" xmlns:p14="http://schemas.microsoft.com/office/powerpoint/2010/main">
+  <p:cSld>
+    <p:spTree>
+      <p:nvGrpSpPr>
+        <p:cNvPr id="164" name="Shape 164"/>
+        <p:cNvGrpSpPr/>
+        <p:nvPr/>
+      </p:nvGrpSpPr>
+      <p:grpSpPr>
+        <a:xfrm>
+          <a:off x="0" y="0"/>
+          <a:ext cx="0" cy="0"/>
+          <a:chOff x="0" y="0"/>
+          <a:chExt cx="0" cy="0"/>
+        </a:xfrm>
+      </p:grpSpPr>
+      <p:sp>
+        <p:nvSpPr>
+          <p:cNvPr id="165" name="Shape 165"/>
+          <p:cNvSpPr txBox="1"/>
+          <p:nvPr>
+            <p:ph type="title"/>
+          </p:nvPr>
+        </p:nvSpPr>
+        <p:spPr>
+          <a:xfrm>
+            <a:off x="311700" y="445025"/>
+            <a:ext cx="8520599" cy="572699"/>
+          </a:xfrm>
+          <a:prstGeom prst="rect">
+            <a:avLst/>
+          </a:prstGeom>
+        </p:spPr>
+        <p:txBody>
+          <a:bodyPr anchorCtr="0" anchor="t" bIns="91425" lIns="91425" rIns="91425" tIns="91425">
+            <a:noAutofit/>
+          </a:bodyPr>
+          <a:lstStyle/>
+          <a:p>
+            <a:pPr>
+              <a:spcBef>
+                <a:spcPts val="0"/>
+              </a:spcBef>
+              <a:buNone/>
+            </a:pPr>
+            <a:r>
+              <a:rPr lang="pl"/>
+              <a:t>Wykonywanie operacji na monadzie optional</a:t>
+            </a:r>
+          </a:p>
+        </p:txBody>
+      </p:sp>
+      <p:sp>
+        <p:nvSpPr>
+          <p:cNvPr id="166" name="Shape 166"/>
+          <p:cNvSpPr txBox="1"/>
+          <p:nvPr>
+            <p:ph idx="1" type="body"/>
+          </p:nvPr>
+        </p:nvSpPr>
+        <p:spPr>
+          <a:xfrm>
+            <a:off x="311700" y="1152475"/>
+            <a:ext cx="8520599" cy="3416400"/>
+          </a:xfrm>
+          <a:prstGeom prst="rect">
+            <a:avLst/>
+          </a:prstGeom>
+        </p:spPr>
+        <p:txBody>
+          <a:bodyPr anchorCtr="0" anchor="t" bIns="91425" lIns="91425" rIns="91425" tIns="91425">
+            <a:noAutofit/>
+          </a:bodyPr>
+          <a:lstStyle/>
+          <a:p>
+            <a:pPr rtl="0">
+              <a:spcBef>
+                <a:spcPts val="0"/>
+              </a:spcBef>
+              <a:buNone/>
+            </a:pPr>
+            <a:r>
+              <a:rPr lang="pl"/>
+              <a:t>.filter(Predicate&lt;T&gt;) - metoda służy do wykonywania filtrowania, gdzie T jest typem na którym wykonujemy operacje</a:t>
+            </a:r>
+          </a:p>
+          <a:p>
+            <a:pPr rtl="0">
+              <a:spcBef>
+                <a:spcPts val="0"/>
+              </a:spcBef>
+              <a:buNone/>
+            </a:pPr>
+            <a:r>
+              <a:rPr lang="pl"/>
+              <a:t>.map(new Function&lt;R, T&gt;() - metoda wykonuje operacje na obiekcie typu T, a następnie zwraca obiekt innego typu R</a:t>
+            </a:r>
+          </a:p>
+          <a:p>
+            <a:pPr>
+              <a:spcBef>
+                <a:spcPts val="0"/>
+              </a:spcBef>
+              <a:buNone/>
+            </a:pPr>
+            <a:r>
+              <a:rPr lang="pl"/>
+              <a:t>.flatMap(new Function&lt;R, Optional&lt;T&gt;&gt;() - działa podobnie do map, z tym, że potrafi wykonać operacje na innej monadzie Optional. Pozwala to uniknąć zagnieżdżania monad.</a:t>
+            </a:r>
+          </a:p>
+        </p:txBody>
+      </p:sp>
+    </p:spTree>
+  </p:cSld>
+  <p:clrMapOvr>
+    <a:masterClrMapping/>
+  </p:clrMapOvr>
+  <p:transition spd="slow">
+    <p:cut/>
+  </p:transition>
+</p:sld>
+</file>
+
+<file path=ppt/slides/slide17.xml><?xml version="1.0" encoding="utf-8"?>
+<p:sld xmlns:a="http://schemas.openxmlformats.org/drawingml/2006/main" xmlns:r="http://schemas.openxmlformats.org/officeDocument/2006/relationships" xmlns:mc="http://schemas.openxmlformats.org/markup-compatibility/2006" xmlns:mv="urn:schemas-microsoft-com:mac:vml" xmlns:p="http://schemas.openxmlformats.org/presentationml/2006/main" xmlns:c="http://schemas.openxmlformats.org/drawingml/2006/chart" xmlns:dgm="http://schemas.openxmlformats.org/drawingml/2006/diagram" xmlns:o="urn:schemas-microsoft-com:office:office" xmlns:v="urn:schemas-microsoft-com:vml" xmlns:pvml="urn:schemas-microsoft-com:office:powerpoint" xmlns:com="http://schemas.openxmlformats.org/drawingml/2006/compatibility" xmlns:p14="http://schemas.microsoft.com/office/powerpoint/2010/main">
+  <p:cSld>
+    <p:spTree>
+      <p:nvGrpSpPr>
+        <p:cNvPr id="170" name="Shape 170"/>
+        <p:cNvGrpSpPr/>
+        <p:nvPr/>
+      </p:nvGrpSpPr>
+      <p:grpSpPr>
+        <a:xfrm>
+          <a:off x="0" y="0"/>
+          <a:ext cx="0" cy="0"/>
+          <a:chOff x="0" y="0"/>
+          <a:chExt cx="0" cy="0"/>
+        </a:xfrm>
+      </p:grpSpPr>
+      <p:sp>
+        <p:nvSpPr>
+          <p:cNvPr id="171" name="Shape 171"/>
+          <p:cNvSpPr txBox="1"/>
+          <p:nvPr>
+            <p:ph type="title"/>
+          </p:nvPr>
+        </p:nvSpPr>
+        <p:spPr>
+          <a:xfrm>
+            <a:off x="311700" y="247925"/>
+            <a:ext cx="8520599" cy="572699"/>
+          </a:xfrm>
+          <a:prstGeom prst="rect">
+            <a:avLst/>
+          </a:prstGeom>
+        </p:spPr>
+        <p:txBody>
+          <a:bodyPr anchorCtr="0" anchor="t" bIns="91425" lIns="91425" rIns="91425" tIns="91425">
+            <a:noAutofit/>
+          </a:bodyPr>
+          <a:lstStyle/>
+          <a:p>
+            <a:pPr>
+              <a:spcBef>
+                <a:spcPts val="0"/>
+              </a:spcBef>
+              <a:buNone/>
+            </a:pPr>
+            <a:r>
+              <a:rPr lang="pl"/>
+              <a:t>Pobieranie wartości z monady Optional</a:t>
+            </a:r>
+          </a:p>
+        </p:txBody>
+      </p:sp>
+      <p:sp>
+        <p:nvSpPr>
+          <p:cNvPr id="172" name="Shape 172"/>
+          <p:cNvSpPr txBox="1"/>
+          <p:nvPr>
+            <p:ph idx="1" type="body"/>
+          </p:nvPr>
+        </p:nvSpPr>
+        <p:spPr>
+          <a:xfrm>
+            <a:off x="311700" y="879100"/>
+            <a:ext cx="8520599" cy="3774899"/>
+          </a:xfrm>
+          <a:prstGeom prst="rect">
+            <a:avLst/>
+          </a:prstGeom>
+        </p:spPr>
+        <p:txBody>
+          <a:bodyPr anchorCtr="0" anchor="t" bIns="91425" lIns="91425" rIns="91425" tIns="91425">
+            <a:noAutofit/>
+          </a:bodyPr>
+          <a:lstStyle/>
+          <a:p>
+            <a:pPr rtl="0">
+              <a:spcBef>
+                <a:spcPts val="0"/>
+              </a:spcBef>
+              <a:buNone/>
+            </a:pPr>
+            <a:r>
+              <a:rPr lang="pl"/>
+              <a:t>.get() - Pobiera obiekt . </a:t>
+            </a:r>
+            <a:r>
+              <a:rPr b="1" lang="pl"/>
+              <a:t>Wartość zwrócona może być null’em.</a:t>
+            </a:r>
+          </a:p>
+          <a:p>
+            <a:pPr rtl="0">
+              <a:spcBef>
+                <a:spcPts val="0"/>
+              </a:spcBef>
+              <a:buNone/>
+            </a:pPr>
+            <a:r>
+              <a:rPr lang="pl"/>
+              <a:t>.orElse(T) - Pobiera obiekt. Kiedy obiekt jest null’em zwraca wartość domyślną określoną w T</a:t>
+            </a:r>
+          </a:p>
+          <a:p>
+            <a:pPr rtl="0">
+              <a:spcBef>
+                <a:spcPts val="0"/>
+              </a:spcBef>
+              <a:buNone/>
+            </a:pPr>
+            <a:r>
+              <a:t/>
+            </a:r>
+            <a:endParaRPr/>
+          </a:p>
+          <a:p>
+            <a:pPr rtl="0">
+              <a:spcBef>
+                <a:spcPts val="0"/>
+              </a:spcBef>
+              <a:buNone/>
+            </a:pPr>
+            <a:r>
+              <a:rPr lang="pl"/>
+              <a:t>.orElseGet(new Supplier&lt;T&gt;()) - Pobiera obiekt. Kiedy obiekt jest null’em zwraca wartość domyślną określoną dostarczoną przez Supplier’a</a:t>
+            </a:r>
+          </a:p>
+          <a:p>
+            <a:pPr rtl="0">
+              <a:spcBef>
+                <a:spcPts val="0"/>
+              </a:spcBef>
+              <a:buNone/>
+            </a:pPr>
+            <a:r>
+              <a:rPr lang="pl"/>
+              <a:t>.orElseThrow(new Supplier&lt;Exception&gt;())) - Pobiera obiekt. Kiedy obiekt jest null’em zwraca wyjątek </a:t>
+            </a:r>
+          </a:p>
+          <a:p>
+            <a:pPr>
+              <a:spcBef>
+                <a:spcPts val="0"/>
+              </a:spcBef>
+              <a:buNone/>
+            </a:pPr>
+            <a:r>
+              <a:t/>
+            </a:r>
+            <a:endParaRPr/>
+          </a:p>
+        </p:txBody>
+      </p:sp>
+      <p:pic>
+        <p:nvPicPr>
+          <p:cNvPr id="173" name="Shape 173"/>
+          <p:cNvPicPr preferRelativeResize="0"/>
+          <p:nvPr/>
+        </p:nvPicPr>
+        <p:blipFill>
+          <a:blip r:embed="rId3">
+            <a:alphaModFix/>
+          </a:blip>
+          <a:stretch>
+            <a:fillRect/>
+          </a:stretch>
+        </p:blipFill>
+        <p:spPr>
+          <a:xfrm>
+            <a:off x="386087" y="2303162"/>
+            <a:ext cx="4048125" cy="333375"/>
+          </a:xfrm>
+          <a:prstGeom prst="rect">
+            <a:avLst/>
+          </a:prstGeom>
+          <a:noFill/>
+          <a:ln>
+            <a:noFill/>
+          </a:ln>
+        </p:spPr>
+      </p:pic>
+      <p:pic>
+        <p:nvPicPr>
+          <p:cNvPr id="174" name="Shape 174"/>
+          <p:cNvPicPr preferRelativeResize="0"/>
+          <p:nvPr/>
+        </p:nvPicPr>
+        <p:blipFill>
+          <a:blip r:embed="rId4">
+            <a:alphaModFix/>
+          </a:blip>
+          <a:stretch>
+            <a:fillRect/>
+          </a:stretch>
+        </p:blipFill>
+        <p:spPr>
+          <a:xfrm>
+            <a:off x="386100" y="4339350"/>
+            <a:ext cx="5467350" cy="495300"/>
+          </a:xfrm>
+          <a:prstGeom prst="rect">
+            <a:avLst/>
+          </a:prstGeom>
+          <a:noFill/>
+          <a:ln>
+            <a:noFill/>
+          </a:ln>
+        </p:spPr>
+      </p:pic>
+    </p:spTree>
+  </p:cSld>
+  <p:clrMapOvr>
+    <a:masterClrMapping/>
+  </p:clrMapOvr>
+  <p:transition spd="slow">
+    <p:cut/>
+  </p:transition>
+</p:sld>
+</file>
+
+<file path=ppt/slides/slide18.xml><?xml version="1.0" encoding="utf-8"?>
+<p:sld xmlns:a="http://schemas.openxmlformats.org/drawingml/2006/main" xmlns:r="http://schemas.openxmlformats.org/officeDocument/2006/relationships" xmlns:mc="http://schemas.openxmlformats.org/markup-compatibility/2006" xmlns:mv="urn:schemas-microsoft-com:mac:vml" xmlns:p="http://schemas.openxmlformats.org/presentationml/2006/main" xmlns:c="http://schemas.openxmlformats.org/drawingml/2006/chart" xmlns:dgm="http://schemas.openxmlformats.org/drawingml/2006/diagram" xmlns:o="urn:schemas-microsoft-com:office:office" xmlns:v="urn:schemas-microsoft-com:vml" xmlns:pvml="urn:schemas-microsoft-com:office:powerpoint" xmlns:com="http://schemas.openxmlformats.org/drawingml/2006/compatibility" xmlns:p14="http://schemas.microsoft.com/office/powerpoint/2010/main">
+  <p:cSld>
+    <p:spTree>
+      <p:nvGrpSpPr>
+        <p:cNvPr id="178" name="Shape 178"/>
+        <p:cNvGrpSpPr/>
+        <p:nvPr/>
+      </p:nvGrpSpPr>
+      <p:grpSpPr>
+        <a:xfrm>
+          <a:off x="0" y="0"/>
+          <a:ext cx="0" cy="0"/>
+          <a:chOff x="0" y="0"/>
+          <a:chExt cx="0" cy="0"/>
+        </a:xfrm>
+      </p:grpSpPr>
+      <p:sp>
+        <p:nvSpPr>
+          <p:cNvPr id="179" name="Shape 179"/>
+          <p:cNvSpPr txBox="1"/>
+          <p:nvPr>
+            <p:ph type="title"/>
+          </p:nvPr>
+        </p:nvSpPr>
+        <p:spPr>
+          <a:xfrm>
+            <a:off x="311700" y="445025"/>
+            <a:ext cx="8520599" cy="572699"/>
+          </a:xfrm>
+          <a:prstGeom prst="rect">
+            <a:avLst/>
+          </a:prstGeom>
+        </p:spPr>
+        <p:txBody>
+          <a:bodyPr anchorCtr="0" anchor="t" bIns="91425" lIns="91425" rIns="91425" tIns="91425">
+            <a:noAutofit/>
+          </a:bodyPr>
+          <a:lstStyle/>
+          <a:p>
+            <a:pPr>
+              <a:spcBef>
+                <a:spcPts val="0"/>
+              </a:spcBef>
+              <a:buNone/>
+            </a:pPr>
+            <a:r>
+              <a:rPr lang="pl"/>
+              <a:t>Java 7 i pół</a:t>
+            </a:r>
+          </a:p>
+        </p:txBody>
+      </p:sp>
+      <p:sp>
+        <p:nvSpPr>
+          <p:cNvPr id="180" name="Shape 180"/>
+          <p:cNvSpPr txBox="1"/>
+          <p:nvPr>
+            <p:ph idx="1" type="body"/>
+          </p:nvPr>
+        </p:nvSpPr>
+        <p:spPr>
+          <a:xfrm>
+            <a:off x="311700" y="1152475"/>
+            <a:ext cx="8520599" cy="3416400"/>
+          </a:xfrm>
+          <a:prstGeom prst="rect">
+            <a:avLst/>
+          </a:prstGeom>
+        </p:spPr>
+        <p:txBody>
+          <a:bodyPr anchorCtr="0" anchor="t" bIns="91425" lIns="91425" rIns="91425" tIns="91425">
+            <a:noAutofit/>
+          </a:bodyPr>
+          <a:lstStyle/>
+          <a:p>
+            <a:pPr>
+              <a:spcBef>
+                <a:spcPts val="0"/>
+              </a:spcBef>
+              <a:buNone/>
+            </a:pPr>
+            <a:r>
+              <a:rPr lang="pl"/>
+              <a:t>Tak nie piszemy :</a:t>
+            </a:r>
+          </a:p>
+        </p:txBody>
+      </p:sp>
+      <p:pic>
+        <p:nvPicPr>
+          <p:cNvPr id="181" name="Shape 181"/>
+          <p:cNvPicPr preferRelativeResize="0"/>
+          <p:nvPr/>
+        </p:nvPicPr>
+        <p:blipFill>
+          <a:blip r:embed="rId3">
+            <a:alphaModFix/>
+          </a:blip>
+          <a:stretch>
+            <a:fillRect/>
+          </a:stretch>
+        </p:blipFill>
+        <p:spPr>
+          <a:xfrm>
+            <a:off x="311700" y="1643362"/>
+            <a:ext cx="4057650" cy="2352675"/>
+          </a:xfrm>
+          <a:prstGeom prst="rect">
+            <a:avLst/>
+          </a:prstGeom>
+          <a:noFill/>
+          <a:ln>
+            <a:noFill/>
+          </a:ln>
+        </p:spPr>
+      </p:pic>
+    </p:spTree>
+  </p:cSld>
+  <p:clrMapOvr>
+    <a:masterClrMapping/>
+  </p:clrMapOvr>
+  <p:transition spd="slow">
+    <p:cut/>
+  </p:transition>
+</p:sld>
+</file>
+
+<file path=ppt/slides/slide19.xml><?xml version="1.0" encoding="utf-8"?>
+<p:sld xmlns:a="http://schemas.openxmlformats.org/drawingml/2006/main" xmlns:r="http://schemas.openxmlformats.org/officeDocument/2006/relationships" xmlns:mc="http://schemas.openxmlformats.org/markup-compatibility/2006" xmlns:mv="urn:schemas-microsoft-com:mac:vml" xmlns:p="http://schemas.openxmlformats.org/presentationml/2006/main" xmlns:c="http://schemas.openxmlformats.org/drawingml/2006/chart" xmlns:dgm="http://schemas.openxmlformats.org/drawingml/2006/diagram" xmlns:o="urn:schemas-microsoft-com:office:office" xmlns:v="urn:schemas-microsoft-com:vml" xmlns:pvml="urn:schemas-microsoft-com:office:powerpoint" xmlns:com="http://schemas.openxmlformats.org/drawingml/2006/compatibility" xmlns:p14="http://schemas.microsoft.com/office/powerpoint/2010/main">
+  <p:cSld>
+    <p:spTree>
+      <p:nvGrpSpPr>
+        <p:cNvPr id="185" name="Shape 185"/>
+        <p:cNvGrpSpPr/>
+        <p:nvPr/>
+      </p:nvGrpSpPr>
+      <p:grpSpPr>
+        <a:xfrm>
+          <a:off x="0" y="0"/>
+          <a:ext cx="0" cy="0"/>
+          <a:chOff x="0" y="0"/>
+          <a:chExt cx="0" cy="0"/>
+        </a:xfrm>
+      </p:grpSpPr>
+      <p:sp>
+        <p:nvSpPr>
+          <p:cNvPr id="186" name="Shape 186"/>
+          <p:cNvSpPr txBox="1"/>
+          <p:nvPr>
+            <p:ph type="title"/>
+          </p:nvPr>
+        </p:nvSpPr>
+        <p:spPr>
+          <a:xfrm>
+            <a:off x="311700" y="445025"/>
+            <a:ext cx="8520599" cy="572699"/>
+          </a:xfrm>
+          <a:prstGeom prst="rect">
+            <a:avLst/>
+          </a:prstGeom>
+        </p:spPr>
+        <p:txBody>
+          <a:bodyPr anchorCtr="0" anchor="t" bIns="91425" lIns="91425" rIns="91425" tIns="91425">
+            <a:noAutofit/>
+          </a:bodyPr>
+          <a:lstStyle/>
+          <a:p>
+            <a:pPr>
+              <a:spcBef>
+                <a:spcPts val="0"/>
+              </a:spcBef>
+              <a:buNone/>
+            </a:pPr>
+            <a:r>
+              <a:rPr lang="pl"/>
+              <a:t>Monada Stream</a:t>
+            </a:r>
+          </a:p>
+        </p:txBody>
+      </p:sp>
+      <p:sp>
+        <p:nvSpPr>
+          <p:cNvPr id="187" name="Shape 187"/>
+          <p:cNvSpPr txBox="1"/>
+          <p:nvPr>
+            <p:ph idx="1" type="body"/>
+          </p:nvPr>
+        </p:nvSpPr>
+        <p:spPr>
+          <a:xfrm>
+            <a:off x="311700" y="1152475"/>
+            <a:ext cx="8520599" cy="3416400"/>
+          </a:xfrm>
+          <a:prstGeom prst="rect">
+            <a:avLst/>
+          </a:prstGeom>
+        </p:spPr>
+        <p:txBody>
+          <a:bodyPr anchorCtr="0" anchor="t" bIns="91425" lIns="91425" rIns="91425" tIns="91425">
+            <a:noAutofit/>
+          </a:bodyPr>
+          <a:lstStyle/>
+          <a:p>
+            <a:pPr rtl="0">
+              <a:spcBef>
+                <a:spcPts val="0"/>
+              </a:spcBef>
+              <a:buNone/>
+            </a:pPr>
+            <a:r>
+              <a:rPr lang="pl"/>
+              <a:t>Monada ułatwia nam zarządzania kolekcjami. Zaletą monady jest fakty, że wykonując operacje na kolekcjach możemy skupić się na operowaniu pojedynczym obiektem.</a:t>
+            </a:r>
+          </a:p>
+          <a:p>
+            <a:pPr rtl="0">
+              <a:spcBef>
+                <a:spcPts val="0"/>
+              </a:spcBef>
+              <a:buNone/>
+            </a:pPr>
+            <a:r>
+              <a:rPr lang="pl"/>
+              <a:t>Monada również składa się z trzech części:</a:t>
+            </a:r>
+          </a:p>
+          <a:p>
+            <a:pPr lvl="0" rtl="0">
+              <a:spcBef>
+                <a:spcPts val="0"/>
+              </a:spcBef>
+              <a:buClr>
+                <a:schemeClr val="dk1"/>
+              </a:buClr>
+              <a:buSzPct val="61111"/>
+              <a:buFont typeface="Arial"/>
+              <a:buNone/>
+            </a:pPr>
+            <a:r>
+              <a:rPr lang="pl"/>
+              <a:t>- Opakowywania : stream()</a:t>
+            </a:r>
+          </a:p>
+          <a:p>
+            <a:pPr lvl="0" rtl="0">
+              <a:spcBef>
+                <a:spcPts val="0"/>
+              </a:spcBef>
+              <a:buClr>
+                <a:schemeClr val="dk1"/>
+              </a:buClr>
+              <a:buSzPct val="61111"/>
+              <a:buFont typeface="Arial"/>
+              <a:buNone/>
+            </a:pPr>
+            <a:r>
+              <a:rPr lang="pl"/>
+              <a:t>- Wykonywanie operacji</a:t>
+            </a:r>
+          </a:p>
+          <a:p>
+            <a:pPr lvl="0" rtl="0">
+              <a:spcBef>
+                <a:spcPts val="0"/>
+              </a:spcBef>
+              <a:buClr>
+                <a:schemeClr val="dk1"/>
+              </a:buClr>
+              <a:buSzPct val="61111"/>
+              <a:buFont typeface="Arial"/>
+              <a:buNone/>
+            </a:pPr>
+            <a:r>
+              <a:rPr lang="pl"/>
+              <a:t>- Pobieranie wartości</a:t>
             </a:r>
           </a:p>
           <a:p>
@@ -5897,6 +8143,702 @@
           </a:ln>
         </p:spPr>
       </p:pic>
+    </p:spTree>
+  </p:cSld>
+  <p:clrMapOvr>
+    <a:masterClrMapping/>
+  </p:clrMapOvr>
+  <p:transition spd="slow">
+    <p:cut/>
+  </p:transition>
+</p:sld>
+</file>
+
+<file path=ppt/slides/slide20.xml><?xml version="1.0" encoding="utf-8"?>
+<p:sld xmlns:a="http://schemas.openxmlformats.org/drawingml/2006/main" xmlns:r="http://schemas.openxmlformats.org/officeDocument/2006/relationships" xmlns:mc="http://schemas.openxmlformats.org/markup-compatibility/2006" xmlns:mv="urn:schemas-microsoft-com:mac:vml" xmlns:p="http://schemas.openxmlformats.org/presentationml/2006/main" xmlns:c="http://schemas.openxmlformats.org/drawingml/2006/chart" xmlns:dgm="http://schemas.openxmlformats.org/drawingml/2006/diagram" xmlns:o="urn:schemas-microsoft-com:office:office" xmlns:v="urn:schemas-microsoft-com:vml" xmlns:pvml="urn:schemas-microsoft-com:office:powerpoint" xmlns:com="http://schemas.openxmlformats.org/drawingml/2006/compatibility" xmlns:p14="http://schemas.microsoft.com/office/powerpoint/2010/main">
+  <p:cSld>
+    <p:spTree>
+      <p:nvGrpSpPr>
+        <p:cNvPr id="191" name="Shape 191"/>
+        <p:cNvGrpSpPr/>
+        <p:nvPr/>
+      </p:nvGrpSpPr>
+      <p:grpSpPr>
+        <a:xfrm>
+          <a:off x="0" y="0"/>
+          <a:ext cx="0" cy="0"/>
+          <a:chOff x="0" y="0"/>
+          <a:chExt cx="0" cy="0"/>
+        </a:xfrm>
+      </p:grpSpPr>
+      <p:sp>
+        <p:nvSpPr>
+          <p:cNvPr id="192" name="Shape 192"/>
+          <p:cNvSpPr txBox="1"/>
+          <p:nvPr>
+            <p:ph type="title"/>
+          </p:nvPr>
+        </p:nvSpPr>
+        <p:spPr>
+          <a:xfrm>
+            <a:off x="311700" y="445025"/>
+            <a:ext cx="8520599" cy="572699"/>
+          </a:xfrm>
+          <a:prstGeom prst="rect">
+            <a:avLst/>
+          </a:prstGeom>
+        </p:spPr>
+        <p:txBody>
+          <a:bodyPr anchorCtr="0" anchor="t" bIns="91425" lIns="91425" rIns="91425" tIns="91425">
+            <a:noAutofit/>
+          </a:bodyPr>
+          <a:lstStyle/>
+          <a:p>
+            <a:pPr lvl="0">
+              <a:spcBef>
+                <a:spcPts val="0"/>
+              </a:spcBef>
+              <a:buClr>
+                <a:srgbClr val="000000"/>
+              </a:buClr>
+              <a:buSzPct val="39285"/>
+              <a:buFont typeface="Arial"/>
+              <a:buNone/>
+            </a:pPr>
+            <a:r>
+              <a:rPr lang="pl"/>
+              <a:t>Wykonywanie opracji na monadzie stream</a:t>
+            </a:r>
+          </a:p>
+        </p:txBody>
+      </p:sp>
+      <p:sp>
+        <p:nvSpPr>
+          <p:cNvPr id="193" name="Shape 193"/>
+          <p:cNvSpPr txBox="1"/>
+          <p:nvPr>
+            <p:ph idx="1" type="body"/>
+          </p:nvPr>
+        </p:nvSpPr>
+        <p:spPr>
+          <a:xfrm>
+            <a:off x="311700" y="1152475"/>
+            <a:ext cx="8520599" cy="3416400"/>
+          </a:xfrm>
+          <a:prstGeom prst="rect">
+            <a:avLst/>
+          </a:prstGeom>
+        </p:spPr>
+        <p:txBody>
+          <a:bodyPr anchorCtr="0" anchor="t" bIns="91425" lIns="91425" rIns="91425" tIns="91425">
+            <a:noAutofit/>
+          </a:bodyPr>
+          <a:lstStyle/>
+          <a:p>
+            <a:pPr lvl="0" rtl="0">
+              <a:spcBef>
+                <a:spcPts val="0"/>
+              </a:spcBef>
+              <a:buNone/>
+            </a:pPr>
+            <a:r>
+              <a:rPr lang="pl"/>
+              <a:t>Przykłady:</a:t>
+            </a:r>
+          </a:p>
+          <a:p>
+            <a:pPr lvl="0" rtl="0">
+              <a:spcBef>
+                <a:spcPts val="0"/>
+              </a:spcBef>
+              <a:buClr>
+                <a:schemeClr val="dk1"/>
+              </a:buClr>
+              <a:buSzPct val="61111"/>
+              <a:buFont typeface="Arial"/>
+              <a:buNone/>
+            </a:pPr>
+            <a:r>
+              <a:rPr lang="pl"/>
+              <a:t>.filter(Predicate) - Filtrowanie wartości</a:t>
+            </a:r>
+          </a:p>
+          <a:p>
+            <a:pPr lvl="0" rtl="0">
+              <a:spcBef>
+                <a:spcPts val="0"/>
+              </a:spcBef>
+              <a:buClr>
+                <a:schemeClr val="dk1"/>
+              </a:buClr>
+              <a:buSzPct val="61111"/>
+              <a:buFont typeface="Arial"/>
+              <a:buNone/>
+            </a:pPr>
+            <a:r>
+              <a:rPr lang="pl"/>
+              <a:t>.map(Function&lt;R,T&gt;) - Zmiana wartości z T na R </a:t>
+            </a:r>
+          </a:p>
+          <a:p>
+            <a:pPr lvl="0" rtl="0">
+              <a:spcBef>
+                <a:spcPts val="0"/>
+              </a:spcBef>
+              <a:buClr>
+                <a:schemeClr val="dk1"/>
+              </a:buClr>
+              <a:buSzPct val="61111"/>
+              <a:buFont typeface="Arial"/>
+              <a:buNone/>
+            </a:pPr>
+            <a:r>
+              <a:rPr lang="pl"/>
+              <a:t>.peek(Consumer) - Pozwala wykonać dodatkową operacje, które nie modyfikuje elementu - np logowanie operacji.</a:t>
+            </a:r>
+          </a:p>
+          <a:p>
+            <a:pPr lvl="0" rtl="0">
+              <a:spcBef>
+                <a:spcPts val="0"/>
+              </a:spcBef>
+              <a:buClr>
+                <a:schemeClr val="dk1"/>
+              </a:buClr>
+              <a:buSzPct val="61111"/>
+              <a:buFont typeface="Arial"/>
+              <a:buNone/>
+            </a:pPr>
+            <a:r>
+              <a:rPr lang="pl"/>
+              <a:t>.distinct() - Pozwala nam zapewnić, że elementy nie będą się powtarzać</a:t>
+            </a:r>
+          </a:p>
+          <a:p>
+            <a:pPr>
+              <a:spcBef>
+                <a:spcPts val="0"/>
+              </a:spcBef>
+              <a:buNone/>
+            </a:pPr>
+            <a:r>
+              <a:t/>
+            </a:r>
+            <a:endParaRPr/>
+          </a:p>
+        </p:txBody>
+      </p:sp>
+    </p:spTree>
+  </p:cSld>
+  <p:clrMapOvr>
+    <a:masterClrMapping/>
+  </p:clrMapOvr>
+  <p:transition spd="slow">
+    <p:cut/>
+  </p:transition>
+</p:sld>
+</file>
+
+<file path=ppt/slides/slide21.xml><?xml version="1.0" encoding="utf-8"?>
+<p:sld xmlns:a="http://schemas.openxmlformats.org/drawingml/2006/main" xmlns:r="http://schemas.openxmlformats.org/officeDocument/2006/relationships" xmlns:mc="http://schemas.openxmlformats.org/markup-compatibility/2006" xmlns:mv="urn:schemas-microsoft-com:mac:vml" xmlns:p="http://schemas.openxmlformats.org/presentationml/2006/main" xmlns:c="http://schemas.openxmlformats.org/drawingml/2006/chart" xmlns:dgm="http://schemas.openxmlformats.org/drawingml/2006/diagram" xmlns:o="urn:schemas-microsoft-com:office:office" xmlns:v="urn:schemas-microsoft-com:vml" xmlns:pvml="urn:schemas-microsoft-com:office:powerpoint" xmlns:com="http://schemas.openxmlformats.org/drawingml/2006/compatibility" xmlns:p14="http://schemas.microsoft.com/office/powerpoint/2010/main">
+  <p:cSld>
+    <p:spTree>
+      <p:nvGrpSpPr>
+        <p:cNvPr id="197" name="Shape 197"/>
+        <p:cNvGrpSpPr/>
+        <p:nvPr/>
+      </p:nvGrpSpPr>
+      <p:grpSpPr>
+        <a:xfrm>
+          <a:off x="0" y="0"/>
+          <a:ext cx="0" cy="0"/>
+          <a:chOff x="0" y="0"/>
+          <a:chExt cx="0" cy="0"/>
+        </a:xfrm>
+      </p:grpSpPr>
+      <p:sp>
+        <p:nvSpPr>
+          <p:cNvPr id="198" name="Shape 198"/>
+          <p:cNvSpPr txBox="1"/>
+          <p:nvPr>
+            <p:ph type="title"/>
+          </p:nvPr>
+        </p:nvSpPr>
+        <p:spPr>
+          <a:xfrm>
+            <a:off x="343475" y="254275"/>
+            <a:ext cx="8520599" cy="572699"/>
+          </a:xfrm>
+          <a:prstGeom prst="rect">
+            <a:avLst/>
+          </a:prstGeom>
+        </p:spPr>
+        <p:txBody>
+          <a:bodyPr anchorCtr="0" anchor="t" bIns="91425" lIns="91425" rIns="91425" tIns="91425">
+            <a:noAutofit/>
+          </a:bodyPr>
+          <a:lstStyle/>
+          <a:p>
+            <a:pPr>
+              <a:spcBef>
+                <a:spcPts val="0"/>
+              </a:spcBef>
+              <a:buNone/>
+            </a:pPr>
+            <a:r>
+              <a:rPr lang="pl"/>
+              <a:t>Pobieranie wartości z monady Stream</a:t>
+            </a:r>
+          </a:p>
+        </p:txBody>
+      </p:sp>
+      <p:sp>
+        <p:nvSpPr>
+          <p:cNvPr id="199" name="Shape 199"/>
+          <p:cNvSpPr txBox="1"/>
+          <p:nvPr>
+            <p:ph idx="1" type="body"/>
+          </p:nvPr>
+        </p:nvSpPr>
+        <p:spPr>
+          <a:xfrm>
+            <a:off x="311700" y="863550"/>
+            <a:ext cx="8520599" cy="4279799"/>
+          </a:xfrm>
+          <a:prstGeom prst="rect">
+            <a:avLst/>
+          </a:prstGeom>
+        </p:spPr>
+        <p:txBody>
+          <a:bodyPr anchorCtr="0" anchor="t" bIns="91425" lIns="91425" rIns="91425" tIns="91425">
+            <a:noAutofit/>
+          </a:bodyPr>
+          <a:lstStyle/>
+          <a:p>
+            <a:pPr rtl="0">
+              <a:lnSpc>
+                <a:spcPct val="100000"/>
+              </a:lnSpc>
+              <a:spcBef>
+                <a:spcPts val="0"/>
+              </a:spcBef>
+              <a:spcAft>
+                <a:spcPts val="1000"/>
+              </a:spcAft>
+              <a:buNone/>
+            </a:pPr>
+            <a:r>
+              <a:rPr lang="pl"/>
+              <a:t>Przykłady:</a:t>
+            </a:r>
+          </a:p>
+          <a:p>
+            <a:pPr lvl="0" rtl="0">
+              <a:lnSpc>
+                <a:spcPct val="100000"/>
+              </a:lnSpc>
+              <a:spcBef>
+                <a:spcPts val="0"/>
+              </a:spcBef>
+              <a:spcAft>
+                <a:spcPts val="1000"/>
+              </a:spcAft>
+              <a:buNone/>
+            </a:pPr>
+            <a:r>
+              <a:rPr lang="pl"/>
+              <a:t>.forEach() - Iteruje po kolekcji - podobne do pętli foreach</a:t>
+            </a:r>
+          </a:p>
+          <a:p>
+            <a:pPr lvl="0" rtl="0">
+              <a:lnSpc>
+                <a:spcPct val="100000"/>
+              </a:lnSpc>
+              <a:spcBef>
+                <a:spcPts val="0"/>
+              </a:spcBef>
+              <a:spcAft>
+                <a:spcPts val="500"/>
+              </a:spcAft>
+              <a:buClr>
+                <a:schemeClr val="dk1"/>
+              </a:buClr>
+              <a:buSzPct val="61111"/>
+              <a:buFont typeface="Arial"/>
+              <a:buNone/>
+            </a:pPr>
+            <a:r>
+              <a:rPr lang="pl"/>
+              <a:t>.collect - metoda pozwala określić w jaki sposub chcemy zwrócić wynik. Jak argument przyjmuje kolejne funkcje:</a:t>
+            </a:r>
+          </a:p>
+          <a:p>
+            <a:pPr indent="-228600" lvl="0" marL="457200" rtl="0">
+              <a:lnSpc>
+                <a:spcPct val="100000"/>
+              </a:lnSpc>
+              <a:spcBef>
+                <a:spcPts val="0"/>
+              </a:spcBef>
+              <a:spcAft>
+                <a:spcPts val="500"/>
+              </a:spcAft>
+            </a:pPr>
+            <a:r>
+              <a:rPr lang="pl"/>
+              <a:t>Collectors.toList() - Zwraca listę (ArrayList)</a:t>
+            </a:r>
+          </a:p>
+          <a:p>
+            <a:pPr indent="-228600" lvl="0" marL="457200" rtl="0">
+              <a:lnSpc>
+                <a:spcPct val="100000"/>
+              </a:lnSpc>
+              <a:spcBef>
+                <a:spcPts val="0"/>
+              </a:spcBef>
+              <a:spcAft>
+                <a:spcPts val="500"/>
+              </a:spcAft>
+            </a:pPr>
+            <a:r>
+              <a:rPr lang="pl"/>
+              <a:t>Collectors.toMap(Function,Function) - Zwraca mapę (HashMap). Przyjmuje dwie funkcjce. Jedna nam określa jak ustawiamy klucz, a druga jak ustawiamy wartość</a:t>
+            </a:r>
+          </a:p>
+          <a:p>
+            <a:pPr indent="-228600" lvl="0" marL="457200" rtl="0">
+              <a:lnSpc>
+                <a:spcPct val="100000"/>
+              </a:lnSpc>
+              <a:spcBef>
+                <a:spcPts val="0"/>
+              </a:spcBef>
+              <a:spcAft>
+                <a:spcPts val="500"/>
+              </a:spcAft>
+            </a:pPr>
+            <a:r>
+              <a:rPr lang="pl"/>
+              <a:t>Collectors.toSet() - zwraca HashSet</a:t>
+            </a:r>
+          </a:p>
+          <a:p>
+            <a:pPr indent="-228600" lvl="0" marL="457200" rtl="0">
+              <a:lnSpc>
+                <a:spcPct val="100000"/>
+              </a:lnSpc>
+              <a:spcBef>
+                <a:spcPts val="0"/>
+              </a:spcBef>
+              <a:spcAft>
+                <a:spcPts val="500"/>
+              </a:spcAft>
+            </a:pPr>
+            <a:r>
+              <a:rPr lang="pl"/>
+              <a:t>Collectors.toCollection() - Zwraca dowolną kolekcje</a:t>
+            </a:r>
+          </a:p>
+          <a:p>
+            <a:pPr indent="-228600" lvl="0" marL="457200" rtl="0">
+              <a:lnSpc>
+                <a:spcPct val="100000"/>
+              </a:lnSpc>
+              <a:spcBef>
+                <a:spcPts val="0"/>
+              </a:spcBef>
+              <a:spcAft>
+                <a:spcPts val="500"/>
+              </a:spcAft>
+            </a:pPr>
+            <a:r>
+              <a:rPr lang="pl"/>
+              <a:t>Collectors.reducing() - Pozwala nam zredukować elementy (np. zwrócić element o najwyższej wartości</a:t>
+            </a:r>
+          </a:p>
+          <a:p>
+            <a:pPr lvl="0">
+              <a:lnSpc>
+                <a:spcPct val="100000"/>
+              </a:lnSpc>
+              <a:spcBef>
+                <a:spcPts val="0"/>
+              </a:spcBef>
+              <a:spcAft>
+                <a:spcPts val="500"/>
+              </a:spcAft>
+              <a:buNone/>
+            </a:pPr>
+            <a:r>
+              <a:rPr lang="pl"/>
+              <a:t> </a:t>
+            </a:r>
+          </a:p>
+        </p:txBody>
+      </p:sp>
+    </p:spTree>
+  </p:cSld>
+  <p:clrMapOvr>
+    <a:masterClrMapping/>
+  </p:clrMapOvr>
+  <p:transition spd="slow">
+    <p:cut/>
+  </p:transition>
+</p:sld>
+</file>
+
+<file path=ppt/slides/slide22.xml><?xml version="1.0" encoding="utf-8"?>
+<p:sld xmlns:a="http://schemas.openxmlformats.org/drawingml/2006/main" xmlns:r="http://schemas.openxmlformats.org/officeDocument/2006/relationships" xmlns:mc="http://schemas.openxmlformats.org/markup-compatibility/2006" xmlns:mv="urn:schemas-microsoft-com:mac:vml" xmlns:p="http://schemas.openxmlformats.org/presentationml/2006/main" xmlns:c="http://schemas.openxmlformats.org/drawingml/2006/chart" xmlns:dgm="http://schemas.openxmlformats.org/drawingml/2006/diagram" xmlns:o="urn:schemas-microsoft-com:office:office" xmlns:v="urn:schemas-microsoft-com:vml" xmlns:pvml="urn:schemas-microsoft-com:office:powerpoint" xmlns:com="http://schemas.openxmlformats.org/drawingml/2006/compatibility" xmlns:p14="http://schemas.microsoft.com/office/powerpoint/2010/main">
+  <p:cSld>
+    <p:spTree>
+      <p:nvGrpSpPr>
+        <p:cNvPr id="203" name="Shape 203"/>
+        <p:cNvGrpSpPr/>
+        <p:nvPr/>
+      </p:nvGrpSpPr>
+      <p:grpSpPr>
+        <a:xfrm>
+          <a:off x="0" y="0"/>
+          <a:ext cx="0" cy="0"/>
+          <a:chOff x="0" y="0"/>
+          <a:chExt cx="0" cy="0"/>
+        </a:xfrm>
+      </p:grpSpPr>
+      <p:sp>
+        <p:nvSpPr>
+          <p:cNvPr id="204" name="Shape 204"/>
+          <p:cNvSpPr txBox="1"/>
+          <p:nvPr>
+            <p:ph idx="1" type="body"/>
+          </p:nvPr>
+        </p:nvSpPr>
+        <p:spPr>
+          <a:xfrm>
+            <a:off x="311700" y="1152475"/>
+            <a:ext cx="8520599" cy="3416400"/>
+          </a:xfrm>
+          <a:prstGeom prst="rect">
+            <a:avLst/>
+          </a:prstGeom>
+        </p:spPr>
+        <p:txBody>
+          <a:bodyPr anchorCtr="0" anchor="t" bIns="91425" lIns="91425" rIns="91425" tIns="91425">
+            <a:noAutofit/>
+          </a:bodyPr>
+          <a:lstStyle/>
+          <a:p>
+            <a:pPr rtl="0">
+              <a:spcBef>
+                <a:spcPts val="0"/>
+              </a:spcBef>
+              <a:buNone/>
+            </a:pPr>
+            <a:r>
+              <a:rPr lang="pl"/>
+              <a:t>Przykłady</a:t>
+            </a:r>
+          </a:p>
+          <a:p>
+            <a:pPr>
+              <a:spcBef>
+                <a:spcPts val="0"/>
+              </a:spcBef>
+              <a:buNone/>
+            </a:pPr>
+            <a:r>
+              <a:rPr lang="pl"/>
+              <a:t>https://github.com/jkornacki/java8Lambda</a:t>
+            </a:r>
+          </a:p>
+        </p:txBody>
+      </p:sp>
+    </p:spTree>
+  </p:cSld>
+  <p:clrMapOvr>
+    <a:masterClrMapping/>
+  </p:clrMapOvr>
+  <p:transition spd="slow">
+    <p:cut/>
+  </p:transition>
+</p:sld>
+</file>
+
+<file path=ppt/slides/slide23.xml><?xml version="1.0" encoding="utf-8"?>
+<p:sld xmlns:a="http://schemas.openxmlformats.org/drawingml/2006/main" xmlns:r="http://schemas.openxmlformats.org/officeDocument/2006/relationships" xmlns:mc="http://schemas.openxmlformats.org/markup-compatibility/2006" xmlns:mv="urn:schemas-microsoft-com:mac:vml" xmlns:p="http://schemas.openxmlformats.org/presentationml/2006/main" xmlns:c="http://schemas.openxmlformats.org/drawingml/2006/chart" xmlns:dgm="http://schemas.openxmlformats.org/drawingml/2006/diagram" xmlns:o="urn:schemas-microsoft-com:office:office" xmlns:v="urn:schemas-microsoft-com:vml" xmlns:pvml="urn:schemas-microsoft-com:office:powerpoint" xmlns:com="http://schemas.openxmlformats.org/drawingml/2006/compatibility" xmlns:p14="http://schemas.microsoft.com/office/powerpoint/2010/main">
+  <p:cSld>
+    <p:spTree>
+      <p:nvGrpSpPr>
+        <p:cNvPr id="208" name="Shape 208"/>
+        <p:cNvGrpSpPr/>
+        <p:nvPr/>
+      </p:nvGrpSpPr>
+      <p:grpSpPr>
+        <a:xfrm>
+          <a:off x="0" y="0"/>
+          <a:ext cx="0" cy="0"/>
+          <a:chOff x="0" y="0"/>
+          <a:chExt cx="0" cy="0"/>
+        </a:xfrm>
+      </p:grpSpPr>
+      <p:sp>
+        <p:nvSpPr>
+          <p:cNvPr id="209" name="Shape 209"/>
+          <p:cNvSpPr txBox="1"/>
+          <p:nvPr>
+            <p:ph type="title"/>
+          </p:nvPr>
+        </p:nvSpPr>
+        <p:spPr>
+          <a:xfrm>
+            <a:off x="311700" y="445025"/>
+            <a:ext cx="8520599" cy="572699"/>
+          </a:xfrm>
+          <a:prstGeom prst="rect">
+            <a:avLst/>
+          </a:prstGeom>
+        </p:spPr>
+        <p:txBody>
+          <a:bodyPr anchorCtr="0" anchor="t" bIns="91425" lIns="91425" rIns="91425" tIns="91425">
+            <a:noAutofit/>
+          </a:bodyPr>
+          <a:lstStyle/>
+          <a:p>
+            <a:pPr lvl="0" rtl="0">
+              <a:spcBef>
+                <a:spcPts val="0"/>
+              </a:spcBef>
+              <a:buNone/>
+            </a:pPr>
+            <a:r>
+              <a:rPr lang="pl"/>
+              <a:t>Przydatne linki</a:t>
+            </a:r>
+          </a:p>
+        </p:txBody>
+      </p:sp>
+      <p:sp>
+        <p:nvSpPr>
+          <p:cNvPr id="210" name="Shape 210"/>
+          <p:cNvSpPr txBox="1"/>
+          <p:nvPr>
+            <p:ph idx="1" type="body"/>
+          </p:nvPr>
+        </p:nvSpPr>
+        <p:spPr>
+          <a:xfrm>
+            <a:off x="311700" y="1152475"/>
+            <a:ext cx="8520599" cy="3416400"/>
+          </a:xfrm>
+          <a:prstGeom prst="rect">
+            <a:avLst/>
+          </a:prstGeom>
+        </p:spPr>
+        <p:txBody>
+          <a:bodyPr anchorCtr="0" anchor="t" bIns="91425" lIns="91425" rIns="91425" tIns="91425">
+            <a:noAutofit/>
+          </a:bodyPr>
+          <a:lstStyle/>
+          <a:p>
+            <a:pPr lvl="0" rtl="0">
+              <a:spcBef>
+                <a:spcPts val="0"/>
+              </a:spcBef>
+              <a:buNone/>
+            </a:pPr>
+            <a:r>
+              <a:rPr lang="pl" u="sng">
+                <a:solidFill>
+                  <a:schemeClr val="hlink"/>
+                </a:solidFill>
+                <a:hlinkClick r:id="rId3"/>
+              </a:rPr>
+              <a:t>http://www.oracle.com/technetwork/java/javase/8-whats-new-2157071.html</a:t>
+            </a:r>
+          </a:p>
+          <a:p>
+            <a:pPr lvl="0" rtl="0">
+              <a:spcBef>
+                <a:spcPts val="0"/>
+              </a:spcBef>
+              <a:buNone/>
+            </a:pPr>
+            <a:r>
+              <a:rPr lang="pl" u="sng">
+                <a:solidFill>
+                  <a:schemeClr val="hlink"/>
+                </a:solidFill>
+                <a:hlinkClick r:id="rId4"/>
+              </a:rPr>
+              <a:t>https://www.youtube.com/watch?v=8pDm_kH4YKY</a:t>
+            </a:r>
+          </a:p>
+          <a:p>
+            <a:pPr lvl="0" rtl="0">
+              <a:spcBef>
+                <a:spcPts val="0"/>
+              </a:spcBef>
+              <a:buNone/>
+            </a:pPr>
+            <a:r>
+              <a:rPr lang="pl" u="sng">
+                <a:solidFill>
+                  <a:schemeClr val="hlink"/>
+                </a:solidFill>
+                <a:hlinkClick r:id="rId5"/>
+              </a:rPr>
+              <a:t>https://www.youtube.com/watch?v=ne3RNFkFlgU</a:t>
+            </a:r>
+          </a:p>
+          <a:p>
+            <a:pPr lvl="0" rtl="0">
+              <a:spcBef>
+                <a:spcPts val="0"/>
+              </a:spcBef>
+              <a:buNone/>
+            </a:pPr>
+            <a:r>
+              <a:rPr lang="pl" u="sng">
+                <a:solidFill>
+                  <a:schemeClr val="hlink"/>
+                </a:solidFill>
+                <a:hlinkClick r:id="rId6"/>
+              </a:rPr>
+              <a:t>https://www.youtube.com/watch?v=nkUafcNWiQE</a:t>
+            </a:r>
+          </a:p>
+          <a:p>
+            <a:pPr lvl="0" rtl="0">
+              <a:spcBef>
+                <a:spcPts val="0"/>
+              </a:spcBef>
+              <a:buNone/>
+            </a:pPr>
+            <a:r>
+              <a:rPr lang="pl" u="sng">
+                <a:solidFill>
+                  <a:schemeClr val="hlink"/>
+                </a:solidFill>
+                <a:hlinkClick r:id="rId7"/>
+              </a:rPr>
+              <a:t>https://github.com/jasongoodwin/better-java-monads</a:t>
+            </a:r>
+          </a:p>
+          <a:p>
+            <a:pPr lvl="0" rtl="0">
+              <a:spcBef>
+                <a:spcPts val="0"/>
+              </a:spcBef>
+              <a:buNone/>
+            </a:pPr>
+            <a:r>
+              <a:t/>
+            </a:r>
+            <a:endParaRPr/>
+          </a:p>
+        </p:txBody>
+      </p:sp>
     </p:spTree>
   </p:cSld>
   <p:clrMapOvr>
@@ -7590,7 +10532,7 @@
         </p:nvSpPr>
         <p:spPr>
           <a:xfrm>
-            <a:off x="311700" y="445025"/>
+            <a:off x="311700" y="209775"/>
             <a:ext cx="8520599" cy="572699"/>
           </a:xfrm>
           <a:prstGeom prst="rect">
@@ -7611,7 +10553,7 @@
             </a:pPr>
             <a:r>
               <a:rPr lang="pl"/>
-              <a:t>Nowe API Java 8</a:t>
+              <a:t>Monady</a:t>
             </a:r>
           </a:p>
         </p:txBody>
@@ -7626,8 +10568,8 @@
         </p:nvSpPr>
         <p:spPr>
           <a:xfrm>
-            <a:off x="311700" y="1152475"/>
-            <a:ext cx="8520599" cy="3416400"/>
+            <a:off x="311700" y="782475"/>
+            <a:ext cx="8520599" cy="463499"/>
           </a:xfrm>
           <a:prstGeom prst="rect">
             <a:avLst/>
@@ -7639,319 +10581,142 @@
           </a:bodyPr>
           <a:lstStyle/>
           <a:p>
-            <a:pPr indent="-228600" lvl="0" marL="457200" rtl="0">
-              <a:lnSpc>
-                <a:spcPct val="100000"/>
-              </a:lnSpc>
-              <a:spcBef>
-                <a:spcPts val="0"/>
-              </a:spcBef>
-              <a:spcAft>
-                <a:spcPts val="500"/>
-              </a:spcAft>
+            <a:pPr lvl="0" rtl="0">
+              <a:spcBef>
+                <a:spcPts val="0"/>
+              </a:spcBef>
+              <a:buNone/>
             </a:pPr>
             <a:r>
               <a:rPr lang="pl"/>
-              <a:t>Iterable</a:t>
-            </a:r>
-          </a:p>
-          <a:p>
-            <a:pPr indent="-228600" lvl="1" marL="914400" rtl="0">
-              <a:lnSpc>
-                <a:spcPct val="100000"/>
-              </a:lnSpc>
-              <a:spcBef>
-                <a:spcPts val="0"/>
-              </a:spcBef>
-              <a:spcAft>
-                <a:spcPts val="500"/>
-              </a:spcAft>
+              <a:t>Definicja matematyczna:</a:t>
+            </a:r>
+          </a:p>
+          <a:p>
+            <a:pPr lvl="0" rtl="0">
+              <a:spcBef>
+                <a:spcPts val="0"/>
+              </a:spcBef>
+              <a:buNone/>
+            </a:pPr>
+            <a:r>
+              <a:t/>
+            </a:r>
+            <a:endParaRPr/>
+          </a:p>
+        </p:txBody>
+      </p:sp>
+      <p:pic>
+        <p:nvPicPr>
+          <p:cNvPr id="115" name="Shape 115"/>
+          <p:cNvPicPr preferRelativeResize="0"/>
+          <p:nvPr/>
+        </p:nvPicPr>
+        <p:blipFill>
+          <a:blip r:embed="rId3">
+            <a:alphaModFix/>
+          </a:blip>
+          <a:stretch>
+            <a:fillRect/>
+          </a:stretch>
+        </p:blipFill>
+        <p:spPr>
+          <a:xfrm>
+            <a:off x="215975" y="1245975"/>
+            <a:ext cx="8928024" cy="678450"/>
+          </a:xfrm>
+          <a:prstGeom prst="rect">
+            <a:avLst/>
+          </a:prstGeom>
+          <a:noFill/>
+          <a:ln>
+            <a:noFill/>
+          </a:ln>
+        </p:spPr>
+      </p:pic>
+      <p:sp>
+        <p:nvSpPr>
+          <p:cNvPr id="116" name="Shape 116"/>
+          <p:cNvSpPr txBox="1"/>
+          <p:nvPr/>
+        </p:nvSpPr>
+        <p:spPr>
+          <a:xfrm>
+            <a:off x="171499" y="1875600"/>
+            <a:ext cx="8856599" cy="647700"/>
+          </a:xfrm>
+          <a:prstGeom prst="rect">
+            <a:avLst/>
+          </a:prstGeom>
+          <a:noFill/>
+          <a:ln>
+            <a:noFill/>
+          </a:ln>
+        </p:spPr>
+        <p:txBody>
+          <a:bodyPr anchorCtr="0" anchor="ctr" bIns="91425" lIns="91425" rIns="91425" tIns="91425">
+            <a:noAutofit/>
+          </a:bodyPr>
+          <a:lstStyle/>
+          <a:p>
+            <a:pPr rtl="0">
+              <a:spcBef>
+                <a:spcPts val="0"/>
+              </a:spcBef>
+              <a:buNone/>
             </a:pPr>
             <a:r>
               <a:rPr lang="pl"/>
-              <a:t>forEach(Consumer)</a:t>
-            </a:r>
-          </a:p>
-          <a:p>
-            <a:pPr indent="-228600" lvl="1" marL="914400" rtl="0">
-              <a:lnSpc>
-                <a:spcPct val="100000"/>
-              </a:lnSpc>
-              <a:spcBef>
-                <a:spcPts val="0"/>
-              </a:spcBef>
-              <a:spcAft>
-                <a:spcPts val="500"/>
-              </a:spcAft>
-            </a:pPr>
-            <a:r>
-              <a:rPr lang="pl"/>
-              <a:t>spliterator()</a:t>
-            </a:r>
-          </a:p>
-          <a:p>
-            <a:pPr indent="-228600" lvl="0" marL="457200" rtl="0">
-              <a:lnSpc>
-                <a:spcPct val="100000"/>
-              </a:lnSpc>
-              <a:spcBef>
-                <a:spcPts val="0"/>
-              </a:spcBef>
-              <a:spcAft>
-                <a:spcPts val="500"/>
-              </a:spcAft>
-            </a:pPr>
-            <a:r>
-              <a:rPr lang="pl"/>
-              <a:t>Collection (extends Iterable)</a:t>
-            </a:r>
-          </a:p>
-          <a:p>
-            <a:pPr indent="-228600" lvl="1" marL="914400" rtl="0">
-              <a:lnSpc>
-                <a:spcPct val="100000"/>
-              </a:lnSpc>
-              <a:spcBef>
-                <a:spcPts val="0"/>
-              </a:spcBef>
-              <a:spcAft>
-                <a:spcPts val="500"/>
-              </a:spcAft>
-            </a:pPr>
-            <a:r>
-              <a:rPr lang="pl"/>
-              <a:t>removeIf(Predicate) → demo</a:t>
-            </a:r>
-          </a:p>
-          <a:p>
-            <a:pPr indent="-228600" lvl="1" marL="914400" rtl="0">
-              <a:lnSpc>
-                <a:spcPct val="100000"/>
-              </a:lnSpc>
-              <a:spcBef>
-                <a:spcPts val="0"/>
-              </a:spcBef>
-              <a:spcAft>
-                <a:spcPts val="500"/>
-              </a:spcAft>
-            </a:pPr>
-            <a:r>
-              <a:rPr lang="pl"/>
-              <a:t>stream()</a:t>
-            </a:r>
-          </a:p>
-          <a:p>
-            <a:pPr indent="-228600" lvl="1" marL="914400" rtl="0">
-              <a:lnSpc>
-                <a:spcPct val="100000"/>
-              </a:lnSpc>
-              <a:spcBef>
-                <a:spcPts val="0"/>
-              </a:spcBef>
-              <a:spcAft>
-                <a:spcPts val="500"/>
-              </a:spcAft>
-            </a:pPr>
-            <a:r>
-              <a:rPr lang="pl"/>
-              <a:t>parallelStream()</a:t>
-            </a:r>
-          </a:p>
-          <a:p>
-            <a:pPr indent="-228600" lvl="0" marL="457200" rtl="0">
-              <a:lnSpc>
-                <a:spcPct val="100000"/>
-              </a:lnSpc>
-              <a:spcBef>
-                <a:spcPts val="0"/>
-              </a:spcBef>
-              <a:spcAft>
-                <a:spcPts val="500"/>
-              </a:spcAft>
-            </a:pPr>
-            <a:r>
-              <a:rPr lang="pl"/>
-              <a:t>List (extends Collection)</a:t>
-            </a:r>
-          </a:p>
-          <a:p>
-            <a:pPr indent="-228600" lvl="1" marL="914400" rtl="0">
-              <a:lnSpc>
-                <a:spcPct val="100000"/>
-              </a:lnSpc>
-              <a:spcBef>
-                <a:spcPts val="0"/>
-              </a:spcBef>
-              <a:spcAft>
-                <a:spcPts val="500"/>
-              </a:spcAft>
-            </a:pPr>
-            <a:r>
-              <a:rPr lang="pl"/>
-              <a:t>replaceAll(UnaryOperator)</a:t>
-            </a:r>
-          </a:p>
-          <a:p>
-            <a:pPr indent="-228600" lvl="1" marL="914400" rtl="0">
-              <a:lnSpc>
-                <a:spcPct val="100000"/>
-              </a:lnSpc>
-              <a:spcBef>
-                <a:spcPts val="0"/>
-              </a:spcBef>
-              <a:spcAft>
-                <a:spcPts val="500"/>
-              </a:spcAft>
-            </a:pPr>
-            <a:r>
-              <a:rPr lang="pl"/>
-              <a:t>sort(Comparator) → demo</a:t>
-            </a:r>
-          </a:p>
-          <a:p>
-            <a:pPr indent="-228600" lvl="0" marL="457200" rtl="0">
-              <a:lnSpc>
-                <a:spcPct val="100000"/>
-              </a:lnSpc>
-              <a:spcBef>
-                <a:spcPts val="0"/>
-              </a:spcBef>
-              <a:spcAft>
-                <a:spcPts val="500"/>
-              </a:spcAft>
-            </a:pPr>
-            <a:r>
-              <a:rPr lang="pl"/>
-              <a:t>File</a:t>
-            </a:r>
-          </a:p>
-          <a:p>
-            <a:pPr indent="-228600" lvl="1" marL="914400" rtl="0">
-              <a:lnSpc>
-                <a:spcPct val="100000"/>
-              </a:lnSpc>
-              <a:spcBef>
-                <a:spcPts val="0"/>
-              </a:spcBef>
-              <a:spcAft>
-                <a:spcPts val="500"/>
-              </a:spcAft>
-            </a:pPr>
-            <a:r>
-              <a:rPr lang="pl"/>
-              <a:t>lines</a:t>
+              <a:t>Źródło:</a:t>
             </a:r>
           </a:p>
           <a:p>
             <a:pPr lvl="0" rtl="0">
-              <a:lnSpc>
-                <a:spcPct val="100000"/>
-              </a:lnSpc>
-              <a:spcBef>
-                <a:spcPts val="0"/>
-              </a:spcBef>
-              <a:spcAft>
-                <a:spcPts val="500"/>
-              </a:spcAft>
-              <a:buNone/>
-            </a:pPr>
-            <a:r>
-              <a:t/>
-            </a:r>
-            <a:endParaRPr/>
-          </a:p>
-          <a:p>
-            <a:pPr rtl="0">
-              <a:lnSpc>
-                <a:spcPct val="100000"/>
-              </a:lnSpc>
-              <a:spcBef>
-                <a:spcPts val="0"/>
-              </a:spcBef>
-              <a:spcAft>
-                <a:spcPts val="500"/>
-              </a:spcAft>
-              <a:buNone/>
-            </a:pPr>
-            <a:r>
-              <a:t/>
-            </a:r>
-            <a:endParaRPr/>
-          </a:p>
-          <a:p>
-            <a:pPr rtl="0">
-              <a:lnSpc>
-                <a:spcPct val="100000"/>
-              </a:lnSpc>
-              <a:spcBef>
-                <a:spcPts val="0"/>
-              </a:spcBef>
-              <a:spcAft>
-                <a:spcPts val="500"/>
-              </a:spcAft>
-              <a:buNone/>
-            </a:pPr>
-            <a:r>
-              <a:t/>
-            </a:r>
-            <a:endParaRPr/>
-          </a:p>
-          <a:p>
-            <a:pPr rtl="0">
-              <a:lnSpc>
-                <a:spcPct val="100000"/>
-              </a:lnSpc>
-              <a:spcBef>
-                <a:spcPts val="0"/>
-              </a:spcBef>
-              <a:spcAft>
-                <a:spcPts val="500"/>
-              </a:spcAft>
-              <a:buNone/>
-            </a:pPr>
-            <a:r>
-              <a:t/>
-            </a:r>
-            <a:endParaRPr/>
-          </a:p>
-          <a:p>
-            <a:pPr rtl="0">
-              <a:lnSpc>
-                <a:spcPct val="100000"/>
-              </a:lnSpc>
-              <a:spcBef>
-                <a:spcPts val="0"/>
-              </a:spcBef>
-              <a:spcAft>
-                <a:spcPts val="500"/>
-              </a:spcAft>
-              <a:buNone/>
-            </a:pPr>
-            <a:r>
-              <a:t/>
-            </a:r>
-            <a:endParaRPr/>
-          </a:p>
-          <a:p>
-            <a:pPr>
-              <a:lnSpc>
-                <a:spcPct val="100000"/>
-              </a:lnSpc>
-              <a:spcBef>
-                <a:spcPts val="0"/>
-              </a:spcBef>
-              <a:spcAft>
-                <a:spcPts val="500"/>
-              </a:spcAft>
-              <a:buNone/>
-            </a:pPr>
-            <a:r>
-              <a:t/>
-            </a:r>
-            <a:endParaRPr/>
+              <a:spcBef>
+                <a:spcPts val="0"/>
+              </a:spcBef>
+              <a:buNone/>
+            </a:pPr>
+            <a:r>
+              <a:rPr lang="pl" u="sng">
+                <a:solidFill>
+                  <a:schemeClr val="hlink"/>
+                </a:solidFill>
+                <a:hlinkClick r:id="rId4"/>
+              </a:rPr>
+              <a:t>http://wazniak.mimuw.edu.pl/index.php?title=Teoria_kategorii_dla_informatyk%C3%B3w/Wyk%C5%82ad_11:_Monady</a:t>
+            </a:r>
           </a:p>
         </p:txBody>
       </p:sp>
+      <p:pic>
+        <p:nvPicPr>
+          <p:cNvPr id="117" name="Shape 117"/>
+          <p:cNvPicPr preferRelativeResize="0"/>
+          <p:nvPr/>
+        </p:nvPicPr>
+        <p:blipFill>
+          <a:blip r:embed="rId5">
+            <a:alphaModFix/>
+          </a:blip>
+          <a:stretch>
+            <a:fillRect/>
+          </a:stretch>
+        </p:blipFill>
+        <p:spPr>
+          <a:xfrm>
+            <a:off x="2918087" y="2441425"/>
+            <a:ext cx="3307849" cy="2507350"/>
+          </a:xfrm>
+          <a:prstGeom prst="rect">
+            <a:avLst/>
+          </a:prstGeom>
+          <a:noFill/>
+          <a:ln>
+            <a:noFill/>
+          </a:ln>
+        </p:spPr>
+      </p:pic>
     </p:spTree>
   </p:cSld>
   <p:clrMapOvr>
@@ -7964,26 +10729,26 @@
 </file>
 
 <file path=ppt/theme/theme1.xml><?xml version="1.0" encoding="utf-8"?>
-<a:theme xmlns:a="http://schemas.openxmlformats.org/drawingml/2006/main" xmlns:r="http://schemas.openxmlformats.org/officeDocument/2006/relationships" name="simple-dark-2">
+<a:theme xmlns:a="http://schemas.openxmlformats.org/drawingml/2006/main" xmlns:r="http://schemas.openxmlformats.org/officeDocument/2006/relationships" name="simple-light-2">
   <a:themeElements>
-    <a:clrScheme name="Simple Dark">
+    <a:clrScheme name="Simple Light">
       <a:dk1>
-        <a:srgbClr val="FFFFFF"/>
+        <a:srgbClr val="000000"/>
       </a:dk1>
       <a:lt1>
-        <a:srgbClr val="212121"/>
+        <a:srgbClr val="FFFFFF"/>
       </a:lt1>
       <a:dk2>
-        <a:srgbClr val="303030"/>
+        <a:srgbClr val="595959"/>
       </a:dk2>
       <a:lt2>
-        <a:srgbClr val="ADADAD"/>
+        <a:srgbClr val="EEEEEE"/>
       </a:lt2>
       <a:accent1>
-        <a:srgbClr val="009688"/>
+        <a:srgbClr val="FFAB40"/>
       </a:accent1>
       <a:accent2>
-        <a:srgbClr val="EEEEEE"/>
+        <a:srgbClr val="212121"/>
       </a:accent2>
       <a:accent3>
         <a:srgbClr val="78909C"/>
@@ -7992,16 +10757,16 @@
         <a:srgbClr val="FFAB40"/>
       </a:accent4>
       <a:accent5>
-        <a:srgbClr val="4DD0E1"/>
+        <a:srgbClr val="0097A7"/>
       </a:accent5>
       <a:accent6>
         <a:srgbClr val="EEFF41"/>
       </a:accent6>
       <a:hlink>
-        <a:srgbClr val="4DD0E1"/>
+        <a:srgbClr val="0097A7"/>
       </a:hlink>
       <a:folHlink>
-        <a:srgbClr val="4DD0E1"/>
+        <a:srgbClr val="0097A7"/>
       </a:folHlink>
     </a:clrScheme>
     <a:fontScheme name="Office">
